--- a/hib.pptx
+++ b/hib.pptx
@@ -5,7 +5,7 @@
     <p:sldMasterId id="2147483773" r:id="rId1"/>
   </p:sldMasterIdLst>
   <p:notesMasterIdLst>
-    <p:notesMasterId r:id="rId21"/>
+    <p:notesMasterId r:id="rId19"/>
   </p:notesMasterIdLst>
   <p:sldIdLst>
     <p:sldId id="258" r:id="rId2"/>
@@ -16,17 +16,15 @@
     <p:sldId id="260" r:id="rId7"/>
     <p:sldId id="262" r:id="rId8"/>
     <p:sldId id="263" r:id="rId9"/>
-    <p:sldId id="261" r:id="rId10"/>
-    <p:sldId id="265" r:id="rId11"/>
-    <p:sldId id="264" r:id="rId12"/>
-    <p:sldId id="266" r:id="rId13"/>
-    <p:sldId id="267" r:id="rId14"/>
-    <p:sldId id="273" r:id="rId15"/>
-    <p:sldId id="269" r:id="rId16"/>
-    <p:sldId id="272" r:id="rId17"/>
-    <p:sldId id="268" r:id="rId18"/>
-    <p:sldId id="270" r:id="rId19"/>
-    <p:sldId id="271" r:id="rId20"/>
+    <p:sldId id="265" r:id="rId10"/>
+    <p:sldId id="264" r:id="rId11"/>
+    <p:sldId id="266" r:id="rId12"/>
+    <p:sldId id="267" r:id="rId13"/>
+    <p:sldId id="273" r:id="rId14"/>
+    <p:sldId id="261" r:id="rId15"/>
+    <p:sldId id="272" r:id="rId16"/>
+    <p:sldId id="270" r:id="rId17"/>
+    <p:sldId id="271" r:id="rId18"/>
   </p:sldIdLst>
   <p:sldSz cx="12192000" cy="6858000"/>
   <p:notesSz cx="6858000" cy="9144000"/>
@@ -706,7 +704,7 @@
           <a:p>
             <a:fld id="{E58D98AD-F352-4D29-9F6A-8EF938F21ED1}" type="datetimeFigureOut">
               <a:rPr lang="de-DE" smtClean="0"/>
-              <a:t>26.11.2018</a:t>
+              <a:t>27.11.2018</a:t>
             </a:fld>
             <a:endParaRPr lang="de-DE"/>
           </a:p>
@@ -1020,13 +1018,14 @@
           <a:p>
             <a:r>
               <a:rPr lang="de-DE" dirty="0"/>
-              <a:t>Synchronisierung von Daten zwischen einer relationalen Datenbank und Daten im Speicher (also Objektorientiert).</a:t>
-            </a:r>
-          </a:p>
-          <a:p>
-            <a:r>
+              <a:t>Die Fragen möchte ich für euch beantworten.</a:t>
+            </a:r>
+            <a:br>
               <a:rPr lang="de-DE" dirty="0"/>
-              <a:t>Daten im Speicher sind oft viel flexibler strukturiert als Daten in flache Tabellen (relationale Model)</a:t>
+            </a:br>
+            <a:r>
+              <a:rPr lang="de-DE" dirty="0"/>
+              <a:t>Kleiner Überblick der Präsentation</a:t>
             </a:r>
           </a:p>
         </p:txBody>
@@ -1048,7 +1047,7 @@
           <a:p>
             <a:fld id="{EAFF550F-EE75-464B-B50D-5BE0AA246944}" type="slidenum">
               <a:rPr lang="de-DE" smtClean="0"/>
-              <a:t>3</a:t>
+              <a:t>2</a:t>
             </a:fld>
             <a:endParaRPr lang="de-DE"/>
           </a:p>
@@ -1057,7 +1056,479 @@
     </p:spTree>
     <p:extLst>
       <p:ext uri="{BB962C8B-B14F-4D97-AF65-F5344CB8AC3E}">
-        <p14:creationId xmlns:p14="http://schemas.microsoft.com/office/powerpoint/2010/main" val="2014239277"/>
+        <p14:creationId xmlns:p14="http://schemas.microsoft.com/office/powerpoint/2010/main" val="1353123067"/>
+      </p:ext>
+    </p:extLst>
+  </p:cSld>
+  <p:clrMapOvr>
+    <a:masterClrMapping/>
+  </p:clrMapOvr>
+</p:notes>
+</file>
+
+<file path=ppt/notesSlides/notesSlide10.xml><?xml version="1.0" encoding="utf-8"?>
+<p:notes xmlns:a="http://schemas.openxmlformats.org/drawingml/2006/main" xmlns:r="http://schemas.openxmlformats.org/officeDocument/2006/relationships" xmlns:p="http://schemas.openxmlformats.org/presentationml/2006/main">
+  <p:cSld>
+    <p:spTree>
+      <p:nvGrpSpPr>
+        <p:cNvPr id="1" name=""/>
+        <p:cNvGrpSpPr/>
+        <p:nvPr/>
+      </p:nvGrpSpPr>
+      <p:grpSpPr>
+        <a:xfrm>
+          <a:off x="0" y="0"/>
+          <a:ext cx="0" cy="0"/>
+          <a:chOff x="0" y="0"/>
+          <a:chExt cx="0" cy="0"/>
+        </a:xfrm>
+      </p:grpSpPr>
+      <p:sp>
+        <p:nvSpPr>
+          <p:cNvPr id="2" name="Slide Image Placeholder 1"/>
+          <p:cNvSpPr>
+            <a:spLocks noGrp="1" noRot="1" noChangeAspect="1"/>
+          </p:cNvSpPr>
+          <p:nvPr>
+            <p:ph type="sldImg"/>
+          </p:nvPr>
+        </p:nvSpPr>
+        <p:spPr/>
+      </p:sp>
+      <p:sp>
+        <p:nvSpPr>
+          <p:cNvPr id="3" name="Notes Placeholder 2"/>
+          <p:cNvSpPr>
+            <a:spLocks noGrp="1"/>
+          </p:cNvSpPr>
+          <p:nvPr>
+            <p:ph type="body" idx="1"/>
+          </p:nvPr>
+        </p:nvSpPr>
+        <p:spPr/>
+        <p:txBody>
+          <a:bodyPr/>
+          <a:lstStyle/>
+          <a:p>
+            <a:r>
+              <a:rPr lang="de-DE" dirty="0"/>
+              <a:t>Sind </a:t>
+            </a:r>
+            <a:r>
+              <a:rPr lang="de-DE" dirty="0" err="1"/>
+              <a:t>einzele</a:t>
+            </a:r>
+            <a:r>
+              <a:rPr lang="de-DE" dirty="0"/>
+              <a:t> Arbeitseinheiten mit der Datenbank</a:t>
+            </a:r>
+          </a:p>
+        </p:txBody>
+      </p:sp>
+      <p:sp>
+        <p:nvSpPr>
+          <p:cNvPr id="4" name="Slide Number Placeholder 3"/>
+          <p:cNvSpPr>
+            <a:spLocks noGrp="1"/>
+          </p:cNvSpPr>
+          <p:nvPr>
+            <p:ph type="sldNum" sz="quarter" idx="10"/>
+          </p:nvPr>
+        </p:nvSpPr>
+        <p:spPr/>
+        <p:txBody>
+          <a:bodyPr/>
+          <a:lstStyle/>
+          <a:p>
+            <a:fld id="{EAFF550F-EE75-464B-B50D-5BE0AA246944}" type="slidenum">
+              <a:rPr lang="de-DE" smtClean="0"/>
+              <a:t>12</a:t>
+            </a:fld>
+            <a:endParaRPr lang="de-DE"/>
+          </a:p>
+        </p:txBody>
+      </p:sp>
+    </p:spTree>
+    <p:extLst>
+      <p:ext uri="{BB962C8B-B14F-4D97-AF65-F5344CB8AC3E}">
+        <p14:creationId xmlns:p14="http://schemas.microsoft.com/office/powerpoint/2010/main" val="533572308"/>
+      </p:ext>
+    </p:extLst>
+  </p:cSld>
+  <p:clrMapOvr>
+    <a:masterClrMapping/>
+  </p:clrMapOvr>
+</p:notes>
+</file>
+
+<file path=ppt/notesSlides/notesSlide11.xml><?xml version="1.0" encoding="utf-8"?>
+<p:notes xmlns:a="http://schemas.openxmlformats.org/drawingml/2006/main" xmlns:r="http://schemas.openxmlformats.org/officeDocument/2006/relationships" xmlns:p="http://schemas.openxmlformats.org/presentationml/2006/main">
+  <p:cSld>
+    <p:spTree>
+      <p:nvGrpSpPr>
+        <p:cNvPr id="1" name=""/>
+        <p:cNvGrpSpPr/>
+        <p:nvPr/>
+      </p:nvGrpSpPr>
+      <p:grpSpPr>
+        <a:xfrm>
+          <a:off x="0" y="0"/>
+          <a:ext cx="0" cy="0"/>
+          <a:chOff x="0" y="0"/>
+          <a:chExt cx="0" cy="0"/>
+        </a:xfrm>
+      </p:grpSpPr>
+      <p:sp>
+        <p:nvSpPr>
+          <p:cNvPr id="2" name="Slide Image Placeholder 1"/>
+          <p:cNvSpPr>
+            <a:spLocks noGrp="1" noRot="1" noChangeAspect="1"/>
+          </p:cNvSpPr>
+          <p:nvPr>
+            <p:ph type="sldImg"/>
+          </p:nvPr>
+        </p:nvSpPr>
+        <p:spPr/>
+      </p:sp>
+      <p:sp>
+        <p:nvSpPr>
+          <p:cNvPr id="3" name="Notes Placeholder 2"/>
+          <p:cNvSpPr>
+            <a:spLocks noGrp="1"/>
+          </p:cNvSpPr>
+          <p:nvPr>
+            <p:ph type="body" idx="1"/>
+          </p:nvPr>
+        </p:nvSpPr>
+        <p:spPr/>
+        <p:txBody>
+          <a:bodyPr/>
+          <a:lstStyle/>
+          <a:p>
+            <a:r>
+              <a:rPr lang="de-DE" dirty="0" err="1"/>
+              <a:t>Hibernate</a:t>
+            </a:r>
+            <a:r>
+              <a:rPr lang="de-DE" dirty="0"/>
+              <a:t> Query Language</a:t>
+            </a:r>
+          </a:p>
+          <a:p>
+            <a:r>
+              <a:rPr lang="de-DE" dirty="0"/>
+              <a:t>Natürlich können auch Native SQL, oder HQL verwendet werden</a:t>
+            </a:r>
+          </a:p>
+        </p:txBody>
+      </p:sp>
+      <p:sp>
+        <p:nvSpPr>
+          <p:cNvPr id="4" name="Slide Number Placeholder 3"/>
+          <p:cNvSpPr>
+            <a:spLocks noGrp="1"/>
+          </p:cNvSpPr>
+          <p:nvPr>
+            <p:ph type="sldNum" sz="quarter" idx="10"/>
+          </p:nvPr>
+        </p:nvSpPr>
+        <p:spPr/>
+        <p:txBody>
+          <a:bodyPr/>
+          <a:lstStyle/>
+          <a:p>
+            <a:fld id="{EAFF550F-EE75-464B-B50D-5BE0AA246944}" type="slidenum">
+              <a:rPr lang="de-DE" smtClean="0"/>
+              <a:t>13</a:t>
+            </a:fld>
+            <a:endParaRPr lang="de-DE"/>
+          </a:p>
+        </p:txBody>
+      </p:sp>
+    </p:spTree>
+    <p:extLst>
+      <p:ext uri="{BB962C8B-B14F-4D97-AF65-F5344CB8AC3E}">
+        <p14:creationId xmlns:p14="http://schemas.microsoft.com/office/powerpoint/2010/main" val="2218800671"/>
+      </p:ext>
+    </p:extLst>
+  </p:cSld>
+  <p:clrMapOvr>
+    <a:masterClrMapping/>
+  </p:clrMapOvr>
+</p:notes>
+</file>
+
+<file path=ppt/notesSlides/notesSlide12.xml><?xml version="1.0" encoding="utf-8"?>
+<p:notes xmlns:a="http://schemas.openxmlformats.org/drawingml/2006/main" xmlns:r="http://schemas.openxmlformats.org/officeDocument/2006/relationships" xmlns:p="http://schemas.openxmlformats.org/presentationml/2006/main">
+  <p:cSld>
+    <p:spTree>
+      <p:nvGrpSpPr>
+        <p:cNvPr id="1" name=""/>
+        <p:cNvGrpSpPr/>
+        <p:nvPr/>
+      </p:nvGrpSpPr>
+      <p:grpSpPr>
+        <a:xfrm>
+          <a:off x="0" y="0"/>
+          <a:ext cx="0" cy="0"/>
+          <a:chOff x="0" y="0"/>
+          <a:chExt cx="0" cy="0"/>
+        </a:xfrm>
+      </p:grpSpPr>
+      <p:sp>
+        <p:nvSpPr>
+          <p:cNvPr id="2" name="Slide Image Placeholder 1"/>
+          <p:cNvSpPr>
+            <a:spLocks noGrp="1" noRot="1" noChangeAspect="1"/>
+          </p:cNvSpPr>
+          <p:nvPr>
+            <p:ph type="sldImg"/>
+          </p:nvPr>
+        </p:nvSpPr>
+        <p:spPr/>
+      </p:sp>
+      <p:sp>
+        <p:nvSpPr>
+          <p:cNvPr id="3" name="Notes Placeholder 2"/>
+          <p:cNvSpPr>
+            <a:spLocks noGrp="1"/>
+          </p:cNvSpPr>
+          <p:nvPr>
+            <p:ph type="body" idx="1"/>
+          </p:nvPr>
+        </p:nvSpPr>
+        <p:spPr/>
+        <p:txBody>
+          <a:bodyPr/>
+          <a:lstStyle/>
+          <a:p>
+            <a:r>
+              <a:rPr lang="de-DE" dirty="0"/>
+              <a:t>Mit der Konfiguration wird die </a:t>
+            </a:r>
+            <a:r>
+              <a:rPr lang="de-DE" dirty="0" err="1"/>
+              <a:t>SessionFactory</a:t>
+            </a:r>
+            <a:r>
+              <a:rPr lang="de-DE" dirty="0"/>
+              <a:t> erstellt</a:t>
+            </a:r>
+          </a:p>
+          <a:p>
+            <a:r>
+              <a:rPr lang="de-DE" dirty="0"/>
+              <a:t>Mit der </a:t>
+            </a:r>
+            <a:r>
+              <a:rPr lang="de-DE" dirty="0" err="1"/>
+              <a:t>SessionFactory</a:t>
+            </a:r>
+            <a:r>
+              <a:rPr lang="de-DE" dirty="0"/>
+              <a:t> können Instanzen von Session geholt werden</a:t>
+            </a:r>
+          </a:p>
+          <a:p>
+            <a:r>
+              <a:rPr lang="de-DE" dirty="0"/>
+              <a:t>Mit der Session können Transaktionen gestartet werden</a:t>
+            </a:r>
+          </a:p>
+        </p:txBody>
+      </p:sp>
+      <p:sp>
+        <p:nvSpPr>
+          <p:cNvPr id="4" name="Slide Number Placeholder 3"/>
+          <p:cNvSpPr>
+            <a:spLocks noGrp="1"/>
+          </p:cNvSpPr>
+          <p:nvPr>
+            <p:ph type="sldNum" sz="quarter" idx="10"/>
+          </p:nvPr>
+        </p:nvSpPr>
+        <p:spPr/>
+        <p:txBody>
+          <a:bodyPr/>
+          <a:lstStyle/>
+          <a:p>
+            <a:fld id="{EAFF550F-EE75-464B-B50D-5BE0AA246944}" type="slidenum">
+              <a:rPr lang="de-DE" smtClean="0"/>
+              <a:t>14</a:t>
+            </a:fld>
+            <a:endParaRPr lang="de-DE"/>
+          </a:p>
+        </p:txBody>
+      </p:sp>
+    </p:spTree>
+    <p:extLst>
+      <p:ext uri="{BB962C8B-B14F-4D97-AF65-F5344CB8AC3E}">
+        <p14:creationId xmlns:p14="http://schemas.microsoft.com/office/powerpoint/2010/main" val="1286381828"/>
+      </p:ext>
+    </p:extLst>
+  </p:cSld>
+  <p:clrMapOvr>
+    <a:masterClrMapping/>
+  </p:clrMapOvr>
+</p:notes>
+</file>
+
+<file path=ppt/notesSlides/notesSlide13.xml><?xml version="1.0" encoding="utf-8"?>
+<p:notes xmlns:a="http://schemas.openxmlformats.org/drawingml/2006/main" xmlns:r="http://schemas.openxmlformats.org/officeDocument/2006/relationships" xmlns:p="http://schemas.openxmlformats.org/presentationml/2006/main">
+  <p:cSld>
+    <p:spTree>
+      <p:nvGrpSpPr>
+        <p:cNvPr id="1" name=""/>
+        <p:cNvGrpSpPr/>
+        <p:nvPr/>
+      </p:nvGrpSpPr>
+      <p:grpSpPr>
+        <a:xfrm>
+          <a:off x="0" y="0"/>
+          <a:ext cx="0" cy="0"/>
+          <a:chOff x="0" y="0"/>
+          <a:chExt cx="0" cy="0"/>
+        </a:xfrm>
+      </p:grpSpPr>
+      <p:sp>
+        <p:nvSpPr>
+          <p:cNvPr id="2" name="Slide Image Placeholder 1"/>
+          <p:cNvSpPr>
+            <a:spLocks noGrp="1" noRot="1" noChangeAspect="1"/>
+          </p:cNvSpPr>
+          <p:nvPr>
+            <p:ph type="sldImg"/>
+          </p:nvPr>
+        </p:nvSpPr>
+        <p:spPr/>
+      </p:sp>
+      <p:sp>
+        <p:nvSpPr>
+          <p:cNvPr id="3" name="Notes Placeholder 2"/>
+          <p:cNvSpPr>
+            <a:spLocks noGrp="1"/>
+          </p:cNvSpPr>
+          <p:nvPr>
+            <p:ph type="body" idx="1"/>
+          </p:nvPr>
+        </p:nvSpPr>
+        <p:spPr/>
+        <p:txBody>
+          <a:bodyPr/>
+          <a:lstStyle/>
+          <a:p>
+            <a:r>
+              <a:rPr lang="de-DE" dirty="0"/>
+              <a:t>Datenbank zuerst!!</a:t>
+            </a:r>
+          </a:p>
+          <a:p>
+            <a:r>
+              <a:rPr lang="de-DE" dirty="0" err="1"/>
+              <a:t>Maven</a:t>
+            </a:r>
+            <a:r>
+              <a:rPr lang="de-DE" dirty="0"/>
+              <a:t> User Settings</a:t>
+            </a:r>
+          </a:p>
+          <a:p>
+            <a:r>
+              <a:rPr lang="de-DE" dirty="0"/>
+              <a:t>Erstellen eines </a:t>
+            </a:r>
+            <a:r>
+              <a:rPr lang="de-DE" dirty="0" err="1"/>
+              <a:t>Maven</a:t>
+            </a:r>
+            <a:r>
+              <a:rPr lang="de-DE" dirty="0"/>
+              <a:t> Projekts</a:t>
+            </a:r>
+          </a:p>
+          <a:p>
+            <a:r>
+              <a:rPr lang="de-DE" dirty="0" err="1"/>
+              <a:t>Dependencies</a:t>
+            </a:r>
+            <a:r>
+              <a:rPr lang="de-DE" dirty="0"/>
+              <a:t> hinzufügen</a:t>
+            </a:r>
+          </a:p>
+          <a:p>
+            <a:r>
+              <a:rPr lang="de-DE" dirty="0"/>
+              <a:t>Hibernate.cfg.xml</a:t>
+            </a:r>
+          </a:p>
+          <a:p>
+            <a:r>
+              <a:rPr lang="de-DE" dirty="0"/>
+              <a:t>&lt;Klassenname&gt;.hbm.xml</a:t>
+            </a:r>
+          </a:p>
+          <a:p>
+            <a:r>
+              <a:rPr lang="de-DE" dirty="0"/>
+              <a:t>&lt;Klassenname&gt;.</a:t>
+            </a:r>
+            <a:r>
+              <a:rPr lang="de-DE" dirty="0" err="1"/>
+              <a:t>java</a:t>
+            </a:r>
+            <a:endParaRPr lang="de-DE" dirty="0"/>
+          </a:p>
+          <a:p>
+            <a:r>
+              <a:rPr lang="de-DE" dirty="0"/>
+              <a:t>Logik</a:t>
+            </a:r>
+          </a:p>
+          <a:p>
+            <a:r>
+              <a:rPr lang="de-DE" dirty="0"/>
+              <a:t>Ausführen der Logik-Binary</a:t>
+            </a:r>
+          </a:p>
+          <a:p>
+            <a:endParaRPr lang="de-DE" dirty="0"/>
+          </a:p>
+          <a:p>
+            <a:r>
+              <a:rPr lang="de-DE" dirty="0"/>
+              <a:t>Der Unterschied zu zum Beispiel unserer Implementation ist, dass</a:t>
+            </a:r>
+          </a:p>
+        </p:txBody>
+      </p:sp>
+      <p:sp>
+        <p:nvSpPr>
+          <p:cNvPr id="4" name="Slide Number Placeholder 3"/>
+          <p:cNvSpPr>
+            <a:spLocks noGrp="1"/>
+          </p:cNvSpPr>
+          <p:nvPr>
+            <p:ph type="sldNum" sz="quarter" idx="10"/>
+          </p:nvPr>
+        </p:nvSpPr>
+        <p:spPr/>
+        <p:txBody>
+          <a:bodyPr/>
+          <a:lstStyle/>
+          <a:p>
+            <a:fld id="{EAFF550F-EE75-464B-B50D-5BE0AA246944}" type="slidenum">
+              <a:rPr lang="de-DE" smtClean="0"/>
+              <a:t>15</a:t>
+            </a:fld>
+            <a:endParaRPr lang="de-DE"/>
+          </a:p>
+        </p:txBody>
+      </p:sp>
+    </p:spTree>
+    <p:extLst>
+      <p:ext uri="{BB962C8B-B14F-4D97-AF65-F5344CB8AC3E}">
+        <p14:creationId xmlns:p14="http://schemas.microsoft.com/office/powerpoint/2010/main" val="3167051420"/>
       </p:ext>
     </p:extLst>
   </p:cSld>
@@ -1113,54 +1584,36 @@
           <a:p>
             <a:r>
               <a:rPr lang="de-DE" dirty="0"/>
-              <a:t>Feinheit: Manchmal hat man mehr Klassen als DB-Tabellen</a:t>
+              <a:t>Problem besteht bei Zusammenarbeit von obj. Software und rel. DB</a:t>
             </a:r>
           </a:p>
           <a:p>
             <a:r>
               <a:rPr lang="de-DE" dirty="0"/>
-              <a:t>Vererbung: Relationale Datenbank Management Systeme(RDBMS) definiert keine Vererbung</a:t>
-            </a:r>
-          </a:p>
-          <a:p>
-            <a:r>
+              <a:t>Das Problem ist:</a:t>
+            </a:r>
+            <a:br>
               <a:rPr lang="de-DE" dirty="0"/>
-              <a:t>Identität: Bei RDBM genau eine Definition von Gleichheit. Bei Objekten, aber Referenzen-Gleichheit und </a:t>
-            </a:r>
-            <a:r>
-              <a:rPr lang="de-DE" dirty="0" err="1"/>
-              <a:t>equals</a:t>
-            </a:r>
+            </a:br>
             <a:r>
               <a:rPr lang="de-DE" dirty="0"/>
-              <a:t>() </a:t>
-            </a:r>
-            <a:r>
-              <a:rPr lang="de-DE" dirty="0" err="1"/>
-              <a:t>methode</a:t>
-            </a:r>
+              <a:t>Synchronisierung von Daten zwischen einer relationalen Datenbank und objektorientierte Daten (also Daten im Speicher).</a:t>
+            </a:r>
+          </a:p>
+          <a:p>
+            <a:r>
+              <a:rPr lang="de-DE" dirty="0"/>
+              <a:t>Daten im Speicher sind oft viel flexibler strukturiert als Daten in flache Tabellen (relationale Model)</a:t>
+            </a:r>
+          </a:p>
+          <a:p>
             <a:endParaRPr lang="de-DE" dirty="0"/>
           </a:p>
           <a:p>
             <a:r>
               <a:rPr lang="de-DE" dirty="0"/>
-              <a:t>Assoziationen: Objektreferenzen vs. Fremdschlüssel</a:t>
-            </a:r>
-          </a:p>
-          <a:p>
-            <a:r>
-              <a:rPr lang="de-DE" dirty="0" err="1"/>
-              <a:t>Nabigation</a:t>
-            </a:r>
-            <a:r>
-              <a:rPr lang="de-DE" dirty="0"/>
-              <a:t>: Wie man auf Daten zugreift ist </a:t>
-            </a:r>
-            <a:r>
-              <a:rPr lang="de-DE" dirty="0" err="1"/>
-              <a:t>anderst</a:t>
-            </a:r>
-            <a:endParaRPr lang="de-DE" dirty="0"/>
+              <a:t>-&gt; HIBERNATE</a:t>
+            </a:r>
           </a:p>
         </p:txBody>
       </p:sp>
@@ -1181,7 +1634,7 @@
           <a:p>
             <a:fld id="{EAFF550F-EE75-464B-B50D-5BE0AA246944}" type="slidenum">
               <a:rPr lang="de-DE" smtClean="0"/>
-              <a:t>4</a:t>
+              <a:t>3</a:t>
             </a:fld>
             <a:endParaRPr lang="de-DE"/>
           </a:p>
@@ -1190,7 +1643,7 @@
     </p:spTree>
     <p:extLst>
       <p:ext uri="{BB962C8B-B14F-4D97-AF65-F5344CB8AC3E}">
-        <p14:creationId xmlns:p14="http://schemas.microsoft.com/office/powerpoint/2010/main" val="832414306"/>
+        <p14:creationId xmlns:p14="http://schemas.microsoft.com/office/powerpoint/2010/main" val="2014239277"/>
       </p:ext>
     </p:extLst>
   </p:cSld>
@@ -1246,30 +1699,50 @@
           <a:p>
             <a:r>
               <a:rPr lang="de-DE" dirty="0"/>
-              <a:t>JPA und </a:t>
+              <a:t>Feinheit: Manchmal hat man mehr Klassen als DB-Tabellen</a:t>
+            </a:r>
+          </a:p>
+          <a:p>
+            <a:r>
+              <a:rPr lang="de-DE" dirty="0"/>
+              <a:t>Vererbung: Relationale Datenbank Management Systeme(RDBMS) definiert keine Vererbung</a:t>
+            </a:r>
+          </a:p>
+          <a:p>
+            <a:r>
+              <a:rPr lang="de-DE" dirty="0"/>
+              <a:t>Identität: Bei RDBM genau eine Definition von Gleichheit. Bei Objekten, aber Referenzen-Gleichheit und </a:t>
             </a:r>
             <a:r>
               <a:rPr lang="de-DE" dirty="0" err="1"/>
-              <a:t>Hibernate</a:t>
+              <a:t>equals</a:t>
             </a:r>
             <a:r>
               <a:rPr lang="de-DE" dirty="0"/>
-              <a:t> sind für relationale Datenbanken entwickelt worden ()</a:t>
-            </a:r>
+              <a:t>() </a:t>
+            </a:r>
+            <a:r>
+              <a:rPr lang="de-DE" dirty="0" err="1"/>
+              <a:t>methode</a:t>
+            </a:r>
+            <a:endParaRPr lang="de-DE" dirty="0"/>
           </a:p>
           <a:p>
             <a:r>
               <a:rPr lang="de-DE" dirty="0"/>
-              <a:t>Statisches Objektorientiertes Domain Model (=beschreibt die verschiedenen Entitäten und ihre Beziehungen in einer Anwendung), da das </a:t>
+              <a:t>Assoziationen: Objektreferenzen vs. Fremdschlüssel</a:t>
+            </a:r>
+          </a:p>
+          <a:p>
+            <a:r>
+              <a:rPr lang="de-DE" dirty="0"/>
+              <a:t>Navigation: Wie man auf Daten zugreift ist </a:t>
             </a:r>
             <a:r>
               <a:rPr lang="de-DE" dirty="0" err="1"/>
-              <a:t>akronym</a:t>
-            </a:r>
-            <a:r>
-              <a:rPr lang="de-DE" dirty="0"/>
-              <a:t> ORM für Objekt-Relationales MAPPING</a:t>
-            </a:r>
+              <a:t>anderst</a:t>
+            </a:r>
+            <a:endParaRPr lang="de-DE" dirty="0"/>
           </a:p>
         </p:txBody>
       </p:sp>
@@ -1290,7 +1763,7 @@
           <a:p>
             <a:fld id="{EAFF550F-EE75-464B-B50D-5BE0AA246944}" type="slidenum">
               <a:rPr lang="de-DE" smtClean="0"/>
-              <a:t>5</a:t>
+              <a:t>4</a:t>
             </a:fld>
             <a:endParaRPr lang="de-DE"/>
           </a:p>
@@ -1299,7 +1772,7 @@
     </p:spTree>
     <p:extLst>
       <p:ext uri="{BB962C8B-B14F-4D97-AF65-F5344CB8AC3E}">
-        <p14:creationId xmlns:p14="http://schemas.microsoft.com/office/powerpoint/2010/main" val="826008851"/>
+        <p14:creationId xmlns:p14="http://schemas.microsoft.com/office/powerpoint/2010/main" val="832414306"/>
       </p:ext>
     </p:extLst>
   </p:cSld>
@@ -1355,36 +1828,28 @@
           <a:p>
             <a:r>
               <a:rPr lang="de-DE" dirty="0"/>
-              <a:t>Mit der Konfiguration wird die </a:t>
+              <a:t>Java, da </a:t>
             </a:r>
             <a:r>
               <a:rPr lang="de-DE" dirty="0" err="1"/>
-              <a:t>SessionFactory</a:t>
+              <a:t>Hibernate</a:t>
             </a:r>
             <a:r>
               <a:rPr lang="de-DE" dirty="0"/>
-              <a:t> erstellt</a:t>
+              <a:t> auf JPA aufbaut.</a:t>
             </a:r>
           </a:p>
           <a:p>
             <a:r>
               <a:rPr lang="de-DE" dirty="0"/>
-              <a:t>Mit der </a:t>
-            </a:r>
-            <a:r>
-              <a:rPr lang="de-DE" dirty="0" err="1"/>
-              <a:t>SessionFactory</a:t>
-            </a:r>
-            <a:r>
-              <a:rPr lang="de-DE" dirty="0"/>
-              <a:t> können Instanzen von Session geholt werden</a:t>
-            </a:r>
-          </a:p>
-          <a:p>
-            <a:r>
-              <a:rPr lang="de-DE" dirty="0"/>
-              <a:t>Mit der Session können Transaktionen gestartet werden</a:t>
-            </a:r>
+              <a:t>Statisches Objektorientiertes Domain Model (=beschreibt die verschiedenen Entitäten und ihre Beziehungen in einer Anwendung), wegen Mapping der POJO</a:t>
+            </a:r>
+          </a:p>
+          <a:p>
+            <a:endParaRPr lang="de-DE" dirty="0"/>
+          </a:p>
+          <a:p>
+            <a:endParaRPr lang="de-DE" dirty="0"/>
           </a:p>
         </p:txBody>
       </p:sp>
@@ -1405,7 +1870,7 @@
           <a:p>
             <a:fld id="{EAFF550F-EE75-464B-B50D-5BE0AA246944}" type="slidenum">
               <a:rPr lang="de-DE" smtClean="0"/>
-              <a:t>9</a:t>
+              <a:t>5</a:t>
             </a:fld>
             <a:endParaRPr lang="de-DE"/>
           </a:p>
@@ -1414,7 +1879,7 @@
     </p:spTree>
     <p:extLst>
       <p:ext uri="{BB962C8B-B14F-4D97-AF65-F5344CB8AC3E}">
-        <p14:creationId xmlns:p14="http://schemas.microsoft.com/office/powerpoint/2010/main" val="1286381828"/>
+        <p14:creationId xmlns:p14="http://schemas.microsoft.com/office/powerpoint/2010/main" val="826008851"/>
       </p:ext>
     </p:extLst>
   </p:cSld>
@@ -1468,7 +1933,57 @@
           <a:bodyPr/>
           <a:lstStyle/>
           <a:p>
+            <a:r>
+              <a:rPr lang="de-DE" dirty="0"/>
+              <a:t>Bestandteile einer </a:t>
+            </a:r>
+            <a:r>
+              <a:rPr lang="de-DE" dirty="0" err="1"/>
+              <a:t>Hibernate</a:t>
+            </a:r>
+            <a:r>
+              <a:rPr lang="de-DE" dirty="0"/>
+              <a:t>-Implementation</a:t>
+            </a:r>
+          </a:p>
+          <a:p>
+            <a:r>
+              <a:rPr lang="de-DE" dirty="0" err="1"/>
+              <a:t>Hibernate</a:t>
+            </a:r>
+            <a:r>
+              <a:rPr lang="de-DE" dirty="0"/>
+              <a:t> an sich</a:t>
+            </a:r>
+          </a:p>
+          <a:p>
+            <a:r>
+              <a:rPr lang="de-DE" dirty="0"/>
+              <a:t>Konfigurationen</a:t>
+            </a:r>
+          </a:p>
+          <a:p>
+            <a:r>
+              <a:rPr lang="de-DE" dirty="0" err="1"/>
+              <a:t>Entitätenklassen</a:t>
+            </a:r>
+            <a:r>
+              <a:rPr lang="de-DE" dirty="0"/>
+              <a:t> (POJO)</a:t>
+            </a:r>
+          </a:p>
+          <a:p>
+            <a:r>
+              <a:rPr lang="de-DE" dirty="0" err="1"/>
+              <a:t>Entitätenmapping</a:t>
+            </a:r>
             <a:endParaRPr lang="de-DE" dirty="0"/>
+          </a:p>
+          <a:p>
+            <a:r>
+              <a:rPr lang="de-DE" dirty="0"/>
+              <a:t>Logik</a:t>
+            </a:r>
           </a:p>
         </p:txBody>
       </p:sp>
@@ -1489,7 +2004,7 @@
           <a:p>
             <a:fld id="{EAFF550F-EE75-464B-B50D-5BE0AA246944}" type="slidenum">
               <a:rPr lang="de-DE" smtClean="0"/>
-              <a:t>15</a:t>
+              <a:t>6</a:t>
             </a:fld>
             <a:endParaRPr lang="de-DE"/>
           </a:p>
@@ -1498,7 +2013,7 @@
     </p:spTree>
     <p:extLst>
       <p:ext uri="{BB962C8B-B14F-4D97-AF65-F5344CB8AC3E}">
-        <p14:creationId xmlns:p14="http://schemas.microsoft.com/office/powerpoint/2010/main" val="2740635997"/>
+        <p14:creationId xmlns:p14="http://schemas.microsoft.com/office/powerpoint/2010/main" val="3896824410"/>
       </p:ext>
     </p:extLst>
   </p:cSld>
@@ -1553,80 +2068,20 @@
           <a:lstStyle/>
           <a:p>
             <a:r>
-              <a:rPr lang="de-DE" dirty="0" err="1"/>
-              <a:t>Maven</a:t>
-            </a:r>
-            <a:r>
               <a:rPr lang="de-DE" dirty="0"/>
-              <a:t> User Settings</a:t>
+              <a:t>Attribute</a:t>
             </a:r>
           </a:p>
           <a:p>
             <a:r>
               <a:rPr lang="de-DE" dirty="0"/>
-              <a:t>Erstellen eines </a:t>
-            </a:r>
-            <a:r>
-              <a:rPr lang="de-DE" dirty="0" err="1"/>
-              <a:t>Maven</a:t>
-            </a:r>
+              <a:t>Konstruktoren</a:t>
+            </a:r>
+          </a:p>
+          <a:p>
             <a:r>
               <a:rPr lang="de-DE" dirty="0"/>
-              <a:t> Projekts</a:t>
-            </a:r>
-          </a:p>
-          <a:p>
-            <a:r>
-              <a:rPr lang="de-DE" dirty="0" err="1"/>
-              <a:t>Dependencies</a:t>
-            </a:r>
-            <a:r>
-              <a:rPr lang="de-DE" dirty="0"/>
-              <a:t> hinzufügen</a:t>
-            </a:r>
-          </a:p>
-          <a:p>
-            <a:r>
-              <a:rPr lang="de-DE" dirty="0"/>
-              <a:t>Hibernate.cfg.xml</a:t>
-            </a:r>
-          </a:p>
-          <a:p>
-            <a:r>
-              <a:rPr lang="de-DE" dirty="0"/>
-              <a:t>&lt;Klassenname&gt;.hbm.xml</a:t>
-            </a:r>
-          </a:p>
-          <a:p>
-            <a:r>
-              <a:rPr lang="de-DE" dirty="0"/>
-              <a:t>&lt;Klassenname&gt;.</a:t>
-            </a:r>
-            <a:r>
-              <a:rPr lang="de-DE" dirty="0" err="1"/>
-              <a:t>java</a:t>
-            </a:r>
-            <a:endParaRPr lang="de-DE" dirty="0"/>
-          </a:p>
-          <a:p>
-            <a:r>
-              <a:rPr lang="de-DE" dirty="0"/>
-              <a:t>Logik</a:t>
-            </a:r>
-          </a:p>
-          <a:p>
-            <a:r>
-              <a:rPr lang="de-DE" dirty="0"/>
-              <a:t>Ausführen der Logik-Binary</a:t>
-            </a:r>
-          </a:p>
-          <a:p>
-            <a:endParaRPr lang="de-DE" dirty="0"/>
-          </a:p>
-          <a:p>
-            <a:r>
-              <a:rPr lang="de-DE" dirty="0"/>
-              <a:t>Der Unterschied zu zum Beispiel unserer Implementation ist, dass</a:t>
+              <a:t>Getter Setter</a:t>
             </a:r>
           </a:p>
         </p:txBody>
@@ -1648,7 +2103,7 @@
           <a:p>
             <a:fld id="{EAFF550F-EE75-464B-B50D-5BE0AA246944}" type="slidenum">
               <a:rPr lang="de-DE" smtClean="0"/>
-              <a:t>16</a:t>
+              <a:t>7</a:t>
             </a:fld>
             <a:endParaRPr lang="de-DE"/>
           </a:p>
@@ -1657,7 +2112,326 @@
     </p:spTree>
     <p:extLst>
       <p:ext uri="{BB962C8B-B14F-4D97-AF65-F5344CB8AC3E}">
-        <p14:creationId xmlns:p14="http://schemas.microsoft.com/office/powerpoint/2010/main" val="3167051420"/>
+        <p14:creationId xmlns:p14="http://schemas.microsoft.com/office/powerpoint/2010/main" val="2788482935"/>
+      </p:ext>
+    </p:extLst>
+  </p:cSld>
+  <p:clrMapOvr>
+    <a:masterClrMapping/>
+  </p:clrMapOvr>
+</p:notes>
+</file>
+
+<file path=ppt/notesSlides/notesSlide7.xml><?xml version="1.0" encoding="utf-8"?>
+<p:notes xmlns:a="http://schemas.openxmlformats.org/drawingml/2006/main" xmlns:r="http://schemas.openxmlformats.org/officeDocument/2006/relationships" xmlns:p="http://schemas.openxmlformats.org/presentationml/2006/main">
+  <p:cSld>
+    <p:spTree>
+      <p:nvGrpSpPr>
+        <p:cNvPr id="1" name=""/>
+        <p:cNvGrpSpPr/>
+        <p:nvPr/>
+      </p:nvGrpSpPr>
+      <p:grpSpPr>
+        <a:xfrm>
+          <a:off x="0" y="0"/>
+          <a:ext cx="0" cy="0"/>
+          <a:chOff x="0" y="0"/>
+          <a:chExt cx="0" cy="0"/>
+        </a:xfrm>
+      </p:grpSpPr>
+      <p:sp>
+        <p:nvSpPr>
+          <p:cNvPr id="2" name="Slide Image Placeholder 1"/>
+          <p:cNvSpPr>
+            <a:spLocks noGrp="1" noRot="1" noChangeAspect="1"/>
+          </p:cNvSpPr>
+          <p:nvPr>
+            <p:ph type="sldImg"/>
+          </p:nvPr>
+        </p:nvSpPr>
+        <p:spPr/>
+      </p:sp>
+      <p:sp>
+        <p:nvSpPr>
+          <p:cNvPr id="3" name="Notes Placeholder 2"/>
+          <p:cNvSpPr>
+            <a:spLocks noGrp="1"/>
+          </p:cNvSpPr>
+          <p:nvPr>
+            <p:ph type="body" idx="1"/>
+          </p:nvPr>
+        </p:nvSpPr>
+        <p:spPr/>
+        <p:txBody>
+          <a:bodyPr/>
+          <a:lstStyle/>
+          <a:p>
+            <a:r>
+              <a:rPr lang="de-DE" dirty="0"/>
+              <a:t>Im Code verwendet </a:t>
+            </a:r>
+            <a:r>
+              <a:rPr lang="de-DE" dirty="0" err="1"/>
+              <a:t>Hibernate</a:t>
+            </a:r>
+            <a:r>
+              <a:rPr lang="de-DE" dirty="0"/>
+              <a:t> ein paar wenige Schnittstellen um mit der DB zu kommunizieren</a:t>
+            </a:r>
+          </a:p>
+          <a:p>
+            <a:r>
+              <a:rPr lang="de-DE" dirty="0"/>
+              <a:t>6 Stück, NICHT DRAUF EINGEHEN</a:t>
+            </a:r>
+          </a:p>
+        </p:txBody>
+      </p:sp>
+      <p:sp>
+        <p:nvSpPr>
+          <p:cNvPr id="4" name="Slide Number Placeholder 3"/>
+          <p:cNvSpPr>
+            <a:spLocks noGrp="1"/>
+          </p:cNvSpPr>
+          <p:nvPr>
+            <p:ph type="sldNum" sz="quarter" idx="10"/>
+          </p:nvPr>
+        </p:nvSpPr>
+        <p:spPr/>
+        <p:txBody>
+          <a:bodyPr/>
+          <a:lstStyle/>
+          <a:p>
+            <a:fld id="{EAFF550F-EE75-464B-B50D-5BE0AA246944}" type="slidenum">
+              <a:rPr lang="de-DE" smtClean="0"/>
+              <a:t>8</a:t>
+            </a:fld>
+            <a:endParaRPr lang="de-DE"/>
+          </a:p>
+        </p:txBody>
+      </p:sp>
+    </p:spTree>
+    <p:extLst>
+      <p:ext uri="{BB962C8B-B14F-4D97-AF65-F5344CB8AC3E}">
+        <p14:creationId xmlns:p14="http://schemas.microsoft.com/office/powerpoint/2010/main" val="2879356217"/>
+      </p:ext>
+    </p:extLst>
+  </p:cSld>
+  <p:clrMapOvr>
+    <a:masterClrMapping/>
+  </p:clrMapOvr>
+</p:notes>
+</file>
+
+<file path=ppt/notesSlides/notesSlide8.xml><?xml version="1.0" encoding="utf-8"?>
+<p:notes xmlns:a="http://schemas.openxmlformats.org/drawingml/2006/main" xmlns:r="http://schemas.openxmlformats.org/officeDocument/2006/relationships" xmlns:p="http://schemas.openxmlformats.org/presentationml/2006/main">
+  <p:cSld>
+    <p:spTree>
+      <p:nvGrpSpPr>
+        <p:cNvPr id="1" name=""/>
+        <p:cNvGrpSpPr/>
+        <p:nvPr/>
+      </p:nvGrpSpPr>
+      <p:grpSpPr>
+        <a:xfrm>
+          <a:off x="0" y="0"/>
+          <a:ext cx="0" cy="0"/>
+          <a:chOff x="0" y="0"/>
+          <a:chExt cx="0" cy="0"/>
+        </a:xfrm>
+      </p:grpSpPr>
+      <p:sp>
+        <p:nvSpPr>
+          <p:cNvPr id="2" name="Slide Image Placeholder 1"/>
+          <p:cNvSpPr>
+            <a:spLocks noGrp="1" noRot="1" noChangeAspect="1"/>
+          </p:cNvSpPr>
+          <p:nvPr>
+            <p:ph type="sldImg"/>
+          </p:nvPr>
+        </p:nvSpPr>
+        <p:spPr/>
+      </p:sp>
+      <p:sp>
+        <p:nvSpPr>
+          <p:cNvPr id="3" name="Notes Placeholder 2"/>
+          <p:cNvSpPr>
+            <a:spLocks noGrp="1"/>
+          </p:cNvSpPr>
+          <p:nvPr>
+            <p:ph type="body" idx="1"/>
+          </p:nvPr>
+        </p:nvSpPr>
+        <p:spPr/>
+        <p:txBody>
+          <a:bodyPr/>
+          <a:lstStyle/>
+          <a:p>
+            <a:r>
+              <a:rPr lang="de-DE" dirty="0"/>
+              <a:t>Die </a:t>
+            </a:r>
+            <a:r>
+              <a:rPr lang="de-DE" dirty="0" err="1"/>
+              <a:t>SessionFactory</a:t>
+            </a:r>
+            <a:r>
+              <a:rPr lang="de-DE" dirty="0"/>
+              <a:t> verwendet die Konfigurationsdatei um die Verbindung mit der Datenbank einzurichten</a:t>
+            </a:r>
+          </a:p>
+        </p:txBody>
+      </p:sp>
+      <p:sp>
+        <p:nvSpPr>
+          <p:cNvPr id="4" name="Slide Number Placeholder 3"/>
+          <p:cNvSpPr>
+            <a:spLocks noGrp="1"/>
+          </p:cNvSpPr>
+          <p:nvPr>
+            <p:ph type="sldNum" sz="quarter" idx="10"/>
+          </p:nvPr>
+        </p:nvSpPr>
+        <p:spPr/>
+        <p:txBody>
+          <a:bodyPr/>
+          <a:lstStyle/>
+          <a:p>
+            <a:fld id="{EAFF550F-EE75-464B-B50D-5BE0AA246944}" type="slidenum">
+              <a:rPr lang="de-DE" smtClean="0"/>
+              <a:t>10</a:t>
+            </a:fld>
+            <a:endParaRPr lang="de-DE"/>
+          </a:p>
+        </p:txBody>
+      </p:sp>
+    </p:spTree>
+    <p:extLst>
+      <p:ext uri="{BB962C8B-B14F-4D97-AF65-F5344CB8AC3E}">
+        <p14:creationId xmlns:p14="http://schemas.microsoft.com/office/powerpoint/2010/main" val="1673570381"/>
+      </p:ext>
+    </p:extLst>
+  </p:cSld>
+  <p:clrMapOvr>
+    <a:masterClrMapping/>
+  </p:clrMapOvr>
+</p:notes>
+</file>
+
+<file path=ppt/notesSlides/notesSlide9.xml><?xml version="1.0" encoding="utf-8"?>
+<p:notes xmlns:a="http://schemas.openxmlformats.org/drawingml/2006/main" xmlns:r="http://schemas.openxmlformats.org/officeDocument/2006/relationships" xmlns:p="http://schemas.openxmlformats.org/presentationml/2006/main">
+  <p:cSld>
+    <p:spTree>
+      <p:nvGrpSpPr>
+        <p:cNvPr id="1" name=""/>
+        <p:cNvGrpSpPr/>
+        <p:nvPr/>
+      </p:nvGrpSpPr>
+      <p:grpSpPr>
+        <a:xfrm>
+          <a:off x="0" y="0"/>
+          <a:ext cx="0" cy="0"/>
+          <a:chOff x="0" y="0"/>
+          <a:chExt cx="0" cy="0"/>
+        </a:xfrm>
+      </p:grpSpPr>
+      <p:sp>
+        <p:nvSpPr>
+          <p:cNvPr id="2" name="Slide Image Placeholder 1"/>
+          <p:cNvSpPr>
+            <a:spLocks noGrp="1" noRot="1" noChangeAspect="1"/>
+          </p:cNvSpPr>
+          <p:nvPr>
+            <p:ph type="sldImg"/>
+          </p:nvPr>
+        </p:nvSpPr>
+        <p:spPr/>
+      </p:sp>
+      <p:sp>
+        <p:nvSpPr>
+          <p:cNvPr id="3" name="Notes Placeholder 2"/>
+          <p:cNvSpPr>
+            <a:spLocks noGrp="1"/>
+          </p:cNvSpPr>
+          <p:nvPr>
+            <p:ph type="body" idx="1"/>
+          </p:nvPr>
+        </p:nvSpPr>
+        <p:spPr/>
+        <p:txBody>
+          <a:bodyPr/>
+          <a:lstStyle/>
+          <a:p>
+            <a:r>
+              <a:rPr lang="de-DE" dirty="0"/>
+              <a:t>Session geholt durch </a:t>
+            </a:r>
+            <a:r>
+              <a:rPr lang="de-DE" dirty="0" err="1"/>
+              <a:t>SessionFactory</a:t>
+            </a:r>
+            <a:endParaRPr lang="de-DE" dirty="0"/>
+          </a:p>
+          <a:p>
+            <a:r>
+              <a:rPr lang="de-DE" dirty="0"/>
+              <a:t>Beinhaltet Persistenz-bezogene Operationen</a:t>
+            </a:r>
+          </a:p>
+          <a:p>
+            <a:r>
+              <a:rPr lang="de-DE" dirty="0"/>
+              <a:t>Die Session könnt ihr euch vorstellen, wie das lokale </a:t>
+            </a:r>
+            <a:r>
+              <a:rPr lang="de-DE" dirty="0" err="1"/>
+              <a:t>Repo</a:t>
+            </a:r>
+            <a:r>
+              <a:rPr lang="de-DE" dirty="0"/>
+              <a:t>, solange noch nicht gepusht wird, </a:t>
+            </a:r>
+            <a:r>
+              <a:rPr lang="de-DE" dirty="0" err="1"/>
+              <a:t>öndert</a:t>
+            </a:r>
+            <a:r>
+              <a:rPr lang="de-DE" dirty="0"/>
+              <a:t> sich auf dem Remote auch nichts. Hier auf der DB.</a:t>
+            </a:r>
+          </a:p>
+          <a:p>
+            <a:endParaRPr lang="de-DE" dirty="0"/>
+          </a:p>
+        </p:txBody>
+      </p:sp>
+      <p:sp>
+        <p:nvSpPr>
+          <p:cNvPr id="4" name="Slide Number Placeholder 3"/>
+          <p:cNvSpPr>
+            <a:spLocks noGrp="1"/>
+          </p:cNvSpPr>
+          <p:nvPr>
+            <p:ph type="sldNum" sz="quarter" idx="10"/>
+          </p:nvPr>
+        </p:nvSpPr>
+        <p:spPr/>
+        <p:txBody>
+          <a:bodyPr/>
+          <a:lstStyle/>
+          <a:p>
+            <a:fld id="{EAFF550F-EE75-464B-B50D-5BE0AA246944}" type="slidenum">
+              <a:rPr lang="de-DE" smtClean="0"/>
+              <a:t>11</a:t>
+            </a:fld>
+            <a:endParaRPr lang="de-DE"/>
+          </a:p>
+        </p:txBody>
+      </p:sp>
+    </p:spTree>
+    <p:extLst>
+      <p:ext uri="{BB962C8B-B14F-4D97-AF65-F5344CB8AC3E}">
+        <p14:creationId xmlns:p14="http://schemas.microsoft.com/office/powerpoint/2010/main" val="548435386"/>
       </p:ext>
     </p:extLst>
   </p:cSld>
@@ -2002,7 +2776,7 @@
           <a:p>
             <a:fld id="{B9B9D6C8-8915-4F8C-ACC5-F8681F64BADC}" type="datetimeFigureOut">
               <a:rPr lang="de-DE" smtClean="0"/>
-              <a:t>26.11.2018</a:t>
+              <a:t>27.11.2018</a:t>
             </a:fld>
             <a:endParaRPr lang="de-DE"/>
           </a:p>
@@ -3090,7 +3864,7 @@
           <a:p>
             <a:fld id="{B9B9D6C8-8915-4F8C-ACC5-F8681F64BADC}" type="datetimeFigureOut">
               <a:rPr lang="de-DE" smtClean="0"/>
-              <a:t>26.11.2018</a:t>
+              <a:t>27.11.2018</a:t>
             </a:fld>
             <a:endParaRPr lang="de-DE"/>
           </a:p>
@@ -4070,7 +4844,7 @@
           <a:p>
             <a:fld id="{B9B9D6C8-8915-4F8C-ACC5-F8681F64BADC}" type="datetimeFigureOut">
               <a:rPr lang="de-DE" smtClean="0"/>
-              <a:t>26.11.2018</a:t>
+              <a:t>27.11.2018</a:t>
             </a:fld>
             <a:endParaRPr lang="de-DE"/>
           </a:p>
@@ -5204,7 +5978,7 @@
           <a:p>
             <a:fld id="{B9B9D6C8-8915-4F8C-ACC5-F8681F64BADC}" type="datetimeFigureOut">
               <a:rPr lang="de-DE" smtClean="0"/>
-              <a:t>26.11.2018</a:t>
+              <a:t>27.11.2018</a:t>
             </a:fld>
             <a:endParaRPr lang="de-DE"/>
           </a:p>
@@ -6237,7 +7011,7 @@
           <a:p>
             <a:fld id="{B9B9D6C8-8915-4F8C-ACC5-F8681F64BADC}" type="datetimeFigureOut">
               <a:rPr lang="de-DE" smtClean="0"/>
-              <a:t>26.11.2018</a:t>
+              <a:t>27.11.2018</a:t>
             </a:fld>
             <a:endParaRPr lang="de-DE"/>
           </a:p>
@@ -6897,7 +7671,7 @@
           <a:p>
             <a:fld id="{B9B9D6C8-8915-4F8C-ACC5-F8681F64BADC}" type="datetimeFigureOut">
               <a:rPr lang="de-DE" smtClean="0"/>
-              <a:t>26.11.2018</a:t>
+              <a:t>27.11.2018</a:t>
             </a:fld>
             <a:endParaRPr lang="de-DE"/>
           </a:p>
@@ -7758,7 +8532,7 @@
           <a:p>
             <a:fld id="{B9B9D6C8-8915-4F8C-ACC5-F8681F64BADC}" type="datetimeFigureOut">
               <a:rPr lang="de-DE" smtClean="0"/>
-              <a:t>26.11.2018</a:t>
+              <a:t>27.11.2018</a:t>
             </a:fld>
             <a:endParaRPr lang="de-DE"/>
           </a:p>
@@ -7948,7 +8722,7 @@
           <a:p>
             <a:fld id="{B9B9D6C8-8915-4F8C-ACC5-F8681F64BADC}" type="datetimeFigureOut">
               <a:rPr lang="de-DE" smtClean="0"/>
-              <a:t>26.11.2018</a:t>
+              <a:t>27.11.2018</a:t>
             </a:fld>
             <a:endParaRPr lang="de-DE"/>
           </a:p>
@@ -8920,7 +9694,7 @@
           <a:p>
             <a:fld id="{B9B9D6C8-8915-4F8C-ACC5-F8681F64BADC}" type="datetimeFigureOut">
               <a:rPr lang="de-DE" smtClean="0"/>
-              <a:t>26.11.2018</a:t>
+              <a:t>27.11.2018</a:t>
             </a:fld>
             <a:endParaRPr lang="de-DE"/>
           </a:p>
@@ -9131,7 +9905,7 @@
           <a:p>
             <a:fld id="{B9B9D6C8-8915-4F8C-ACC5-F8681F64BADC}" type="datetimeFigureOut">
               <a:rPr lang="de-DE" smtClean="0"/>
-              <a:t>26.11.2018</a:t>
+              <a:t>27.11.2018</a:t>
             </a:fld>
             <a:endParaRPr lang="de-DE"/>
           </a:p>
@@ -10165,7 +10939,7 @@
           <a:p>
             <a:fld id="{B9B9D6C8-8915-4F8C-ACC5-F8681F64BADC}" type="datetimeFigureOut">
               <a:rPr lang="de-DE" smtClean="0"/>
-              <a:t>26.11.2018</a:t>
+              <a:t>27.11.2018</a:t>
             </a:fld>
             <a:endParaRPr lang="de-DE"/>
           </a:p>
@@ -10437,7 +11211,7 @@
           <a:p>
             <a:fld id="{B9B9D6C8-8915-4F8C-ACC5-F8681F64BADC}" type="datetimeFigureOut">
               <a:rPr lang="de-DE" smtClean="0"/>
-              <a:t>26.11.2018</a:t>
+              <a:t>27.11.2018</a:t>
             </a:fld>
             <a:endParaRPr lang="de-DE"/>
           </a:p>
@@ -10847,7 +11621,7 @@
           <a:p>
             <a:fld id="{B9B9D6C8-8915-4F8C-ACC5-F8681F64BADC}" type="datetimeFigureOut">
               <a:rPr lang="de-DE" smtClean="0"/>
-              <a:t>26.11.2018</a:t>
+              <a:t>27.11.2018</a:t>
             </a:fld>
             <a:endParaRPr lang="de-DE"/>
           </a:p>
@@ -10974,7 +11748,7 @@
           <a:p>
             <a:fld id="{B9B9D6C8-8915-4F8C-ACC5-F8681F64BADC}" type="datetimeFigureOut">
               <a:rPr lang="de-DE" smtClean="0"/>
-              <a:t>26.11.2018</a:t>
+              <a:t>27.11.2018</a:t>
             </a:fld>
             <a:endParaRPr lang="de-DE"/>
           </a:p>
@@ -11069,7 +11843,7 @@
           <a:p>
             <a:fld id="{B9B9D6C8-8915-4F8C-ACC5-F8681F64BADC}" type="datetimeFigureOut">
               <a:rPr lang="de-DE" smtClean="0"/>
-              <a:t>26.11.2018</a:t>
+              <a:t>27.11.2018</a:t>
             </a:fld>
             <a:endParaRPr lang="de-DE"/>
           </a:p>
@@ -12150,7 +12924,7 @@
           <a:p>
             <a:fld id="{B9B9D6C8-8915-4F8C-ACC5-F8681F64BADC}" type="datetimeFigureOut">
               <a:rPr lang="de-DE" smtClean="0"/>
-              <a:t>26.11.2018</a:t>
+              <a:t>27.11.2018</a:t>
             </a:fld>
             <a:endParaRPr lang="de-DE"/>
           </a:p>
@@ -13258,7 +14032,7 @@
           <a:p>
             <a:fld id="{B9B9D6C8-8915-4F8C-ACC5-F8681F64BADC}" type="datetimeFigureOut">
               <a:rPr lang="de-DE" smtClean="0"/>
-              <a:t>26.11.2018</a:t>
+              <a:t>27.11.2018</a:t>
             </a:fld>
             <a:endParaRPr lang="de-DE"/>
           </a:p>
@@ -14255,7 +15029,7 @@
           <a:p>
             <a:fld id="{B9B9D6C8-8915-4F8C-ACC5-F8681F64BADC}" type="datetimeFigureOut">
               <a:rPr lang="de-DE" smtClean="0"/>
-              <a:t>26.11.2018</a:t>
+              <a:t>27.11.2018</a:t>
             </a:fld>
             <a:endParaRPr lang="de-DE"/>
           </a:p>
@@ -14918,7 +15692,7 @@
           <p:cNvPr id="2" name="Title 1">
             <a:extLst>
               <a:ext uri="{FF2B5EF4-FFF2-40B4-BE49-F238E27FC236}">
-                <a16:creationId xmlns:a16="http://schemas.microsoft.com/office/drawing/2014/main" id="{69B68BF0-5354-436C-AD8B-1ED6DCE1325F}"/>
+                <a16:creationId xmlns:a16="http://schemas.microsoft.com/office/drawing/2014/main" id="{31FA1B50-CDF6-47D3-8520-5C2CBD69CA15}"/>
               </a:ext>
             </a:extLst>
           </p:cNvPr>
@@ -14935,9 +15709,10 @@
           <a:lstStyle/>
           <a:p>
             <a:r>
-              <a:rPr lang="de-DE" dirty="0"/>
-              <a:t>Konfiguration</a:t>
-            </a:r>
+              <a:rPr lang="de-DE" dirty="0" err="1"/>
+              <a:t>SessionFactory</a:t>
+            </a:r>
+            <a:endParaRPr lang="de-DE" dirty="0"/>
           </a:p>
         </p:txBody>
       </p:sp>
@@ -14946,7 +15721,7 @@
           <p:cNvPr id="3" name="Content Placeholder 2">
             <a:extLst>
               <a:ext uri="{FF2B5EF4-FFF2-40B4-BE49-F238E27FC236}">
-                <a16:creationId xmlns:a16="http://schemas.microsoft.com/office/drawing/2014/main" id="{67FBDF3C-0B7C-444C-A5B1-24D1728525F7}"/>
+                <a16:creationId xmlns:a16="http://schemas.microsoft.com/office/drawing/2014/main" id="{FD88F2C2-D3F4-48C8-A137-9DDC750B74CF}"/>
               </a:ext>
             </a:extLst>
           </p:cNvPr>
@@ -14959,62 +15734,46 @@
         </p:nvSpPr>
         <p:spPr/>
         <p:txBody>
-          <a:bodyPr/>
+          <a:bodyPr>
+            <a:normAutofit/>
+          </a:bodyPr>
           <a:lstStyle/>
           <a:p>
             <a:r>
               <a:rPr lang="de-DE" sz="2400" dirty="0"/>
-              <a:t>Konfiguration für </a:t>
+              <a:t>Konfiguriert </a:t>
             </a:r>
             <a:r>
               <a:rPr lang="de-DE" sz="2400" dirty="0" err="1"/>
               <a:t>Hibernate</a:t>
             </a:r>
+            <a:r>
+              <a:rPr lang="de-DE" sz="2400" dirty="0"/>
+              <a:t> für die Verwendung der Datenbank mit Konfigurationsdatei</a:t>
+            </a:r>
+          </a:p>
+          <a:p>
             <a:endParaRPr lang="de-DE" sz="2400" dirty="0"/>
           </a:p>
           <a:p>
-            <a:pPr lvl="1"/>
-            <a:r>
-              <a:rPr lang="de-DE" sz="2200" dirty="0"/>
-              <a:t>Konfiguration meistens in einer Datei</a:t>
+            <a:r>
+              <a:rPr lang="de-DE" sz="2400" dirty="0"/>
+              <a:t>Eine Session Factory für gesamte Anwendung</a:t>
             </a:r>
             <a:br>
-              <a:rPr lang="de-DE" sz="2200" dirty="0"/>
+              <a:rPr lang="de-DE" sz="2400" dirty="0"/>
             </a:br>
             <a:r>
-              <a:rPr lang="de-DE" sz="2200" dirty="0"/>
-              <a:t>(hier: hibernate.cfg.xml)</a:t>
-            </a:r>
-          </a:p>
-          <a:p>
-            <a:pPr marL="0" indent="0">
-              <a:buNone/>
-            </a:pPr>
-            <a:endParaRPr lang="de-DE" sz="2400" dirty="0"/>
-          </a:p>
-          <a:p>
-            <a:r>
               <a:rPr lang="de-DE" sz="2400" dirty="0"/>
-              <a:t>Wird der </a:t>
-            </a:r>
-            <a:r>
-              <a:rPr lang="de-DE" sz="2400" dirty="0" err="1"/>
-              <a:t>SessionFactory</a:t>
-            </a:r>
-            <a:r>
-              <a:rPr lang="de-DE" sz="2400" dirty="0"/>
-              <a:t> mitgegeben</a:t>
-            </a:r>
-          </a:p>
-          <a:p>
-            <a:endParaRPr lang="de-DE" dirty="0"/>
+              <a:t>pro Datenbank</a:t>
+            </a:r>
           </a:p>
         </p:txBody>
       </p:sp>
     </p:spTree>
     <p:extLst>
       <p:ext uri="{BB962C8B-B14F-4D97-AF65-F5344CB8AC3E}">
-        <p14:creationId xmlns:p14="http://schemas.microsoft.com/office/powerpoint/2010/main" val="2072140440"/>
+        <p14:creationId xmlns:p14="http://schemas.microsoft.com/office/powerpoint/2010/main" val="1111695779"/>
       </p:ext>
     </p:extLst>
   </p:cSld>
@@ -15046,7 +15805,7 @@
           <p:cNvPr id="2" name="Title 1">
             <a:extLst>
               <a:ext uri="{FF2B5EF4-FFF2-40B4-BE49-F238E27FC236}">
-                <a16:creationId xmlns:a16="http://schemas.microsoft.com/office/drawing/2014/main" id="{31FA1B50-CDF6-47D3-8520-5C2CBD69CA15}"/>
+                <a16:creationId xmlns:a16="http://schemas.microsoft.com/office/drawing/2014/main" id="{D2A9F1C6-9CE1-42FD-B638-BE9C9F22D2F4}"/>
               </a:ext>
             </a:extLst>
           </p:cNvPr>
@@ -15063,10 +15822,9 @@
           <a:lstStyle/>
           <a:p>
             <a:r>
-              <a:rPr lang="de-DE" dirty="0" err="1"/>
-              <a:t>SessionFactory</a:t>
-            </a:r>
-            <a:endParaRPr lang="de-DE" dirty="0"/>
+              <a:rPr lang="de-DE" dirty="0"/>
+              <a:t>Session</a:t>
+            </a:r>
           </a:p>
         </p:txBody>
       </p:sp>
@@ -15075,7 +15833,7 @@
           <p:cNvPr id="3" name="Content Placeholder 2">
             <a:extLst>
               <a:ext uri="{FF2B5EF4-FFF2-40B4-BE49-F238E27FC236}">
-                <a16:creationId xmlns:a16="http://schemas.microsoft.com/office/drawing/2014/main" id="{FD88F2C2-D3F4-48C8-A137-9DDC750B74CF}"/>
+                <a16:creationId xmlns:a16="http://schemas.microsoft.com/office/drawing/2014/main" id="{13EA3D51-AE28-4D14-9162-D998C8DC5100}"/>
               </a:ext>
             </a:extLst>
           </p:cNvPr>
@@ -15095,16 +15853,7 @@
           <a:p>
             <a:r>
               <a:rPr lang="de-DE" sz="2400" dirty="0"/>
-              <a:t>Generiert Session-Instanzen</a:t>
-            </a:r>
-          </a:p>
-          <a:p>
-            <a:endParaRPr lang="de-DE" sz="2400" dirty="0"/>
-          </a:p>
-          <a:p>
-            <a:r>
-              <a:rPr lang="de-DE" sz="2400" dirty="0"/>
-              <a:t>Konfiguriert </a:t>
+              <a:t>Primäre Schnittstelle der </a:t>
             </a:r>
             <a:r>
               <a:rPr lang="de-DE" sz="2400" dirty="0" err="1"/>
@@ -15112,7 +15861,7 @@
             </a:r>
             <a:r>
               <a:rPr lang="de-DE" sz="2400" dirty="0"/>
-              <a:t> für die Verwendung der Datenbank</a:t>
+              <a:t>-Anwendung</a:t>
             </a:r>
           </a:p>
           <a:p>
@@ -15121,14 +15870,16 @@
           <a:p>
             <a:r>
               <a:rPr lang="de-DE" sz="2400" dirty="0"/>
-              <a:t>Eine Session Factory für gesamte Anwendung</a:t>
-            </a:r>
-            <a:br>
+              <a:t>Beinhaltet Persistenz-bezogene Operationen</a:t>
+            </a:r>
+          </a:p>
+          <a:p>
+            <a:endParaRPr lang="de-DE" sz="2400" dirty="0"/>
+          </a:p>
+          <a:p>
+            <a:r>
               <a:rPr lang="de-DE" sz="2400" dirty="0"/>
-            </a:br>
-            <a:r>
-              <a:rPr lang="de-DE" sz="2400" dirty="0"/>
-              <a:t>pro Datenbank</a:t>
+              <a:t>Behält Objekte unter eigener Führung, bevor es in die Datenbank übernommen wird</a:t>
             </a:r>
           </a:p>
         </p:txBody>
@@ -15136,7 +15887,7 @@
     </p:spTree>
     <p:extLst>
       <p:ext uri="{BB962C8B-B14F-4D97-AF65-F5344CB8AC3E}">
-        <p14:creationId xmlns:p14="http://schemas.microsoft.com/office/powerpoint/2010/main" val="1111695779"/>
+        <p14:creationId xmlns:p14="http://schemas.microsoft.com/office/powerpoint/2010/main" val="3219835170"/>
       </p:ext>
     </p:extLst>
   </p:cSld>
@@ -15168,7 +15919,7 @@
           <p:cNvPr id="2" name="Title 1">
             <a:extLst>
               <a:ext uri="{FF2B5EF4-FFF2-40B4-BE49-F238E27FC236}">
-                <a16:creationId xmlns:a16="http://schemas.microsoft.com/office/drawing/2014/main" id="{D2A9F1C6-9CE1-42FD-B638-BE9C9F22D2F4}"/>
+                <a16:creationId xmlns:a16="http://schemas.microsoft.com/office/drawing/2014/main" id="{AC535349-38B8-4E14-B8B4-C01F3FEDDA93}"/>
               </a:ext>
             </a:extLst>
           </p:cNvPr>
@@ -15186,7 +15937,7 @@
           <a:p>
             <a:r>
               <a:rPr lang="de-DE" dirty="0"/>
-              <a:t>Session</a:t>
+              <a:t>Transaktionen</a:t>
             </a:r>
           </a:p>
         </p:txBody>
@@ -15196,7 +15947,7 @@
           <p:cNvPr id="3" name="Content Placeholder 2">
             <a:extLst>
               <a:ext uri="{FF2B5EF4-FFF2-40B4-BE49-F238E27FC236}">
-                <a16:creationId xmlns:a16="http://schemas.microsoft.com/office/drawing/2014/main" id="{13EA3D51-AE28-4D14-9162-D998C8DC5100}"/>
+                <a16:creationId xmlns:a16="http://schemas.microsoft.com/office/drawing/2014/main" id="{9FD2FC2C-4FBF-4B56-9233-A87F09A41055}"/>
               </a:ext>
             </a:extLst>
           </p:cNvPr>
@@ -15207,7 +15958,12 @@
             <p:ph idx="1"/>
           </p:nvPr>
         </p:nvSpPr>
-        <p:spPr/>
+        <p:spPr>
+          <a:xfrm>
+            <a:off x="1154954" y="2603500"/>
+            <a:ext cx="8825659" cy="3416300"/>
+          </a:xfrm>
+        </p:spPr>
         <p:txBody>
           <a:bodyPr>
             <a:normAutofit/>
@@ -15216,15 +15972,16 @@
           <a:p>
             <a:r>
               <a:rPr lang="de-DE" sz="2400" dirty="0"/>
-              <a:t>Primäre Schnittstelle der </a:t>
-            </a:r>
-            <a:r>
-              <a:rPr lang="de-DE" sz="2400" dirty="0" err="1"/>
-              <a:t>Hibernate</a:t>
-            </a:r>
+              <a:t>Ein Arbeitsschritt mit der Datenbank</a:t>
+            </a:r>
+          </a:p>
+          <a:p>
+            <a:endParaRPr lang="de-DE" sz="2400" dirty="0"/>
+          </a:p>
+          <a:p>
             <a:r>
               <a:rPr lang="de-DE" sz="2400" dirty="0"/>
-              <a:t>-Anwendung</a:t>
+              <a:t>Werden abgewickelt vom unterliegenden Transaktionen Manager (Bsp.: JDBC)</a:t>
             </a:r>
           </a:p>
           <a:p>
@@ -15233,16 +15990,7 @@
           <a:p>
             <a:r>
               <a:rPr lang="de-DE" sz="2400" dirty="0"/>
-              <a:t>Beinhaltet Persistenz-bezogene Operationen</a:t>
-            </a:r>
-          </a:p>
-          <a:p>
-            <a:endParaRPr lang="de-DE" sz="2400" dirty="0"/>
-          </a:p>
-          <a:p>
-            <a:r>
-              <a:rPr lang="de-DE" sz="2400" dirty="0"/>
-              <a:t>Behält Objekte unter eigener Führung, bevor es in die Datenbank übernommen wird</a:t>
+              <a:t>optional</a:t>
             </a:r>
           </a:p>
         </p:txBody>
@@ -15250,7 +15998,7 @@
     </p:spTree>
     <p:extLst>
       <p:ext uri="{BB962C8B-B14F-4D97-AF65-F5344CB8AC3E}">
-        <p14:creationId xmlns:p14="http://schemas.microsoft.com/office/powerpoint/2010/main" val="3219835170"/>
+        <p14:creationId xmlns:p14="http://schemas.microsoft.com/office/powerpoint/2010/main" val="2767055390"/>
       </p:ext>
     </p:extLst>
   </p:cSld>
@@ -15282,117 +16030,6 @@
           <p:cNvPr id="2" name="Title 1">
             <a:extLst>
               <a:ext uri="{FF2B5EF4-FFF2-40B4-BE49-F238E27FC236}">
-                <a16:creationId xmlns:a16="http://schemas.microsoft.com/office/drawing/2014/main" id="{AC535349-38B8-4E14-B8B4-C01F3FEDDA93}"/>
-              </a:ext>
-            </a:extLst>
-          </p:cNvPr>
-          <p:cNvSpPr>
-            <a:spLocks noGrp="1"/>
-          </p:cNvSpPr>
-          <p:nvPr>
-            <p:ph type="title"/>
-          </p:nvPr>
-        </p:nvSpPr>
-        <p:spPr/>
-        <p:txBody>
-          <a:bodyPr/>
-          <a:lstStyle/>
-          <a:p>
-            <a:r>
-              <a:rPr lang="de-DE" dirty="0"/>
-              <a:t>Transaktionen</a:t>
-            </a:r>
-          </a:p>
-        </p:txBody>
-      </p:sp>
-      <p:sp>
-        <p:nvSpPr>
-          <p:cNvPr id="3" name="Content Placeholder 2">
-            <a:extLst>
-              <a:ext uri="{FF2B5EF4-FFF2-40B4-BE49-F238E27FC236}">
-                <a16:creationId xmlns:a16="http://schemas.microsoft.com/office/drawing/2014/main" id="{9FD2FC2C-4FBF-4B56-9233-A87F09A41055}"/>
-              </a:ext>
-            </a:extLst>
-          </p:cNvPr>
-          <p:cNvSpPr>
-            <a:spLocks noGrp="1"/>
-          </p:cNvSpPr>
-          <p:nvPr>
-            <p:ph idx="1"/>
-          </p:nvPr>
-        </p:nvSpPr>
-        <p:spPr>
-          <a:xfrm>
-            <a:off x="1154954" y="2603500"/>
-            <a:ext cx="8825659" cy="3416300"/>
-          </a:xfrm>
-        </p:spPr>
-        <p:txBody>
-          <a:bodyPr>
-            <a:normAutofit/>
-          </a:bodyPr>
-          <a:lstStyle/>
-          <a:p>
-            <a:r>
-              <a:rPr lang="de-DE" sz="2400" dirty="0"/>
-              <a:t>Ein Arbeitsschritt mit der Datenbank</a:t>
-            </a:r>
-          </a:p>
-          <a:p>
-            <a:endParaRPr lang="de-DE" sz="2400" dirty="0"/>
-          </a:p>
-          <a:p>
-            <a:r>
-              <a:rPr lang="de-DE" sz="2400" dirty="0"/>
-              <a:t>Werden abgewickelt vom unterliegenden Transaktionen Manager (Bsp.: JDBC)</a:t>
-            </a:r>
-          </a:p>
-          <a:p>
-            <a:endParaRPr lang="de-DE" sz="2400" dirty="0"/>
-          </a:p>
-          <a:p>
-            <a:r>
-              <a:rPr lang="de-DE" sz="2400" dirty="0"/>
-              <a:t>optional</a:t>
-            </a:r>
-          </a:p>
-        </p:txBody>
-      </p:sp>
-    </p:spTree>
-    <p:extLst>
-      <p:ext uri="{BB962C8B-B14F-4D97-AF65-F5344CB8AC3E}">
-        <p14:creationId xmlns:p14="http://schemas.microsoft.com/office/powerpoint/2010/main" val="2767055390"/>
-      </p:ext>
-    </p:extLst>
-  </p:cSld>
-  <p:clrMapOvr>
-    <a:masterClrMapping/>
-  </p:clrMapOvr>
-</p:sld>
-</file>
-
-<file path=ppt/slides/slide14.xml><?xml version="1.0" encoding="utf-8"?>
-<p:sld xmlns:a="http://schemas.openxmlformats.org/drawingml/2006/main" xmlns:r="http://schemas.openxmlformats.org/officeDocument/2006/relationships" xmlns:p="http://schemas.openxmlformats.org/presentationml/2006/main">
-  <p:cSld>
-    <p:spTree>
-      <p:nvGrpSpPr>
-        <p:cNvPr id="1" name=""/>
-        <p:cNvGrpSpPr/>
-        <p:nvPr/>
-      </p:nvGrpSpPr>
-      <p:grpSpPr>
-        <a:xfrm>
-          <a:off x="0" y="0"/>
-          <a:ext cx="0" cy="0"/>
-          <a:chOff x="0" y="0"/>
-          <a:chExt cx="0" cy="0"/>
-        </a:xfrm>
-      </p:grpSpPr>
-      <p:sp>
-        <p:nvSpPr>
-          <p:cNvPr id="2" name="Title 1">
-            <a:extLst>
-              <a:ext uri="{FF2B5EF4-FFF2-40B4-BE49-F238E27FC236}">
                 <a16:creationId xmlns:a16="http://schemas.microsoft.com/office/drawing/2014/main" id="{6C59787A-EB98-4854-AA90-175AACAEDBD8}"/>
               </a:ext>
             </a:extLst>
@@ -15535,2054 +16172,7 @@
 </p:sld>
 </file>
 
-<file path=ppt/slides/slide15.xml><?xml version="1.0" encoding="utf-8"?>
-<p:sld xmlns:a="http://schemas.openxmlformats.org/drawingml/2006/main" xmlns:r="http://schemas.openxmlformats.org/officeDocument/2006/relationships" xmlns:p="http://schemas.openxmlformats.org/presentationml/2006/main">
-  <p:cSld>
-    <p:spTree>
-      <p:nvGrpSpPr>
-        <p:cNvPr id="1" name=""/>
-        <p:cNvGrpSpPr/>
-        <p:nvPr/>
-      </p:nvGrpSpPr>
-      <p:grpSpPr>
-        <a:xfrm>
-          <a:off x="0" y="0"/>
-          <a:ext cx="0" cy="0"/>
-          <a:chOff x="0" y="0"/>
-          <a:chExt cx="0" cy="0"/>
-        </a:xfrm>
-      </p:grpSpPr>
-      <p:sp>
-        <p:nvSpPr>
-          <p:cNvPr id="2" name="Title 1">
-            <a:extLst>
-              <a:ext uri="{FF2B5EF4-FFF2-40B4-BE49-F238E27FC236}">
-                <a16:creationId xmlns:a16="http://schemas.microsoft.com/office/drawing/2014/main" id="{6070A9CF-A182-4433-80E0-6084BA147816}"/>
-              </a:ext>
-            </a:extLst>
-          </p:cNvPr>
-          <p:cNvSpPr>
-            <a:spLocks noGrp="1"/>
-          </p:cNvSpPr>
-          <p:nvPr>
-            <p:ph type="title"/>
-          </p:nvPr>
-        </p:nvSpPr>
-        <p:spPr/>
-        <p:txBody>
-          <a:bodyPr/>
-          <a:lstStyle/>
-          <a:p>
-            <a:r>
-              <a:rPr lang="de-DE" dirty="0"/>
-              <a:t>Nutzung von </a:t>
-            </a:r>
-            <a:r>
-              <a:rPr lang="de-DE" dirty="0" err="1"/>
-              <a:t>Hibernate</a:t>
-            </a:r>
-            <a:endParaRPr lang="de-DE" dirty="0"/>
-          </a:p>
-        </p:txBody>
-      </p:sp>
-      <p:sp>
-        <p:nvSpPr>
-          <p:cNvPr id="3" name="Content Placeholder 2">
-            <a:extLst>
-              <a:ext uri="{FF2B5EF4-FFF2-40B4-BE49-F238E27FC236}">
-                <a16:creationId xmlns:a16="http://schemas.microsoft.com/office/drawing/2014/main" id="{F53D0188-D051-47CE-B202-0558EE7CC7A3}"/>
-              </a:ext>
-            </a:extLst>
-          </p:cNvPr>
-          <p:cNvSpPr>
-            <a:spLocks noGrp="1"/>
-          </p:cNvSpPr>
-          <p:nvPr>
-            <p:ph idx="1"/>
-          </p:nvPr>
-        </p:nvSpPr>
-        <p:spPr/>
-        <p:txBody>
-          <a:bodyPr>
-            <a:normAutofit/>
-          </a:bodyPr>
-          <a:lstStyle/>
-          <a:p>
-            <a:r>
-              <a:rPr lang="de-DE" sz="2400" dirty="0" err="1"/>
-              <a:t>Hibernate</a:t>
-            </a:r>
-            <a:r>
-              <a:rPr lang="de-DE" sz="2400" dirty="0"/>
-              <a:t> entweder durch </a:t>
-            </a:r>
-            <a:r>
-              <a:rPr lang="de-DE" sz="2400" dirty="0" err="1"/>
-              <a:t>Standalone</a:t>
-            </a:r>
-            <a:r>
-              <a:rPr lang="de-DE" sz="2400" dirty="0"/>
-              <a:t> oder </a:t>
-            </a:r>
-            <a:r>
-              <a:rPr lang="de-DE" sz="2400" dirty="0" err="1"/>
-              <a:t>Maven</a:t>
-            </a:r>
-            <a:r>
-              <a:rPr lang="de-DE" sz="2400" dirty="0"/>
-              <a:t> einbinden</a:t>
-            </a:r>
-          </a:p>
-          <a:p>
-            <a:r>
-              <a:rPr lang="de-DE" sz="2400" dirty="0"/>
-              <a:t>Erstellen von:</a:t>
-            </a:r>
-          </a:p>
-          <a:p>
-            <a:pPr lvl="1"/>
-            <a:r>
-              <a:rPr lang="de-DE" sz="2400" dirty="0"/>
-              <a:t>hibernate.cfg.xml (Konfiguration)</a:t>
-            </a:r>
-          </a:p>
-          <a:p>
-            <a:pPr lvl="1"/>
-            <a:r>
-              <a:rPr lang="de-DE" sz="2400" dirty="0"/>
-              <a:t>&lt;Klassenname&gt;.hbm.xml (Mapping)</a:t>
-            </a:r>
-          </a:p>
-          <a:p>
-            <a:pPr lvl="1"/>
-            <a:r>
-              <a:rPr lang="de-DE" sz="2400" dirty="0"/>
-              <a:t>&lt;Klassenname&gt;.</a:t>
-            </a:r>
-            <a:r>
-              <a:rPr lang="de-DE" sz="2400" dirty="0" err="1"/>
-              <a:t>java</a:t>
-            </a:r>
-            <a:r>
-              <a:rPr lang="de-DE" sz="2400" dirty="0"/>
-              <a:t> (POJO)</a:t>
-            </a:r>
-          </a:p>
-          <a:p>
-            <a:pPr lvl="1"/>
-            <a:r>
-              <a:rPr lang="de-DE" sz="2400" dirty="0"/>
-              <a:t>&lt;</a:t>
-            </a:r>
-            <a:r>
-              <a:rPr lang="de-DE" sz="2400" dirty="0" err="1"/>
-              <a:t>Manager_Von</a:t>
-            </a:r>
-            <a:r>
-              <a:rPr lang="de-DE" sz="2400" dirty="0"/>
-              <a:t>_&lt;Klassenname&gt;&gt;.</a:t>
-            </a:r>
-            <a:r>
-              <a:rPr lang="de-DE" sz="2400" dirty="0" err="1"/>
-              <a:t>java</a:t>
-            </a:r>
-            <a:r>
-              <a:rPr lang="de-DE" sz="2400" dirty="0"/>
-              <a:t> (Anwendung)</a:t>
-            </a:r>
-          </a:p>
-        </p:txBody>
-      </p:sp>
-    </p:spTree>
-    <p:extLst>
-      <p:ext uri="{BB962C8B-B14F-4D97-AF65-F5344CB8AC3E}">
-        <p14:creationId xmlns:p14="http://schemas.microsoft.com/office/powerpoint/2010/main" val="1940767667"/>
-      </p:ext>
-    </p:extLst>
-  </p:cSld>
-  <p:clrMapOvr>
-    <a:masterClrMapping/>
-  </p:clrMapOvr>
-</p:sld>
-</file>
-
-<file path=ppt/slides/slide16.xml><?xml version="1.0" encoding="utf-8"?>
-<p:sld xmlns:a="http://schemas.openxmlformats.org/drawingml/2006/main" xmlns:r="http://schemas.openxmlformats.org/officeDocument/2006/relationships" xmlns:p="http://schemas.openxmlformats.org/presentationml/2006/main">
-  <p:cSld>
-    <p:spTree>
-      <p:nvGrpSpPr>
-        <p:cNvPr id="1" name=""/>
-        <p:cNvGrpSpPr/>
-        <p:nvPr/>
-      </p:nvGrpSpPr>
-      <p:grpSpPr>
-        <a:xfrm>
-          <a:off x="0" y="0"/>
-          <a:ext cx="0" cy="0"/>
-          <a:chOff x="0" y="0"/>
-          <a:chExt cx="0" cy="0"/>
-        </a:xfrm>
-      </p:grpSpPr>
-      <p:sp>
-        <p:nvSpPr>
-          <p:cNvPr id="2" name="Title 1">
-            <a:extLst>
-              <a:ext uri="{FF2B5EF4-FFF2-40B4-BE49-F238E27FC236}">
-                <a16:creationId xmlns:a16="http://schemas.microsoft.com/office/drawing/2014/main" id="{F0EA6BFA-B438-4455-8344-54FDFC352145}"/>
-              </a:ext>
-            </a:extLst>
-          </p:cNvPr>
-          <p:cNvSpPr>
-            <a:spLocks noGrp="1"/>
-          </p:cNvSpPr>
-          <p:nvPr>
-            <p:ph type="title"/>
-          </p:nvPr>
-        </p:nvSpPr>
-        <p:spPr/>
-        <p:txBody>
-          <a:bodyPr/>
-          <a:lstStyle/>
-          <a:p>
-            <a:r>
-              <a:rPr lang="de-DE" dirty="0"/>
-              <a:t>Beispiel</a:t>
-            </a:r>
-          </a:p>
-        </p:txBody>
-      </p:sp>
-      <p:sp>
-        <p:nvSpPr>
-          <p:cNvPr id="3" name="Content Placeholder 2">
-            <a:extLst>
-              <a:ext uri="{FF2B5EF4-FFF2-40B4-BE49-F238E27FC236}">
-                <a16:creationId xmlns:a16="http://schemas.microsoft.com/office/drawing/2014/main" id="{809E0C01-8020-4EF6-9369-22B16D19F6D0}"/>
-              </a:ext>
-            </a:extLst>
-          </p:cNvPr>
-          <p:cNvSpPr>
-            <a:spLocks noGrp="1"/>
-          </p:cNvSpPr>
-          <p:nvPr>
-            <p:ph idx="1"/>
-          </p:nvPr>
-        </p:nvSpPr>
-        <p:spPr/>
-        <p:txBody>
-          <a:bodyPr>
-            <a:normAutofit/>
-          </a:bodyPr>
-          <a:lstStyle/>
-          <a:p>
-            <a:r>
-              <a:rPr lang="de-DE" sz="2800" dirty="0"/>
-              <a:t>Okay, lasst es uns angehen!</a:t>
-            </a:r>
-          </a:p>
-          <a:p>
-            <a:r>
-              <a:rPr lang="de-DE" sz="2800" dirty="0"/>
-              <a:t>https://www.tutorialspoint.com/hibernate/hibernate_many_to_one_mapping.htm</a:t>
-            </a:r>
-          </a:p>
-        </p:txBody>
-      </p:sp>
-    </p:spTree>
-    <p:extLst>
-      <p:ext uri="{BB962C8B-B14F-4D97-AF65-F5344CB8AC3E}">
-        <p14:creationId xmlns:p14="http://schemas.microsoft.com/office/powerpoint/2010/main" val="2138342137"/>
-      </p:ext>
-    </p:extLst>
-  </p:cSld>
-  <p:clrMapOvr>
-    <a:masterClrMapping/>
-  </p:clrMapOvr>
-</p:sld>
-</file>
-
-<file path=ppt/slides/slide17.xml><?xml version="1.0" encoding="utf-8"?>
-<p:sld xmlns:a="http://schemas.openxmlformats.org/drawingml/2006/main" xmlns:r="http://schemas.openxmlformats.org/officeDocument/2006/relationships" xmlns:p="http://schemas.openxmlformats.org/presentationml/2006/main">
-  <p:cSld>
-    <p:spTree>
-      <p:nvGrpSpPr>
-        <p:cNvPr id="1" name=""/>
-        <p:cNvGrpSpPr/>
-        <p:nvPr/>
-      </p:nvGrpSpPr>
-      <p:grpSpPr>
-        <a:xfrm>
-          <a:off x="0" y="0"/>
-          <a:ext cx="0" cy="0"/>
-          <a:chOff x="0" y="0"/>
-          <a:chExt cx="0" cy="0"/>
-        </a:xfrm>
-      </p:grpSpPr>
-      <p:sp>
-        <p:nvSpPr>
-          <p:cNvPr id="2" name="Title 1">
-            <a:extLst>
-              <a:ext uri="{FF2B5EF4-FFF2-40B4-BE49-F238E27FC236}">
-                <a16:creationId xmlns:a16="http://schemas.microsoft.com/office/drawing/2014/main" id="{5469581F-D23E-4524-9C57-01A0DD9B1E5F}"/>
-              </a:ext>
-            </a:extLst>
-          </p:cNvPr>
-          <p:cNvSpPr>
-            <a:spLocks noGrp="1"/>
-          </p:cNvSpPr>
-          <p:nvPr>
-            <p:ph type="title"/>
-          </p:nvPr>
-        </p:nvSpPr>
-        <p:spPr/>
-        <p:txBody>
-          <a:bodyPr/>
-          <a:lstStyle/>
-          <a:p>
-            <a:r>
-              <a:rPr lang="de-DE" dirty="0"/>
-              <a:t>Mapping</a:t>
-            </a:r>
-          </a:p>
-        </p:txBody>
-      </p:sp>
-      <p:sp>
-        <p:nvSpPr>
-          <p:cNvPr id="3" name="Content Placeholder 2">
-            <a:extLst>
-              <a:ext uri="{FF2B5EF4-FFF2-40B4-BE49-F238E27FC236}">
-                <a16:creationId xmlns:a16="http://schemas.microsoft.com/office/drawing/2014/main" id="{E02CD152-5B38-4E09-9D4A-C68D6BA69E00}"/>
-              </a:ext>
-            </a:extLst>
-          </p:cNvPr>
-          <p:cNvSpPr>
-            <a:spLocks noGrp="1"/>
-          </p:cNvSpPr>
-          <p:nvPr>
-            <p:ph idx="1"/>
-          </p:nvPr>
-        </p:nvSpPr>
-        <p:spPr/>
-        <p:txBody>
-          <a:bodyPr/>
-          <a:lstStyle/>
-          <a:p>
-            <a:r>
-              <a:rPr lang="de-DE" dirty="0"/>
-              <a:t>Von Hand oder</a:t>
-            </a:r>
-          </a:p>
-          <a:p>
-            <a:r>
-              <a:rPr lang="de-DE" dirty="0"/>
-              <a:t>Generierung durch Tool:</a:t>
-            </a:r>
-          </a:p>
-          <a:p>
-            <a:pPr lvl="1"/>
-            <a:r>
-              <a:rPr lang="de-DE" dirty="0" err="1"/>
-              <a:t>XDoclet</a:t>
-            </a:r>
-            <a:endParaRPr lang="de-DE" dirty="0"/>
-          </a:p>
-          <a:p>
-            <a:pPr lvl="1"/>
-            <a:r>
-              <a:rPr lang="de-DE" dirty="0" err="1"/>
-              <a:t>Middlegen</a:t>
-            </a:r>
-            <a:endParaRPr lang="de-DE" dirty="0"/>
-          </a:p>
-          <a:p>
-            <a:pPr lvl="1"/>
-            <a:r>
-              <a:rPr lang="de-DE" dirty="0" err="1"/>
-              <a:t>AndroMDA</a:t>
-            </a:r>
-            <a:endParaRPr lang="de-DE" dirty="0"/>
-          </a:p>
-          <a:p>
-            <a:pPr lvl="1"/>
-            <a:r>
-              <a:rPr lang="de-DE" dirty="0" err="1"/>
-              <a:t>Hibernate</a:t>
-            </a:r>
-            <a:r>
-              <a:rPr lang="de-DE" dirty="0"/>
-              <a:t> selbst bietet Editor an</a:t>
-            </a:r>
-          </a:p>
-          <a:p>
-            <a:pPr lvl="1"/>
-            <a:endParaRPr lang="de-DE" dirty="0"/>
-          </a:p>
-        </p:txBody>
-      </p:sp>
-    </p:spTree>
-    <p:extLst>
-      <p:ext uri="{BB962C8B-B14F-4D97-AF65-F5344CB8AC3E}">
-        <p14:creationId xmlns:p14="http://schemas.microsoft.com/office/powerpoint/2010/main" val="1486676827"/>
-      </p:ext>
-    </p:extLst>
-  </p:cSld>
-  <p:clrMapOvr>
-    <a:masterClrMapping/>
-  </p:clrMapOvr>
-</p:sld>
-</file>
-
-<file path=ppt/slides/slide18.xml><?xml version="1.0" encoding="utf-8"?>
-<p:sld xmlns:a="http://schemas.openxmlformats.org/drawingml/2006/main" xmlns:r="http://schemas.openxmlformats.org/officeDocument/2006/relationships" xmlns:p="http://schemas.openxmlformats.org/presentationml/2006/main">
-  <p:cSld>
-    <p:spTree>
-      <p:nvGrpSpPr>
-        <p:cNvPr id="1" name=""/>
-        <p:cNvGrpSpPr/>
-        <p:nvPr/>
-      </p:nvGrpSpPr>
-      <p:grpSpPr>
-        <a:xfrm>
-          <a:off x="0" y="0"/>
-          <a:ext cx="0" cy="0"/>
-          <a:chOff x="0" y="0"/>
-          <a:chExt cx="0" cy="0"/>
-        </a:xfrm>
-      </p:grpSpPr>
-      <p:sp>
-        <p:nvSpPr>
-          <p:cNvPr id="2" name="Title 1">
-            <a:extLst>
-              <a:ext uri="{FF2B5EF4-FFF2-40B4-BE49-F238E27FC236}">
-                <a16:creationId xmlns:a16="http://schemas.microsoft.com/office/drawing/2014/main" id="{C86DF4B9-2C6A-4AFC-861A-CBAAB8A719B5}"/>
-              </a:ext>
-            </a:extLst>
-          </p:cNvPr>
-          <p:cNvSpPr>
-            <a:spLocks noGrp="1"/>
-          </p:cNvSpPr>
-          <p:nvPr>
-            <p:ph type="title"/>
-          </p:nvPr>
-        </p:nvSpPr>
-        <p:spPr/>
-        <p:txBody>
-          <a:bodyPr/>
-          <a:lstStyle/>
-          <a:p>
-            <a:r>
-              <a:rPr lang="de-DE" dirty="0"/>
-              <a:t>Sachen zum Nachschlagen</a:t>
-            </a:r>
-          </a:p>
-        </p:txBody>
-      </p:sp>
-      <p:sp>
-        <p:nvSpPr>
-          <p:cNvPr id="3" name="Content Placeholder 2">
-            <a:extLst>
-              <a:ext uri="{FF2B5EF4-FFF2-40B4-BE49-F238E27FC236}">
-                <a16:creationId xmlns:a16="http://schemas.microsoft.com/office/drawing/2014/main" id="{28AD899F-41EE-4F09-B934-D39AE47C3B24}"/>
-              </a:ext>
-            </a:extLst>
-          </p:cNvPr>
-          <p:cNvSpPr>
-            <a:spLocks noGrp="1"/>
-          </p:cNvSpPr>
-          <p:nvPr>
-            <p:ph idx="1"/>
-          </p:nvPr>
-        </p:nvSpPr>
-        <p:spPr/>
-        <p:txBody>
-          <a:bodyPr>
-            <a:normAutofit fontScale="92500" lnSpcReduction="10000"/>
-          </a:bodyPr>
-          <a:lstStyle/>
-          <a:p>
-            <a:r>
-              <a:rPr lang="de-DE" dirty="0" err="1"/>
-              <a:t>Annotations</a:t>
-            </a:r>
-            <a:endParaRPr lang="de-DE" dirty="0"/>
-          </a:p>
-          <a:p>
-            <a:r>
-              <a:rPr lang="de-DE" dirty="0" err="1"/>
-              <a:t>Criteria</a:t>
-            </a:r>
-            <a:r>
-              <a:rPr lang="de-DE" dirty="0"/>
-              <a:t> API</a:t>
-            </a:r>
-          </a:p>
-          <a:p>
-            <a:r>
-              <a:rPr lang="de-DE" dirty="0" err="1"/>
-              <a:t>Hibernate</a:t>
-            </a:r>
-            <a:r>
-              <a:rPr lang="de-DE" dirty="0"/>
-              <a:t> OGM (für </a:t>
-            </a:r>
-            <a:r>
-              <a:rPr lang="de-DE" dirty="0" err="1"/>
-              <a:t>NoSQL</a:t>
-            </a:r>
-            <a:r>
-              <a:rPr lang="de-DE" dirty="0"/>
-              <a:t>-Lösungen)</a:t>
-            </a:r>
-          </a:p>
-          <a:p>
-            <a:r>
-              <a:rPr lang="de-DE" dirty="0"/>
-              <a:t>Batch Processing</a:t>
-            </a:r>
-          </a:p>
-          <a:p>
-            <a:r>
-              <a:rPr lang="de-DE" dirty="0"/>
-              <a:t>Mapping </a:t>
-            </a:r>
-            <a:r>
-              <a:rPr lang="de-DE" dirty="0" err="1"/>
-              <a:t>Types</a:t>
-            </a:r>
-            <a:endParaRPr lang="de-DE" dirty="0"/>
-          </a:p>
-          <a:p>
-            <a:r>
-              <a:rPr lang="de-DE" dirty="0"/>
-              <a:t>Und noch viel mehr …</a:t>
-            </a:r>
-          </a:p>
-          <a:p>
-            <a:pPr marL="0" indent="0">
-              <a:buNone/>
-            </a:pPr>
-            <a:r>
-              <a:rPr lang="de-DE" dirty="0"/>
-              <a:t>http://hibernate.org/orm/</a:t>
-            </a:r>
-          </a:p>
-          <a:p>
-            <a:pPr marL="0" indent="0">
-              <a:buNone/>
-            </a:pPr>
-            <a:r>
-              <a:rPr lang="de-DE" dirty="0"/>
-              <a:t>https://de.slideshare.net/amit.himani/intro-to-hibernate</a:t>
-            </a:r>
-          </a:p>
-          <a:p>
-            <a:pPr marL="0" indent="0">
-              <a:buNone/>
-            </a:pPr>
-            <a:r>
-              <a:rPr lang="de-DE" dirty="0"/>
-              <a:t>https://www.tutorialspoint.com/hibernate/index.htm</a:t>
-            </a:r>
-          </a:p>
-        </p:txBody>
-      </p:sp>
-    </p:spTree>
-    <p:extLst>
-      <p:ext uri="{BB962C8B-B14F-4D97-AF65-F5344CB8AC3E}">
-        <p14:creationId xmlns:p14="http://schemas.microsoft.com/office/powerpoint/2010/main" val="3484764395"/>
-      </p:ext>
-    </p:extLst>
-  </p:cSld>
-  <p:clrMapOvr>
-    <a:masterClrMapping/>
-  </p:clrMapOvr>
-</p:sld>
-</file>
-
-<file path=ppt/slides/slide19.xml><?xml version="1.0" encoding="utf-8"?>
-<p:sld xmlns:a="http://schemas.openxmlformats.org/drawingml/2006/main" xmlns:r="http://schemas.openxmlformats.org/officeDocument/2006/relationships" xmlns:p="http://schemas.openxmlformats.org/presentationml/2006/main">
-  <p:cSld>
-    <p:spTree>
-      <p:nvGrpSpPr>
-        <p:cNvPr id="1" name=""/>
-        <p:cNvGrpSpPr/>
-        <p:nvPr/>
-      </p:nvGrpSpPr>
-      <p:grpSpPr>
-        <a:xfrm>
-          <a:off x="0" y="0"/>
-          <a:ext cx="0" cy="0"/>
-          <a:chOff x="0" y="0"/>
-          <a:chExt cx="0" cy="0"/>
-        </a:xfrm>
-      </p:grpSpPr>
-      <p:sp>
-        <p:nvSpPr>
-          <p:cNvPr id="2" name="Title 1">
-            <a:extLst>
-              <a:ext uri="{FF2B5EF4-FFF2-40B4-BE49-F238E27FC236}">
-                <a16:creationId xmlns:a16="http://schemas.microsoft.com/office/drawing/2014/main" id="{411F6710-0408-4136-9594-E49568F71A15}"/>
-              </a:ext>
-            </a:extLst>
-          </p:cNvPr>
-          <p:cNvSpPr>
-            <a:spLocks noGrp="1"/>
-          </p:cNvSpPr>
-          <p:nvPr>
-            <p:ph type="title"/>
-          </p:nvPr>
-        </p:nvSpPr>
-        <p:spPr/>
-        <p:txBody>
-          <a:bodyPr/>
-          <a:lstStyle/>
-          <a:p>
-            <a:r>
-              <a:rPr lang="de-DE" dirty="0"/>
-              <a:t>Danke für eure Aufmerksamkeit!</a:t>
-            </a:r>
-          </a:p>
-        </p:txBody>
-      </p:sp>
-      <p:sp>
-        <p:nvSpPr>
-          <p:cNvPr id="3" name="Content Placeholder 2">
-            <a:extLst>
-              <a:ext uri="{FF2B5EF4-FFF2-40B4-BE49-F238E27FC236}">
-                <a16:creationId xmlns:a16="http://schemas.microsoft.com/office/drawing/2014/main" id="{0029136A-40CD-44E1-9941-5774849118CC}"/>
-              </a:ext>
-            </a:extLst>
-          </p:cNvPr>
-          <p:cNvSpPr>
-            <a:spLocks noGrp="1"/>
-          </p:cNvSpPr>
-          <p:nvPr>
-            <p:ph idx="1"/>
-          </p:nvPr>
-        </p:nvSpPr>
-        <p:spPr/>
-        <p:txBody>
-          <a:bodyPr/>
-          <a:lstStyle/>
-          <a:p>
-            <a:r>
-              <a:rPr lang="de-DE" dirty="0"/>
-              <a:t>Meine persönliche Empfehlung:</a:t>
-            </a:r>
-          </a:p>
-          <a:p>
-            <a:pPr lvl="1"/>
-            <a:r>
-              <a:rPr lang="de-DE" dirty="0"/>
-              <a:t>https://bit.ly/2FFWmJV</a:t>
-            </a:r>
-          </a:p>
-        </p:txBody>
-      </p:sp>
-    </p:spTree>
-    <p:extLst>
-      <p:ext uri="{BB962C8B-B14F-4D97-AF65-F5344CB8AC3E}">
-        <p14:creationId xmlns:p14="http://schemas.microsoft.com/office/powerpoint/2010/main" val="691000253"/>
-      </p:ext>
-    </p:extLst>
-  </p:cSld>
-  <p:clrMapOvr>
-    <a:masterClrMapping/>
-  </p:clrMapOvr>
-</p:sld>
-</file>
-
-<file path=ppt/slides/slide2.xml><?xml version="1.0" encoding="utf-8"?>
-<p:sld xmlns:a="http://schemas.openxmlformats.org/drawingml/2006/main" xmlns:r="http://schemas.openxmlformats.org/officeDocument/2006/relationships" xmlns:p="http://schemas.openxmlformats.org/presentationml/2006/main">
-  <p:cSld>
-    <p:spTree>
-      <p:nvGrpSpPr>
-        <p:cNvPr id="1" name=""/>
-        <p:cNvGrpSpPr/>
-        <p:nvPr/>
-      </p:nvGrpSpPr>
-      <p:grpSpPr>
-        <a:xfrm>
-          <a:off x="0" y="0"/>
-          <a:ext cx="0" cy="0"/>
-          <a:chOff x="0" y="0"/>
-          <a:chExt cx="0" cy="0"/>
-        </a:xfrm>
-      </p:grpSpPr>
-      <p:sp>
-        <p:nvSpPr>
-          <p:cNvPr id="2" name="Title 1">
-            <a:extLst>
-              <a:ext uri="{FF2B5EF4-FFF2-40B4-BE49-F238E27FC236}">
-                <a16:creationId xmlns:a16="http://schemas.microsoft.com/office/drawing/2014/main" id="{07957185-D9B5-42E2-9F2E-197FBCD06065}"/>
-              </a:ext>
-            </a:extLst>
-          </p:cNvPr>
-          <p:cNvSpPr>
-            <a:spLocks noGrp="1"/>
-          </p:cNvSpPr>
-          <p:nvPr>
-            <p:ph type="title"/>
-          </p:nvPr>
-        </p:nvSpPr>
-        <p:spPr/>
-        <p:txBody>
-          <a:bodyPr/>
-          <a:lstStyle/>
-          <a:p>
-            <a:r>
-              <a:rPr lang="de-DE" dirty="0"/>
-              <a:t>Fragen</a:t>
-            </a:r>
-          </a:p>
-        </p:txBody>
-      </p:sp>
-      <p:sp>
-        <p:nvSpPr>
-          <p:cNvPr id="3" name="Content Placeholder 2">
-            <a:extLst>
-              <a:ext uri="{FF2B5EF4-FFF2-40B4-BE49-F238E27FC236}">
-                <a16:creationId xmlns:a16="http://schemas.microsoft.com/office/drawing/2014/main" id="{887FA7EA-1F25-4431-AE2F-CE1F37BD9112}"/>
-              </a:ext>
-            </a:extLst>
-          </p:cNvPr>
-          <p:cNvSpPr>
-            <a:spLocks noGrp="1"/>
-          </p:cNvSpPr>
-          <p:nvPr>
-            <p:ph idx="1"/>
-          </p:nvPr>
-        </p:nvSpPr>
-        <p:spPr/>
-        <p:txBody>
-          <a:bodyPr>
-            <a:normAutofit/>
-          </a:bodyPr>
-          <a:lstStyle/>
-          <a:p>
-            <a:pPr>
-              <a:buFont typeface="Wingdings" panose="05000000000000000000" pitchFamily="2" charset="2"/>
-              <a:buChar char="Ø"/>
-            </a:pPr>
-            <a:r>
-              <a:rPr lang="de-DE" sz="2000" b="1" dirty="0"/>
-              <a:t> Was ist </a:t>
-            </a:r>
-            <a:r>
-              <a:rPr lang="de-DE" sz="2000" b="1" dirty="0" err="1"/>
-              <a:t>Hibernate</a:t>
-            </a:r>
-            <a:r>
-              <a:rPr lang="de-DE" sz="2000" b="1" dirty="0"/>
-              <a:t>?</a:t>
-            </a:r>
-          </a:p>
-          <a:p>
-            <a:pPr marL="0" indent="0">
-              <a:buNone/>
-            </a:pPr>
-            <a:endParaRPr lang="de-DE" sz="2000" b="1" dirty="0"/>
-          </a:p>
-          <a:p>
-            <a:pPr>
-              <a:buFont typeface="Wingdings" panose="05000000000000000000" pitchFamily="2" charset="2"/>
-              <a:buChar char="Ø"/>
-            </a:pPr>
-            <a:r>
-              <a:rPr lang="de-DE" sz="2000" b="1" dirty="0"/>
-              <a:t> Wann ist es sinnvoll </a:t>
-            </a:r>
-            <a:r>
-              <a:rPr lang="de-DE" sz="2000" b="1" dirty="0" err="1"/>
-              <a:t>Hibernate</a:t>
-            </a:r>
-            <a:r>
-              <a:rPr lang="de-DE" sz="2000" b="1" dirty="0"/>
-              <a:t> zu verwenden?</a:t>
-            </a:r>
-          </a:p>
-          <a:p>
-            <a:pPr>
-              <a:buFont typeface="Wingdings" panose="05000000000000000000" pitchFamily="2" charset="2"/>
-              <a:buChar char="Ø"/>
-            </a:pPr>
-            <a:endParaRPr lang="de-DE" sz="2000" b="1" dirty="0"/>
-          </a:p>
-          <a:p>
-            <a:pPr>
-              <a:buFont typeface="Wingdings" panose="05000000000000000000" pitchFamily="2" charset="2"/>
-              <a:buChar char="Ø"/>
-            </a:pPr>
-            <a:r>
-              <a:rPr lang="de-DE" sz="2000" b="1" dirty="0"/>
-              <a:t> Wie ist </a:t>
-            </a:r>
-            <a:r>
-              <a:rPr lang="de-DE" sz="2000" b="1" dirty="0" err="1"/>
-              <a:t>Hibernate</a:t>
-            </a:r>
-            <a:r>
-              <a:rPr lang="de-DE" sz="2000" b="1" dirty="0"/>
-              <a:t> aufgebaut?</a:t>
-            </a:r>
-          </a:p>
-          <a:p>
-            <a:pPr>
-              <a:buFont typeface="Wingdings" panose="05000000000000000000" pitchFamily="2" charset="2"/>
-              <a:buChar char="Ø"/>
-            </a:pPr>
-            <a:endParaRPr lang="de-DE" sz="2000" b="1" dirty="0"/>
-          </a:p>
-          <a:p>
-            <a:pPr>
-              <a:buFont typeface="Wingdings" panose="05000000000000000000" pitchFamily="2" charset="2"/>
-              <a:buChar char="Ø"/>
-            </a:pPr>
-            <a:r>
-              <a:rPr lang="de-DE" sz="2000" b="1" dirty="0"/>
-              <a:t> Wie nutze ich </a:t>
-            </a:r>
-            <a:r>
-              <a:rPr lang="de-DE" sz="2000" b="1" dirty="0" err="1"/>
-              <a:t>Hibernate</a:t>
-            </a:r>
-            <a:r>
-              <a:rPr lang="de-DE" sz="2000" b="1" dirty="0"/>
-              <a:t>?</a:t>
-            </a:r>
-          </a:p>
-        </p:txBody>
-      </p:sp>
-    </p:spTree>
-    <p:extLst>
-      <p:ext uri="{BB962C8B-B14F-4D97-AF65-F5344CB8AC3E}">
-        <p14:creationId xmlns:p14="http://schemas.microsoft.com/office/powerpoint/2010/main" val="2018872907"/>
-      </p:ext>
-    </p:extLst>
-  </p:cSld>
-  <p:clrMapOvr>
-    <a:masterClrMapping/>
-  </p:clrMapOvr>
-</p:sld>
-</file>
-
-<file path=ppt/slides/slide3.xml><?xml version="1.0" encoding="utf-8"?>
-<p:sld xmlns:a="http://schemas.openxmlformats.org/drawingml/2006/main" xmlns:r="http://schemas.openxmlformats.org/officeDocument/2006/relationships" xmlns:p="http://schemas.openxmlformats.org/presentationml/2006/main">
-  <p:cSld>
-    <p:spTree>
-      <p:nvGrpSpPr>
-        <p:cNvPr id="1" name=""/>
-        <p:cNvGrpSpPr/>
-        <p:nvPr/>
-      </p:nvGrpSpPr>
-      <p:grpSpPr>
-        <a:xfrm>
-          <a:off x="0" y="0"/>
-          <a:ext cx="0" cy="0"/>
-          <a:chOff x="0" y="0"/>
-          <a:chExt cx="0" cy="0"/>
-        </a:xfrm>
-      </p:grpSpPr>
-      <p:sp>
-        <p:nvSpPr>
-          <p:cNvPr id="2" name="Title 1">
-            <a:extLst>
-              <a:ext uri="{FF2B5EF4-FFF2-40B4-BE49-F238E27FC236}">
-                <a16:creationId xmlns:a16="http://schemas.microsoft.com/office/drawing/2014/main" id="{DFC4B8AC-E1FA-4B6B-B0F4-7A4651D4CF09}"/>
-              </a:ext>
-            </a:extLst>
-          </p:cNvPr>
-          <p:cNvSpPr>
-            <a:spLocks noGrp="1"/>
-          </p:cNvSpPr>
-          <p:nvPr>
-            <p:ph type="title"/>
-          </p:nvPr>
-        </p:nvSpPr>
-        <p:spPr>
-          <a:xfrm>
-            <a:off x="1154954" y="973668"/>
-            <a:ext cx="8761413" cy="706964"/>
-          </a:xfrm>
-        </p:spPr>
-        <p:txBody>
-          <a:bodyPr/>
-          <a:lstStyle/>
-          <a:p>
-            <a:r>
-              <a:rPr lang="de-DE" dirty="0"/>
-              <a:t>Das Problem das </a:t>
-            </a:r>
-            <a:r>
-              <a:rPr lang="de-DE" dirty="0" err="1"/>
-              <a:t>Hibernate</a:t>
-            </a:r>
-            <a:r>
-              <a:rPr lang="de-DE" dirty="0"/>
-              <a:t> lösen soll</a:t>
-            </a:r>
-          </a:p>
-        </p:txBody>
-      </p:sp>
-      <p:sp>
-        <p:nvSpPr>
-          <p:cNvPr id="3" name="Content Placeholder 2">
-            <a:extLst>
-              <a:ext uri="{FF2B5EF4-FFF2-40B4-BE49-F238E27FC236}">
-                <a16:creationId xmlns:a16="http://schemas.microsoft.com/office/drawing/2014/main" id="{5898757C-1077-4AEE-9431-7DDA3F9B497B}"/>
-              </a:ext>
-            </a:extLst>
-          </p:cNvPr>
-          <p:cNvSpPr>
-            <a:spLocks noGrp="1"/>
-          </p:cNvSpPr>
-          <p:nvPr>
-            <p:ph idx="1"/>
-          </p:nvPr>
-        </p:nvSpPr>
-        <p:spPr>
-          <a:xfrm>
-            <a:off x="1154954" y="2360645"/>
-            <a:ext cx="8825659" cy="4497355"/>
-          </a:xfrm>
-        </p:spPr>
-        <p:txBody>
-          <a:bodyPr>
-            <a:normAutofit/>
-          </a:bodyPr>
-          <a:lstStyle/>
-          <a:p>
-            <a:r>
-              <a:rPr lang="de-DE" dirty="0"/>
-              <a:t>Zusammenarbeit von:</a:t>
-            </a:r>
-          </a:p>
-          <a:p>
-            <a:pPr lvl="1"/>
-            <a:r>
-              <a:rPr lang="de-DE" sz="1800" b="1" dirty="0"/>
-              <a:t>objektorientierter Software</a:t>
-            </a:r>
-            <a:r>
-              <a:rPr lang="de-DE" sz="1800" dirty="0"/>
-              <a:t> möchte Daten mit einer</a:t>
-            </a:r>
-          </a:p>
-          <a:p>
-            <a:pPr lvl="1"/>
-            <a:r>
-              <a:rPr lang="de-DE" sz="1800" b="1" dirty="0"/>
-              <a:t>relationalen Datenbank(en)</a:t>
-            </a:r>
-            <a:r>
-              <a:rPr lang="de-DE" sz="1800" dirty="0"/>
-              <a:t> speichern</a:t>
-            </a:r>
-          </a:p>
-          <a:p>
-            <a:endParaRPr lang="de-DE" dirty="0"/>
-          </a:p>
-          <a:p>
-            <a:r>
-              <a:rPr lang="de-DE" dirty="0"/>
-              <a:t>Problem</a:t>
-            </a:r>
-          </a:p>
-          <a:p>
-            <a:pPr lvl="1"/>
-            <a:r>
-              <a:rPr lang="de-DE" sz="1800" b="1" dirty="0"/>
-              <a:t>Synchronisierung</a:t>
-            </a:r>
-            <a:r>
-              <a:rPr lang="de-DE" sz="1800" dirty="0"/>
-              <a:t> zweier verschiedener Darstellungen von Daten</a:t>
-            </a:r>
-          </a:p>
-          <a:p>
-            <a:pPr marL="457200" lvl="1" indent="0">
-              <a:buNone/>
-            </a:pPr>
-            <a:endParaRPr lang="de-DE" sz="1800" dirty="0"/>
-          </a:p>
-          <a:p>
-            <a:r>
-              <a:rPr lang="de-DE" dirty="0"/>
-              <a:t>Lösung:</a:t>
-            </a:r>
-          </a:p>
-          <a:p>
-            <a:pPr lvl="1"/>
-            <a:r>
-              <a:rPr lang="de-DE" sz="1800" dirty="0"/>
-              <a:t>Objekt/Relational Mapping (</a:t>
-            </a:r>
-            <a:r>
-              <a:rPr lang="de-DE" sz="1800" b="1" dirty="0"/>
-              <a:t>ORM</a:t>
-            </a:r>
-            <a:r>
-              <a:rPr lang="de-DE" sz="1800" dirty="0"/>
-              <a:t>)</a:t>
-            </a:r>
-          </a:p>
-          <a:p>
-            <a:pPr lvl="1"/>
-            <a:r>
-              <a:rPr lang="de-DE" sz="1800" dirty="0" err="1">
-                <a:effectLst>
-                  <a:outerShdw blurRad="38100" dist="38100" dir="2700000" algn="tl">
-                    <a:srgbClr val="000000">
-                      <a:alpha val="43137"/>
-                    </a:srgbClr>
-                  </a:outerShdw>
-                </a:effectLst>
-              </a:rPr>
-              <a:t>Hibernate</a:t>
-            </a:r>
-            <a:r>
-              <a:rPr lang="de-DE" sz="1800" dirty="0">
-                <a:effectLst>
-                  <a:outerShdw blurRad="38100" dist="38100" dir="2700000" algn="tl">
-                    <a:srgbClr val="000000">
-                      <a:alpha val="43137"/>
-                    </a:srgbClr>
-                  </a:outerShdw>
-                </a:effectLst>
-              </a:rPr>
-              <a:t> ist eine ORM Software</a:t>
-            </a:r>
-          </a:p>
-        </p:txBody>
-      </p:sp>
-    </p:spTree>
-    <p:extLst>
-      <p:ext uri="{BB962C8B-B14F-4D97-AF65-F5344CB8AC3E}">
-        <p14:creationId xmlns:p14="http://schemas.microsoft.com/office/powerpoint/2010/main" val="3328687377"/>
-      </p:ext>
-    </p:extLst>
-  </p:cSld>
-  <p:clrMapOvr>
-    <a:masterClrMapping/>
-  </p:clrMapOvr>
-</p:sld>
-</file>
-
-<file path=ppt/slides/slide4.xml><?xml version="1.0" encoding="utf-8"?>
-<p:sld xmlns:a="http://schemas.openxmlformats.org/drawingml/2006/main" xmlns:r="http://schemas.openxmlformats.org/officeDocument/2006/relationships" xmlns:p="http://schemas.openxmlformats.org/presentationml/2006/main">
-  <p:cSld>
-    <p:spTree>
-      <p:nvGrpSpPr>
-        <p:cNvPr id="1" name=""/>
-        <p:cNvGrpSpPr/>
-        <p:nvPr/>
-      </p:nvGrpSpPr>
-      <p:grpSpPr>
-        <a:xfrm>
-          <a:off x="0" y="0"/>
-          <a:ext cx="0" cy="0"/>
-          <a:chOff x="0" y="0"/>
-          <a:chExt cx="0" cy="0"/>
-        </a:xfrm>
-      </p:grpSpPr>
-      <p:sp>
-        <p:nvSpPr>
-          <p:cNvPr id="2" name="Title 1">
-            <a:extLst>
-              <a:ext uri="{FF2B5EF4-FFF2-40B4-BE49-F238E27FC236}">
-                <a16:creationId xmlns:a16="http://schemas.microsoft.com/office/drawing/2014/main" id="{1FBE8DC0-A0C9-4886-B8CB-13173C66A79D}"/>
-              </a:ext>
-            </a:extLst>
-          </p:cNvPr>
-          <p:cNvSpPr>
-            <a:spLocks noGrp="1"/>
-          </p:cNvSpPr>
-          <p:nvPr>
-            <p:ph type="title"/>
-          </p:nvPr>
-        </p:nvSpPr>
-        <p:spPr/>
-        <p:txBody>
-          <a:bodyPr/>
-          <a:lstStyle/>
-          <a:p>
-            <a:r>
-              <a:rPr lang="de-DE" dirty="0"/>
-              <a:t>Was genau ist das Problem?</a:t>
-            </a:r>
-          </a:p>
-        </p:txBody>
-      </p:sp>
-      <p:sp>
-        <p:nvSpPr>
-          <p:cNvPr id="3" name="Content Placeholder 2">
-            <a:extLst>
-              <a:ext uri="{FF2B5EF4-FFF2-40B4-BE49-F238E27FC236}">
-                <a16:creationId xmlns:a16="http://schemas.microsoft.com/office/drawing/2014/main" id="{8ABDFAD7-8273-4FAC-8A42-AC6A26811286}"/>
-              </a:ext>
-            </a:extLst>
-          </p:cNvPr>
-          <p:cNvSpPr>
-            <a:spLocks noGrp="1"/>
-          </p:cNvSpPr>
-          <p:nvPr>
-            <p:ph idx="1"/>
-          </p:nvPr>
-        </p:nvSpPr>
-        <p:spPr/>
-        <p:txBody>
-          <a:bodyPr>
-            <a:normAutofit/>
-          </a:bodyPr>
-          <a:lstStyle/>
-          <a:p>
-            <a:pPr marL="0" indent="0">
-              <a:buNone/>
-            </a:pPr>
-            <a:r>
-              <a:rPr lang="de-DE" sz="2400" dirty="0"/>
-              <a:t>„</a:t>
-            </a:r>
-            <a:r>
-              <a:rPr lang="de-DE" sz="2400" dirty="0" err="1"/>
-              <a:t>Object</a:t>
-            </a:r>
-            <a:r>
-              <a:rPr lang="de-DE" sz="2400" dirty="0"/>
-              <a:t>-relational </a:t>
-            </a:r>
-            <a:r>
-              <a:rPr lang="de-DE" sz="2400" dirty="0" err="1"/>
-              <a:t>impedance</a:t>
-            </a:r>
-            <a:r>
-              <a:rPr lang="de-DE" sz="2400" dirty="0"/>
-              <a:t> </a:t>
-            </a:r>
-            <a:r>
-              <a:rPr lang="de-DE" sz="2400" dirty="0" err="1"/>
-              <a:t>mismatch</a:t>
-            </a:r>
-            <a:r>
-              <a:rPr lang="de-DE" sz="2400" dirty="0"/>
-              <a:t>“:</a:t>
-            </a:r>
-          </a:p>
-          <a:p>
-            <a:pPr>
-              <a:buFont typeface="+mj-lt"/>
-              <a:buAutoNum type="arabicPeriod"/>
-            </a:pPr>
-            <a:r>
-              <a:rPr lang="de-DE" sz="2400" dirty="0"/>
-              <a:t>Feinheit</a:t>
-            </a:r>
-          </a:p>
-          <a:p>
-            <a:pPr>
-              <a:buFont typeface="+mj-lt"/>
-              <a:buAutoNum type="arabicPeriod"/>
-            </a:pPr>
-            <a:r>
-              <a:rPr lang="de-DE" sz="2400" dirty="0"/>
-              <a:t>Vererbung</a:t>
-            </a:r>
-          </a:p>
-          <a:p>
-            <a:pPr>
-              <a:buFont typeface="+mj-lt"/>
-              <a:buAutoNum type="arabicPeriod"/>
-            </a:pPr>
-            <a:r>
-              <a:rPr lang="de-DE" sz="2400" dirty="0"/>
-              <a:t>Identität</a:t>
-            </a:r>
-          </a:p>
-          <a:p>
-            <a:pPr>
-              <a:buFont typeface="+mj-lt"/>
-              <a:buAutoNum type="arabicPeriod"/>
-            </a:pPr>
-            <a:r>
-              <a:rPr lang="de-DE" sz="2400" dirty="0"/>
-              <a:t>Assoziationen</a:t>
-            </a:r>
-          </a:p>
-          <a:p>
-            <a:pPr>
-              <a:buFont typeface="+mj-lt"/>
-              <a:buAutoNum type="arabicPeriod"/>
-            </a:pPr>
-            <a:r>
-              <a:rPr lang="de-DE" sz="2400" dirty="0"/>
-              <a:t>Navigation</a:t>
-            </a:r>
-          </a:p>
-        </p:txBody>
-      </p:sp>
-    </p:spTree>
-    <p:extLst>
-      <p:ext uri="{BB962C8B-B14F-4D97-AF65-F5344CB8AC3E}">
-        <p14:creationId xmlns:p14="http://schemas.microsoft.com/office/powerpoint/2010/main" val="1197308858"/>
-      </p:ext>
-    </p:extLst>
-  </p:cSld>
-  <p:clrMapOvr>
-    <a:masterClrMapping/>
-  </p:clrMapOvr>
-</p:sld>
-</file>
-
-<file path=ppt/slides/slide5.xml><?xml version="1.0" encoding="utf-8"?>
-<p:sld xmlns:a="http://schemas.openxmlformats.org/drawingml/2006/main" xmlns:r="http://schemas.openxmlformats.org/officeDocument/2006/relationships" xmlns:p="http://schemas.openxmlformats.org/presentationml/2006/main">
-  <p:cSld>
-    <p:spTree>
-      <p:nvGrpSpPr>
-        <p:cNvPr id="1" name=""/>
-        <p:cNvGrpSpPr/>
-        <p:nvPr/>
-      </p:nvGrpSpPr>
-      <p:grpSpPr>
-        <a:xfrm>
-          <a:off x="0" y="0"/>
-          <a:ext cx="0" cy="0"/>
-          <a:chOff x="0" y="0"/>
-          <a:chExt cx="0" cy="0"/>
-        </a:xfrm>
-      </p:grpSpPr>
-      <p:sp>
-        <p:nvSpPr>
-          <p:cNvPr id="2" name="Title 1">
-            <a:extLst>
-              <a:ext uri="{FF2B5EF4-FFF2-40B4-BE49-F238E27FC236}">
-                <a16:creationId xmlns:a16="http://schemas.microsoft.com/office/drawing/2014/main" id="{F6EB769A-8806-4D73-AAF9-FB5B2164BA24}"/>
-              </a:ext>
-            </a:extLst>
-          </p:cNvPr>
-          <p:cNvSpPr>
-            <a:spLocks noGrp="1"/>
-          </p:cNvSpPr>
-          <p:nvPr>
-            <p:ph type="ctrTitle"/>
-          </p:nvPr>
-        </p:nvSpPr>
-        <p:spPr>
-          <a:xfrm>
-            <a:off x="1097280" y="758952"/>
-            <a:ext cx="10058400" cy="1265791"/>
-          </a:xfrm>
-        </p:spPr>
-        <p:txBody>
-          <a:bodyPr>
-            <a:normAutofit fontScale="90000"/>
-          </a:bodyPr>
-          <a:lstStyle/>
-          <a:p>
-            <a:r>
-              <a:rPr lang="de-DE" sz="4800" dirty="0"/>
-              <a:t>Macht </a:t>
-            </a:r>
-            <a:r>
-              <a:rPr lang="de-DE" sz="4800" dirty="0" err="1"/>
-              <a:t>Hibernate</a:t>
-            </a:r>
-            <a:r>
-              <a:rPr lang="de-DE" sz="4800" dirty="0"/>
-              <a:t> für unser Projekt Sinn?</a:t>
-            </a:r>
-          </a:p>
-        </p:txBody>
-      </p:sp>
-      <p:sp>
-        <p:nvSpPr>
-          <p:cNvPr id="3" name="Subtitle 2">
-            <a:extLst>
-              <a:ext uri="{FF2B5EF4-FFF2-40B4-BE49-F238E27FC236}">
-                <a16:creationId xmlns:a16="http://schemas.microsoft.com/office/drawing/2014/main" id="{13398B9E-4558-4FD4-A292-4892E098EEDD}"/>
-              </a:ext>
-            </a:extLst>
-          </p:cNvPr>
-          <p:cNvSpPr>
-            <a:spLocks noGrp="1"/>
-          </p:cNvSpPr>
-          <p:nvPr>
-            <p:ph type="subTitle" idx="1"/>
-          </p:nvPr>
-        </p:nvSpPr>
-        <p:spPr>
-          <a:xfrm>
-            <a:off x="1524000" y="2024743"/>
-            <a:ext cx="9144000" cy="4074305"/>
-          </a:xfrm>
-        </p:spPr>
-        <p:txBody>
-          <a:bodyPr>
-            <a:normAutofit lnSpcReduction="10000"/>
-          </a:bodyPr>
-          <a:lstStyle/>
-          <a:p>
-            <a:r>
-              <a:rPr lang="de-DE" sz="3200" dirty="0"/>
-              <a:t>Wir benutzen: </a:t>
-            </a:r>
-          </a:p>
-          <a:p>
-            <a:r>
-              <a:rPr lang="de-DE" sz="3200" b="1" dirty="0">
-                <a:effectLst>
-                  <a:outerShdw blurRad="38100" dist="38100" dir="2700000" algn="tl">
-                    <a:srgbClr val="000000">
-                      <a:alpha val="43137"/>
-                    </a:srgbClr>
-                  </a:outerShdw>
-                </a:effectLst>
-              </a:rPr>
-              <a:t>JAVA</a:t>
-            </a:r>
-          </a:p>
-          <a:p>
-            <a:r>
-              <a:rPr lang="de-DE" sz="3200" b="1" dirty="0">
-                <a:effectLst>
-                  <a:outerShdw blurRad="38100" dist="38100" dir="2700000" algn="tl">
-                    <a:srgbClr val="000000">
-                      <a:alpha val="43137"/>
-                    </a:srgbClr>
-                  </a:outerShdw>
-                </a:effectLst>
-              </a:rPr>
-              <a:t>Eine relationale Datenbank</a:t>
-            </a:r>
-          </a:p>
-          <a:p>
-            <a:r>
-              <a:rPr lang="de-DE" sz="3200" b="1" dirty="0">
-                <a:effectLst>
-                  <a:outerShdw blurRad="38100" dist="38100" dir="2700000" algn="tl">
-                    <a:srgbClr val="000000">
-                      <a:alpha val="43137"/>
-                    </a:srgbClr>
-                  </a:outerShdw>
-                </a:effectLst>
-              </a:rPr>
-              <a:t>Ein statisches OO </a:t>
-            </a:r>
-            <a:r>
-              <a:rPr lang="de-DE" sz="3200" b="1" dirty="0" err="1">
-                <a:effectLst>
-                  <a:outerShdw blurRad="38100" dist="38100" dir="2700000" algn="tl">
-                    <a:srgbClr val="000000">
-                      <a:alpha val="43137"/>
-                    </a:srgbClr>
-                  </a:outerShdw>
-                </a:effectLst>
-              </a:rPr>
-              <a:t>domain</a:t>
-            </a:r>
-            <a:r>
-              <a:rPr lang="de-DE" sz="3200" b="1" dirty="0">
-                <a:effectLst>
-                  <a:outerShdw blurRad="38100" dist="38100" dir="2700000" algn="tl">
-                    <a:srgbClr val="000000">
-                      <a:alpha val="43137"/>
-                    </a:srgbClr>
-                  </a:outerShdw>
-                </a:effectLst>
-              </a:rPr>
-              <a:t> </a:t>
-            </a:r>
-            <a:r>
-              <a:rPr lang="de-DE" sz="3200" b="1" dirty="0" err="1">
-                <a:effectLst>
-                  <a:outerShdw blurRad="38100" dist="38100" dir="2700000" algn="tl">
-                    <a:srgbClr val="000000">
-                      <a:alpha val="43137"/>
-                    </a:srgbClr>
-                  </a:outerShdw>
-                </a:effectLst>
-              </a:rPr>
-              <a:t>model</a:t>
-            </a:r>
-            <a:endParaRPr lang="de-DE" sz="3200" b="1" dirty="0">
-              <a:effectLst>
-                <a:outerShdw blurRad="38100" dist="38100" dir="2700000" algn="tl">
-                  <a:srgbClr val="000000">
-                    <a:alpha val="43137"/>
-                  </a:srgbClr>
-                </a:outerShdw>
-              </a:effectLst>
-            </a:endParaRPr>
-          </a:p>
-          <a:p>
-            <a:endParaRPr lang="de-DE" sz="3200" b="1" dirty="0">
-              <a:effectLst>
-                <a:outerShdw blurRad="38100" dist="38100" dir="2700000" algn="tl">
-                  <a:srgbClr val="000000">
-                    <a:alpha val="43137"/>
-                  </a:srgbClr>
-                </a:outerShdw>
-              </a:effectLst>
-            </a:endParaRPr>
-          </a:p>
-          <a:p>
-            <a:r>
-              <a:rPr lang="de-DE" sz="3200" b="1" dirty="0">
-                <a:effectLst>
-                  <a:outerShdw blurRad="38100" dist="38100" dir="2700000" algn="tl">
-                    <a:srgbClr val="000000">
-                      <a:alpha val="43137"/>
-                    </a:srgbClr>
-                  </a:outerShdw>
-                </a:effectLst>
-              </a:rPr>
-              <a:t>Geeignet für CRUD-Operationen und</a:t>
-            </a:r>
-          </a:p>
-          <a:p>
-            <a:r>
-              <a:rPr lang="de-DE" sz="3200" b="1" dirty="0">
-                <a:effectLst>
-                  <a:outerShdw blurRad="38100" dist="38100" dir="2700000" algn="tl">
-                    <a:srgbClr val="000000">
-                      <a:alpha val="43137"/>
-                    </a:srgbClr>
-                  </a:outerShdw>
-                </a:effectLst>
-              </a:rPr>
-              <a:t>Wenige Komplexe DB-Anfragen</a:t>
-            </a:r>
-          </a:p>
-          <a:p>
-            <a:endParaRPr lang="de-DE" sz="3200" b="1" dirty="0">
-              <a:effectLst>
-                <a:outerShdw blurRad="38100" dist="38100" dir="2700000" algn="tl">
-                  <a:srgbClr val="000000">
-                    <a:alpha val="43137"/>
-                  </a:srgbClr>
-                </a:outerShdw>
-              </a:effectLst>
-            </a:endParaRPr>
-          </a:p>
-        </p:txBody>
-      </p:sp>
-    </p:spTree>
-    <p:extLst>
-      <p:ext uri="{BB962C8B-B14F-4D97-AF65-F5344CB8AC3E}">
-        <p14:creationId xmlns:p14="http://schemas.microsoft.com/office/powerpoint/2010/main" val="368996188"/>
-      </p:ext>
-    </p:extLst>
-  </p:cSld>
-  <p:clrMapOvr>
-    <a:masterClrMapping/>
-  </p:clrMapOvr>
-</p:sld>
-</file>
-
-<file path=ppt/slides/slide6.xml><?xml version="1.0" encoding="utf-8"?>
-<p:sld xmlns:a="http://schemas.openxmlformats.org/drawingml/2006/main" xmlns:r="http://schemas.openxmlformats.org/officeDocument/2006/relationships" xmlns:p="http://schemas.openxmlformats.org/presentationml/2006/main">
-  <p:cSld>
-    <p:spTree>
-      <p:nvGrpSpPr>
-        <p:cNvPr id="1" name=""/>
-        <p:cNvGrpSpPr/>
-        <p:nvPr/>
-      </p:nvGrpSpPr>
-      <p:grpSpPr>
-        <a:xfrm>
-          <a:off x="0" y="0"/>
-          <a:ext cx="0" cy="0"/>
-          <a:chOff x="0" y="0"/>
-          <a:chExt cx="0" cy="0"/>
-        </a:xfrm>
-      </p:grpSpPr>
-      <p:sp>
-        <p:nvSpPr>
-          <p:cNvPr id="2" name="Title 1">
-            <a:extLst>
-              <a:ext uri="{FF2B5EF4-FFF2-40B4-BE49-F238E27FC236}">
-                <a16:creationId xmlns:a16="http://schemas.microsoft.com/office/drawing/2014/main" id="{6B270450-8ADB-492F-9186-76ABB1ED24CA}"/>
-              </a:ext>
-            </a:extLst>
-          </p:cNvPr>
-          <p:cNvSpPr>
-            <a:spLocks noGrp="1"/>
-          </p:cNvSpPr>
-          <p:nvPr>
-            <p:ph type="title"/>
-          </p:nvPr>
-        </p:nvSpPr>
-        <p:spPr/>
-        <p:txBody>
-          <a:bodyPr/>
-          <a:lstStyle/>
-          <a:p>
-            <a:r>
-              <a:rPr lang="de-DE" dirty="0"/>
-              <a:t>Teile einer Anwendung mit </a:t>
-            </a:r>
-            <a:r>
-              <a:rPr lang="de-DE" dirty="0" err="1"/>
-              <a:t>Hibernate</a:t>
-            </a:r>
-            <a:endParaRPr lang="de-DE" dirty="0"/>
-          </a:p>
-        </p:txBody>
-      </p:sp>
-      <p:sp>
-        <p:nvSpPr>
-          <p:cNvPr id="3" name="Content Placeholder 2">
-            <a:extLst>
-              <a:ext uri="{FF2B5EF4-FFF2-40B4-BE49-F238E27FC236}">
-                <a16:creationId xmlns:a16="http://schemas.microsoft.com/office/drawing/2014/main" id="{758B9B2F-CC18-4286-B215-DCAC2D5EDA65}"/>
-              </a:ext>
-            </a:extLst>
-          </p:cNvPr>
-          <p:cNvSpPr>
-            <a:spLocks noGrp="1"/>
-          </p:cNvSpPr>
-          <p:nvPr>
-            <p:ph idx="1"/>
-          </p:nvPr>
-        </p:nvSpPr>
-        <p:spPr/>
-        <p:txBody>
-          <a:bodyPr/>
-          <a:lstStyle/>
-          <a:p>
-            <a:r>
-              <a:rPr lang="de-DE" sz="2400" dirty="0" err="1"/>
-              <a:t>Hibernate</a:t>
-            </a:r>
-            <a:r>
-              <a:rPr lang="de-DE" sz="2400" dirty="0"/>
-              <a:t> Bibliothek</a:t>
-            </a:r>
-          </a:p>
-          <a:p>
-            <a:pPr lvl="1"/>
-            <a:r>
-              <a:rPr lang="de-DE" sz="2400" dirty="0">
-                <a:hlinkClick r:id="rId2"/>
-              </a:rPr>
-              <a:t>http://hibernate.org/orm/releases/</a:t>
-            </a:r>
-            <a:r>
-              <a:rPr lang="de-DE" sz="2400" dirty="0"/>
-              <a:t> (</a:t>
-            </a:r>
-            <a:r>
-              <a:rPr lang="de-DE" sz="2400" dirty="0" err="1"/>
-              <a:t>standalone</a:t>
-            </a:r>
-            <a:r>
-              <a:rPr lang="de-DE" sz="2400" dirty="0"/>
-              <a:t>/</a:t>
-            </a:r>
-            <a:r>
-              <a:rPr lang="de-DE" sz="2400" dirty="0" err="1"/>
-              <a:t>maven</a:t>
-            </a:r>
-            <a:r>
-              <a:rPr lang="de-DE" sz="2400" dirty="0"/>
-              <a:t>)</a:t>
-            </a:r>
-          </a:p>
-          <a:p>
-            <a:r>
-              <a:rPr lang="de-DE" sz="2400" dirty="0" err="1"/>
-              <a:t>Hibernate</a:t>
-            </a:r>
-            <a:r>
-              <a:rPr lang="de-DE" sz="2400" dirty="0"/>
-              <a:t> Konfiguration mit Datenbank</a:t>
-            </a:r>
-          </a:p>
-          <a:p>
-            <a:r>
-              <a:rPr lang="de-DE" sz="2400" dirty="0" err="1"/>
-              <a:t>Hibernate</a:t>
-            </a:r>
-            <a:r>
-              <a:rPr lang="de-DE" sz="2400" dirty="0"/>
-              <a:t> Mapping der Klasse(n)</a:t>
-            </a:r>
-          </a:p>
-          <a:p>
-            <a:r>
-              <a:rPr lang="de-DE" sz="2400" dirty="0"/>
-              <a:t>POJO Klasse(n)</a:t>
-            </a:r>
-          </a:p>
-          <a:p>
-            <a:r>
-              <a:rPr lang="de-DE" sz="2400" dirty="0"/>
-              <a:t>Logik/ Main-Klasse</a:t>
-            </a:r>
-          </a:p>
-          <a:p>
-            <a:endParaRPr lang="de-DE" dirty="0"/>
-          </a:p>
-        </p:txBody>
-      </p:sp>
-    </p:spTree>
-    <p:extLst>
-      <p:ext uri="{BB962C8B-B14F-4D97-AF65-F5344CB8AC3E}">
-        <p14:creationId xmlns:p14="http://schemas.microsoft.com/office/powerpoint/2010/main" val="2182648047"/>
-      </p:ext>
-    </p:extLst>
-  </p:cSld>
-  <p:clrMapOvr>
-    <a:masterClrMapping/>
-  </p:clrMapOvr>
-</p:sld>
-</file>
-
-<file path=ppt/slides/slide7.xml><?xml version="1.0" encoding="utf-8"?>
-<p:sld xmlns:a="http://schemas.openxmlformats.org/drawingml/2006/main" xmlns:r="http://schemas.openxmlformats.org/officeDocument/2006/relationships" xmlns:p="http://schemas.openxmlformats.org/presentationml/2006/main">
-  <p:cSld>
-    <p:spTree>
-      <p:nvGrpSpPr>
-        <p:cNvPr id="1" name=""/>
-        <p:cNvGrpSpPr/>
-        <p:nvPr/>
-      </p:nvGrpSpPr>
-      <p:grpSpPr>
-        <a:xfrm>
-          <a:off x="0" y="0"/>
-          <a:ext cx="0" cy="0"/>
-          <a:chOff x="0" y="0"/>
-          <a:chExt cx="0" cy="0"/>
-        </a:xfrm>
-      </p:grpSpPr>
-      <p:sp>
-        <p:nvSpPr>
-          <p:cNvPr id="2" name="Title 1">
-            <a:extLst>
-              <a:ext uri="{FF2B5EF4-FFF2-40B4-BE49-F238E27FC236}">
-                <a16:creationId xmlns:a16="http://schemas.microsoft.com/office/drawing/2014/main" id="{904716C6-DE27-4116-A029-3EE7BB388599}"/>
-              </a:ext>
-            </a:extLst>
-          </p:cNvPr>
-          <p:cNvSpPr>
-            <a:spLocks noGrp="1"/>
-          </p:cNvSpPr>
-          <p:nvPr>
-            <p:ph type="title"/>
-          </p:nvPr>
-        </p:nvSpPr>
-        <p:spPr/>
-        <p:txBody>
-          <a:bodyPr/>
-          <a:lstStyle/>
-          <a:p>
-            <a:r>
-              <a:rPr lang="de-DE" dirty="0"/>
-              <a:t>POJO – </a:t>
-            </a:r>
-            <a:r>
-              <a:rPr lang="de-DE" dirty="0" err="1"/>
-              <a:t>Plain</a:t>
-            </a:r>
-            <a:r>
-              <a:rPr lang="de-DE" dirty="0"/>
-              <a:t> Old Java Objects</a:t>
-            </a:r>
-          </a:p>
-        </p:txBody>
-      </p:sp>
-      <p:sp>
-        <p:nvSpPr>
-          <p:cNvPr id="3" name="Content Placeholder 2">
-            <a:extLst>
-              <a:ext uri="{FF2B5EF4-FFF2-40B4-BE49-F238E27FC236}">
-                <a16:creationId xmlns:a16="http://schemas.microsoft.com/office/drawing/2014/main" id="{FF3897C4-CC49-444C-BC52-328B783E5D57}"/>
-              </a:ext>
-            </a:extLst>
-          </p:cNvPr>
-          <p:cNvSpPr>
-            <a:spLocks noGrp="1"/>
-          </p:cNvSpPr>
-          <p:nvPr>
-            <p:ph idx="1"/>
-          </p:nvPr>
-        </p:nvSpPr>
-        <p:spPr>
-          <a:xfrm>
-            <a:off x="1154954" y="2468032"/>
-            <a:ext cx="8825659" cy="316111"/>
-          </a:xfrm>
-        </p:spPr>
-        <p:txBody>
-          <a:bodyPr>
-            <a:normAutofit fontScale="92500" lnSpcReduction="20000"/>
-          </a:bodyPr>
-          <a:lstStyle/>
-          <a:p>
-            <a:pPr marL="0" indent="0">
-              <a:buNone/>
-            </a:pPr>
-            <a:endParaRPr lang="de-DE" sz="1900" dirty="0"/>
-          </a:p>
-          <a:p>
-            <a:pPr marL="0" indent="0">
-              <a:buNone/>
-            </a:pPr>
-            <a:endParaRPr lang="de-DE" dirty="0"/>
-          </a:p>
-        </p:txBody>
-      </p:sp>
-      <p:sp>
-        <p:nvSpPr>
-          <p:cNvPr id="4" name="TextBox 3">
-            <a:extLst>
-              <a:ext uri="{FF2B5EF4-FFF2-40B4-BE49-F238E27FC236}">
-                <a16:creationId xmlns:a16="http://schemas.microsoft.com/office/drawing/2014/main" id="{96A79C02-8EFF-47F6-97F5-428D76B40B3D}"/>
-              </a:ext>
-            </a:extLst>
-          </p:cNvPr>
-          <p:cNvSpPr txBox="1"/>
-          <p:nvPr/>
-        </p:nvSpPr>
-        <p:spPr>
-          <a:xfrm>
-            <a:off x="3959036" y="2468032"/>
-            <a:ext cx="3443571" cy="4093428"/>
-          </a:xfrm>
-          <a:prstGeom prst="rect">
-            <a:avLst/>
-          </a:prstGeom>
-          <a:noFill/>
-        </p:spPr>
-        <p:txBody>
-          <a:bodyPr wrap="none" rtlCol="0">
-            <a:spAutoFit/>
-          </a:bodyPr>
-          <a:lstStyle/>
-          <a:p>
-            <a:r>
-              <a:rPr lang="de-DE" sz="2000" dirty="0"/>
-              <a:t>Public </a:t>
-            </a:r>
-            <a:r>
-              <a:rPr lang="de-DE" sz="2000" dirty="0" err="1"/>
-              <a:t>class</a:t>
-            </a:r>
-            <a:r>
-              <a:rPr lang="de-DE" sz="2000" dirty="0"/>
-              <a:t> </a:t>
-            </a:r>
-            <a:r>
-              <a:rPr lang="de-DE" sz="2000" dirty="0" err="1"/>
-              <a:t>PojoClass</a:t>
-            </a:r>
-            <a:r>
-              <a:rPr lang="de-DE" sz="2000" dirty="0"/>
-              <a:t> {</a:t>
-            </a:r>
-          </a:p>
-          <a:p>
-            <a:r>
-              <a:rPr lang="de-DE" sz="2000" dirty="0"/>
-              <a:t>    </a:t>
-            </a:r>
-            <a:r>
-              <a:rPr lang="de-DE" sz="2000" dirty="0" err="1"/>
-              <a:t>int</a:t>
-            </a:r>
-            <a:r>
-              <a:rPr lang="de-DE" sz="2000" dirty="0"/>
-              <a:t> </a:t>
-            </a:r>
-            <a:r>
-              <a:rPr lang="de-DE" sz="2000" dirty="0" err="1"/>
-              <a:t>id</a:t>
-            </a:r>
-            <a:r>
-              <a:rPr lang="de-DE" sz="2000" dirty="0"/>
-              <a:t>;</a:t>
-            </a:r>
-          </a:p>
-          <a:p>
-            <a:r>
-              <a:rPr lang="de-DE" sz="2000" dirty="0"/>
-              <a:t>    String wert2;</a:t>
-            </a:r>
-          </a:p>
-          <a:p>
-            <a:r>
-              <a:rPr lang="de-DE" sz="2000" dirty="0"/>
-              <a:t>    </a:t>
-            </a:r>
-          </a:p>
-          <a:p>
-            <a:r>
-              <a:rPr lang="de-DE" sz="2000" dirty="0"/>
-              <a:t>    </a:t>
-            </a:r>
-            <a:r>
-              <a:rPr lang="de-DE" sz="2000" dirty="0" err="1"/>
-              <a:t>public</a:t>
-            </a:r>
-            <a:r>
-              <a:rPr lang="de-DE" sz="2000" dirty="0"/>
-              <a:t> </a:t>
-            </a:r>
-            <a:r>
-              <a:rPr lang="de-DE" sz="2000" dirty="0" err="1"/>
-              <a:t>int</a:t>
-            </a:r>
-            <a:r>
-              <a:rPr lang="de-DE" sz="2000" dirty="0"/>
-              <a:t> </a:t>
-            </a:r>
-            <a:r>
-              <a:rPr lang="de-DE" sz="2000" dirty="0" err="1"/>
-              <a:t>getid</a:t>
-            </a:r>
-            <a:r>
-              <a:rPr lang="de-DE" sz="2000" dirty="0"/>
-              <a:t>() {</a:t>
-            </a:r>
-          </a:p>
-          <a:p>
-            <a:r>
-              <a:rPr lang="de-DE" sz="2000" dirty="0"/>
-              <a:t>        </a:t>
-            </a:r>
-            <a:r>
-              <a:rPr lang="de-DE" sz="2000" dirty="0" err="1"/>
-              <a:t>return</a:t>
-            </a:r>
-            <a:r>
-              <a:rPr lang="de-DE" sz="2000" dirty="0"/>
-              <a:t> this.id;</a:t>
-            </a:r>
-          </a:p>
-          <a:p>
-            <a:r>
-              <a:rPr lang="de-DE" sz="2000" dirty="0"/>
-              <a:t>    }</a:t>
-            </a:r>
-          </a:p>
-          <a:p>
-            <a:endParaRPr lang="de-DE" sz="2000" dirty="0"/>
-          </a:p>
-          <a:p>
-            <a:r>
-              <a:rPr lang="de-DE" sz="2000" dirty="0"/>
-              <a:t>    </a:t>
-            </a:r>
-            <a:r>
-              <a:rPr lang="de-DE" sz="2000" dirty="0" err="1"/>
-              <a:t>public</a:t>
-            </a:r>
-            <a:r>
-              <a:rPr lang="de-DE" sz="2000" dirty="0"/>
-              <a:t> </a:t>
-            </a:r>
-            <a:r>
-              <a:rPr lang="de-DE" sz="2000" dirty="0" err="1"/>
-              <a:t>void</a:t>
-            </a:r>
-            <a:r>
-              <a:rPr lang="de-DE" sz="2000" dirty="0"/>
-              <a:t> </a:t>
-            </a:r>
-            <a:r>
-              <a:rPr lang="de-DE" sz="2000" dirty="0" err="1"/>
-              <a:t>setid</a:t>
-            </a:r>
-            <a:r>
-              <a:rPr lang="de-DE" sz="2000" dirty="0"/>
-              <a:t>(</a:t>
-            </a:r>
-            <a:r>
-              <a:rPr lang="de-DE" sz="2000" dirty="0" err="1"/>
-              <a:t>int</a:t>
-            </a:r>
-            <a:r>
-              <a:rPr lang="de-DE" sz="2000" dirty="0"/>
-              <a:t> </a:t>
-            </a:r>
-            <a:r>
-              <a:rPr lang="de-DE" sz="2000" dirty="0" err="1"/>
-              <a:t>id</a:t>
-            </a:r>
-            <a:r>
-              <a:rPr lang="de-DE" sz="2000" dirty="0"/>
-              <a:t>) {</a:t>
-            </a:r>
-          </a:p>
-          <a:p>
-            <a:r>
-              <a:rPr lang="de-DE" sz="2000" dirty="0"/>
-              <a:t>        this.id = </a:t>
-            </a:r>
-            <a:r>
-              <a:rPr lang="de-DE" sz="2000" dirty="0" err="1"/>
-              <a:t>id</a:t>
-            </a:r>
-            <a:r>
-              <a:rPr lang="de-DE" sz="2000" dirty="0"/>
-              <a:t>;</a:t>
-            </a:r>
-          </a:p>
-          <a:p>
-            <a:r>
-              <a:rPr lang="de-DE" sz="2000" dirty="0"/>
-              <a:t>    }</a:t>
-            </a:r>
-          </a:p>
-          <a:p>
-            <a:endParaRPr lang="de-DE" sz="2000" dirty="0"/>
-          </a:p>
-          <a:p>
-            <a:r>
-              <a:rPr lang="de-DE" sz="2000" dirty="0"/>
-              <a:t>    …. ….</a:t>
-            </a:r>
-          </a:p>
-        </p:txBody>
-      </p:sp>
-    </p:spTree>
-    <p:extLst>
-      <p:ext uri="{BB962C8B-B14F-4D97-AF65-F5344CB8AC3E}">
-        <p14:creationId xmlns:p14="http://schemas.microsoft.com/office/powerpoint/2010/main" val="1447396209"/>
-      </p:ext>
-    </p:extLst>
-  </p:cSld>
-  <p:clrMapOvr>
-    <a:masterClrMapping/>
-  </p:clrMapOvr>
-</p:sld>
-</file>
-
-<file path=ppt/slides/slide8.xml><?xml version="1.0" encoding="utf-8"?>
-<p:sld xmlns:a="http://schemas.openxmlformats.org/drawingml/2006/main" xmlns:r="http://schemas.openxmlformats.org/officeDocument/2006/relationships" xmlns:p="http://schemas.openxmlformats.org/presentationml/2006/main">
-  <p:cSld>
-    <p:spTree>
-      <p:nvGrpSpPr>
-        <p:cNvPr id="1" name=""/>
-        <p:cNvGrpSpPr/>
-        <p:nvPr/>
-      </p:nvGrpSpPr>
-      <p:grpSpPr>
-        <a:xfrm>
-          <a:off x="0" y="0"/>
-          <a:ext cx="0" cy="0"/>
-          <a:chOff x="0" y="0"/>
-          <a:chExt cx="0" cy="0"/>
-        </a:xfrm>
-      </p:grpSpPr>
-      <p:sp>
-        <p:nvSpPr>
-          <p:cNvPr id="2" name="Title 1">
-            <a:extLst>
-              <a:ext uri="{FF2B5EF4-FFF2-40B4-BE49-F238E27FC236}">
-                <a16:creationId xmlns:a16="http://schemas.microsoft.com/office/drawing/2014/main" id="{CBD7E1B1-DC63-4BE6-9989-3E1200C137D4}"/>
-              </a:ext>
-            </a:extLst>
-          </p:cNvPr>
-          <p:cNvSpPr>
-            <a:spLocks noGrp="1"/>
-          </p:cNvSpPr>
-          <p:nvPr>
-            <p:ph type="title"/>
-          </p:nvPr>
-        </p:nvSpPr>
-        <p:spPr/>
-        <p:txBody>
-          <a:bodyPr/>
-          <a:lstStyle/>
-          <a:p>
-            <a:r>
-              <a:rPr lang="de-DE" dirty="0"/>
-              <a:t>6 Schnittstellen von </a:t>
-            </a:r>
-            <a:r>
-              <a:rPr lang="de-DE" dirty="0" err="1"/>
-              <a:t>Hibernate</a:t>
-            </a:r>
-            <a:endParaRPr lang="de-DE" dirty="0"/>
-          </a:p>
-        </p:txBody>
-      </p:sp>
-      <p:sp>
-        <p:nvSpPr>
-          <p:cNvPr id="3" name="Content Placeholder 2">
-            <a:extLst>
-              <a:ext uri="{FF2B5EF4-FFF2-40B4-BE49-F238E27FC236}">
-                <a16:creationId xmlns:a16="http://schemas.microsoft.com/office/drawing/2014/main" id="{D93F3C05-6BC4-4C22-AECA-149EFACDF427}"/>
-              </a:ext>
-            </a:extLst>
-          </p:cNvPr>
-          <p:cNvSpPr>
-            <a:spLocks noGrp="1"/>
-          </p:cNvSpPr>
-          <p:nvPr>
-            <p:ph idx="1"/>
-          </p:nvPr>
-        </p:nvSpPr>
-        <p:spPr/>
-        <p:txBody>
-          <a:bodyPr>
-            <a:normAutofit/>
-          </a:bodyPr>
-          <a:lstStyle/>
-          <a:p>
-            <a:r>
-              <a:rPr lang="de-DE" sz="2400" dirty="0"/>
-              <a:t>Konfiguration</a:t>
-            </a:r>
-          </a:p>
-          <a:p>
-            <a:r>
-              <a:rPr lang="de-DE" sz="2400" dirty="0" err="1"/>
-              <a:t>SessionFactory</a:t>
-            </a:r>
-            <a:endParaRPr lang="de-DE" sz="2400" dirty="0"/>
-          </a:p>
-          <a:p>
-            <a:r>
-              <a:rPr lang="de-DE" sz="2400" dirty="0"/>
-              <a:t>Session</a:t>
-            </a:r>
-          </a:p>
-          <a:p>
-            <a:r>
-              <a:rPr lang="de-DE" sz="2400" dirty="0"/>
-              <a:t>Transaction</a:t>
-            </a:r>
-          </a:p>
-          <a:p>
-            <a:r>
-              <a:rPr lang="de-DE" sz="2400" dirty="0"/>
-              <a:t>Query + </a:t>
-            </a:r>
-            <a:r>
-              <a:rPr lang="de-DE" sz="2400" dirty="0" err="1"/>
-              <a:t>Criteria</a:t>
-            </a:r>
-            <a:r>
-              <a:rPr lang="de-DE" sz="2400" dirty="0"/>
-              <a:t> API</a:t>
-            </a:r>
-          </a:p>
-        </p:txBody>
-      </p:sp>
-    </p:spTree>
-    <p:extLst>
-      <p:ext uri="{BB962C8B-B14F-4D97-AF65-F5344CB8AC3E}">
-        <p14:creationId xmlns:p14="http://schemas.microsoft.com/office/powerpoint/2010/main" val="4290745794"/>
-      </p:ext>
-    </p:extLst>
-  </p:cSld>
-  <p:clrMapOvr>
-    <a:masterClrMapping/>
-  </p:clrMapOvr>
-</p:sld>
-</file>
-
-<file path=ppt/slides/slide9.xml><?xml version="1.0" encoding="utf-8"?>
+<file path=ppt/slides/slide14.xml><?xml version="1.0" encoding="utf-8"?>
 <p:sld xmlns:a="http://schemas.openxmlformats.org/drawingml/2006/main" xmlns:r="http://schemas.openxmlformats.org/officeDocument/2006/relationships" xmlns:p="http://schemas.openxmlformats.org/presentationml/2006/main">
   <p:cSld>
     <p:spTree>
@@ -18651,6 +17241,1883 @@
     <p:extLst>
       <p:ext uri="{BB962C8B-B14F-4D97-AF65-F5344CB8AC3E}">
         <p14:creationId xmlns:p14="http://schemas.microsoft.com/office/powerpoint/2010/main" val="3892187211"/>
+      </p:ext>
+    </p:extLst>
+  </p:cSld>
+  <p:clrMapOvr>
+    <a:masterClrMapping/>
+  </p:clrMapOvr>
+</p:sld>
+</file>
+
+<file path=ppt/slides/slide15.xml><?xml version="1.0" encoding="utf-8"?>
+<p:sld xmlns:a="http://schemas.openxmlformats.org/drawingml/2006/main" xmlns:r="http://schemas.openxmlformats.org/officeDocument/2006/relationships" xmlns:p="http://schemas.openxmlformats.org/presentationml/2006/main">
+  <p:cSld>
+    <p:spTree>
+      <p:nvGrpSpPr>
+        <p:cNvPr id="1" name=""/>
+        <p:cNvGrpSpPr/>
+        <p:nvPr/>
+      </p:nvGrpSpPr>
+      <p:grpSpPr>
+        <a:xfrm>
+          <a:off x="0" y="0"/>
+          <a:ext cx="0" cy="0"/>
+          <a:chOff x="0" y="0"/>
+          <a:chExt cx="0" cy="0"/>
+        </a:xfrm>
+      </p:grpSpPr>
+      <p:sp>
+        <p:nvSpPr>
+          <p:cNvPr id="2" name="Title 1">
+            <a:extLst>
+              <a:ext uri="{FF2B5EF4-FFF2-40B4-BE49-F238E27FC236}">
+                <a16:creationId xmlns:a16="http://schemas.microsoft.com/office/drawing/2014/main" id="{F0EA6BFA-B438-4455-8344-54FDFC352145}"/>
+              </a:ext>
+            </a:extLst>
+          </p:cNvPr>
+          <p:cNvSpPr>
+            <a:spLocks noGrp="1"/>
+          </p:cNvSpPr>
+          <p:nvPr>
+            <p:ph type="title"/>
+          </p:nvPr>
+        </p:nvSpPr>
+        <p:spPr/>
+        <p:txBody>
+          <a:bodyPr/>
+          <a:lstStyle/>
+          <a:p>
+            <a:r>
+              <a:rPr lang="de-DE" dirty="0"/>
+              <a:t>Beispiel</a:t>
+            </a:r>
+          </a:p>
+        </p:txBody>
+      </p:sp>
+      <p:sp>
+        <p:nvSpPr>
+          <p:cNvPr id="3" name="Content Placeholder 2">
+            <a:extLst>
+              <a:ext uri="{FF2B5EF4-FFF2-40B4-BE49-F238E27FC236}">
+                <a16:creationId xmlns:a16="http://schemas.microsoft.com/office/drawing/2014/main" id="{809E0C01-8020-4EF6-9369-22B16D19F6D0}"/>
+              </a:ext>
+            </a:extLst>
+          </p:cNvPr>
+          <p:cNvSpPr>
+            <a:spLocks noGrp="1"/>
+          </p:cNvSpPr>
+          <p:nvPr>
+            <p:ph idx="1"/>
+          </p:nvPr>
+        </p:nvSpPr>
+        <p:spPr/>
+        <p:txBody>
+          <a:bodyPr>
+            <a:normAutofit/>
+          </a:bodyPr>
+          <a:lstStyle/>
+          <a:p>
+            <a:r>
+              <a:rPr lang="de-DE" sz="2800" dirty="0"/>
+              <a:t>Okay, lasst es uns angehen!</a:t>
+            </a:r>
+          </a:p>
+          <a:p>
+            <a:endParaRPr lang="de-DE" sz="2800" dirty="0"/>
+          </a:p>
+          <a:p>
+            <a:r>
+              <a:rPr lang="de-DE" sz="2800" dirty="0" err="1"/>
+              <a:t>LearnItYourself</a:t>
+            </a:r>
+            <a:r>
+              <a:rPr lang="de-DE" sz="2800" dirty="0"/>
+              <a:t>:</a:t>
+            </a:r>
+          </a:p>
+          <a:p>
+            <a:r>
+              <a:rPr lang="de-DE" sz="2800" dirty="0"/>
+              <a:t>Mission -- 1:n -- Task</a:t>
+            </a:r>
+          </a:p>
+        </p:txBody>
+      </p:sp>
+    </p:spTree>
+    <p:extLst>
+      <p:ext uri="{BB962C8B-B14F-4D97-AF65-F5344CB8AC3E}">
+        <p14:creationId xmlns:p14="http://schemas.microsoft.com/office/powerpoint/2010/main" val="2138342137"/>
+      </p:ext>
+    </p:extLst>
+  </p:cSld>
+  <p:clrMapOvr>
+    <a:masterClrMapping/>
+  </p:clrMapOvr>
+</p:sld>
+</file>
+
+<file path=ppt/slides/slide16.xml><?xml version="1.0" encoding="utf-8"?>
+<p:sld xmlns:a="http://schemas.openxmlformats.org/drawingml/2006/main" xmlns:r="http://schemas.openxmlformats.org/officeDocument/2006/relationships" xmlns:p="http://schemas.openxmlformats.org/presentationml/2006/main">
+  <p:cSld>
+    <p:spTree>
+      <p:nvGrpSpPr>
+        <p:cNvPr id="1" name=""/>
+        <p:cNvGrpSpPr/>
+        <p:nvPr/>
+      </p:nvGrpSpPr>
+      <p:grpSpPr>
+        <a:xfrm>
+          <a:off x="0" y="0"/>
+          <a:ext cx="0" cy="0"/>
+          <a:chOff x="0" y="0"/>
+          <a:chExt cx="0" cy="0"/>
+        </a:xfrm>
+      </p:grpSpPr>
+      <p:sp>
+        <p:nvSpPr>
+          <p:cNvPr id="2" name="Title 1">
+            <a:extLst>
+              <a:ext uri="{FF2B5EF4-FFF2-40B4-BE49-F238E27FC236}">
+                <a16:creationId xmlns:a16="http://schemas.microsoft.com/office/drawing/2014/main" id="{C86DF4B9-2C6A-4AFC-861A-CBAAB8A719B5}"/>
+              </a:ext>
+            </a:extLst>
+          </p:cNvPr>
+          <p:cNvSpPr>
+            <a:spLocks noGrp="1"/>
+          </p:cNvSpPr>
+          <p:nvPr>
+            <p:ph type="title"/>
+          </p:nvPr>
+        </p:nvSpPr>
+        <p:spPr/>
+        <p:txBody>
+          <a:bodyPr/>
+          <a:lstStyle/>
+          <a:p>
+            <a:r>
+              <a:rPr lang="de-DE" dirty="0"/>
+              <a:t>Sachen zum Nachschlagen</a:t>
+            </a:r>
+          </a:p>
+        </p:txBody>
+      </p:sp>
+      <p:sp>
+        <p:nvSpPr>
+          <p:cNvPr id="3" name="Content Placeholder 2">
+            <a:extLst>
+              <a:ext uri="{FF2B5EF4-FFF2-40B4-BE49-F238E27FC236}">
+                <a16:creationId xmlns:a16="http://schemas.microsoft.com/office/drawing/2014/main" id="{28AD899F-41EE-4F09-B934-D39AE47C3B24}"/>
+              </a:ext>
+            </a:extLst>
+          </p:cNvPr>
+          <p:cNvSpPr>
+            <a:spLocks noGrp="1"/>
+          </p:cNvSpPr>
+          <p:nvPr>
+            <p:ph idx="1"/>
+          </p:nvPr>
+        </p:nvSpPr>
+        <p:spPr/>
+        <p:txBody>
+          <a:bodyPr>
+            <a:normAutofit fontScale="92500" lnSpcReduction="10000"/>
+          </a:bodyPr>
+          <a:lstStyle/>
+          <a:p>
+            <a:r>
+              <a:rPr lang="de-DE" dirty="0" err="1"/>
+              <a:t>Annotations</a:t>
+            </a:r>
+            <a:endParaRPr lang="de-DE" dirty="0"/>
+          </a:p>
+          <a:p>
+            <a:r>
+              <a:rPr lang="de-DE" dirty="0" err="1"/>
+              <a:t>Criteria</a:t>
+            </a:r>
+            <a:r>
+              <a:rPr lang="de-DE" dirty="0"/>
+              <a:t> API</a:t>
+            </a:r>
+          </a:p>
+          <a:p>
+            <a:r>
+              <a:rPr lang="de-DE" dirty="0" err="1"/>
+              <a:t>Hibernate</a:t>
+            </a:r>
+            <a:r>
+              <a:rPr lang="de-DE" dirty="0"/>
+              <a:t> OGM (für </a:t>
+            </a:r>
+            <a:r>
+              <a:rPr lang="de-DE" dirty="0" err="1"/>
+              <a:t>NoSQL</a:t>
+            </a:r>
+            <a:r>
+              <a:rPr lang="de-DE" dirty="0"/>
+              <a:t>-Lösungen)</a:t>
+            </a:r>
+          </a:p>
+          <a:p>
+            <a:r>
+              <a:rPr lang="de-DE" dirty="0"/>
+              <a:t>Batch Processing</a:t>
+            </a:r>
+          </a:p>
+          <a:p>
+            <a:r>
+              <a:rPr lang="de-DE" dirty="0"/>
+              <a:t>Mapping </a:t>
+            </a:r>
+            <a:r>
+              <a:rPr lang="de-DE" dirty="0" err="1"/>
+              <a:t>Types</a:t>
+            </a:r>
+            <a:endParaRPr lang="de-DE" dirty="0"/>
+          </a:p>
+          <a:p>
+            <a:r>
+              <a:rPr lang="de-DE" dirty="0"/>
+              <a:t>Und noch viel mehr …</a:t>
+            </a:r>
+          </a:p>
+          <a:p>
+            <a:pPr marL="0" indent="0">
+              <a:buNone/>
+            </a:pPr>
+            <a:r>
+              <a:rPr lang="de-DE" dirty="0"/>
+              <a:t>http://hibernate.org/orm/</a:t>
+            </a:r>
+          </a:p>
+          <a:p>
+            <a:pPr marL="0" indent="0">
+              <a:buNone/>
+            </a:pPr>
+            <a:r>
+              <a:rPr lang="de-DE" dirty="0"/>
+              <a:t>https://de.slideshare.net/amit.himani/intro-to-hibernate</a:t>
+            </a:r>
+          </a:p>
+          <a:p>
+            <a:pPr marL="0" indent="0">
+              <a:buNone/>
+            </a:pPr>
+            <a:r>
+              <a:rPr lang="de-DE" dirty="0"/>
+              <a:t>https://www.tutorialspoint.com/hibernate/index.htm</a:t>
+            </a:r>
+          </a:p>
+        </p:txBody>
+      </p:sp>
+    </p:spTree>
+    <p:extLst>
+      <p:ext uri="{BB962C8B-B14F-4D97-AF65-F5344CB8AC3E}">
+        <p14:creationId xmlns:p14="http://schemas.microsoft.com/office/powerpoint/2010/main" val="3484764395"/>
+      </p:ext>
+    </p:extLst>
+  </p:cSld>
+  <p:clrMapOvr>
+    <a:masterClrMapping/>
+  </p:clrMapOvr>
+</p:sld>
+</file>
+
+<file path=ppt/slides/slide17.xml><?xml version="1.0" encoding="utf-8"?>
+<p:sld xmlns:a="http://schemas.openxmlformats.org/drawingml/2006/main" xmlns:r="http://schemas.openxmlformats.org/officeDocument/2006/relationships" xmlns:p="http://schemas.openxmlformats.org/presentationml/2006/main">
+  <p:cSld>
+    <p:spTree>
+      <p:nvGrpSpPr>
+        <p:cNvPr id="1" name=""/>
+        <p:cNvGrpSpPr/>
+        <p:nvPr/>
+      </p:nvGrpSpPr>
+      <p:grpSpPr>
+        <a:xfrm>
+          <a:off x="0" y="0"/>
+          <a:ext cx="0" cy="0"/>
+          <a:chOff x="0" y="0"/>
+          <a:chExt cx="0" cy="0"/>
+        </a:xfrm>
+      </p:grpSpPr>
+      <p:sp>
+        <p:nvSpPr>
+          <p:cNvPr id="2" name="Title 1">
+            <a:extLst>
+              <a:ext uri="{FF2B5EF4-FFF2-40B4-BE49-F238E27FC236}">
+                <a16:creationId xmlns:a16="http://schemas.microsoft.com/office/drawing/2014/main" id="{411F6710-0408-4136-9594-E49568F71A15}"/>
+              </a:ext>
+            </a:extLst>
+          </p:cNvPr>
+          <p:cNvSpPr>
+            <a:spLocks noGrp="1"/>
+          </p:cNvSpPr>
+          <p:nvPr>
+            <p:ph type="title"/>
+          </p:nvPr>
+        </p:nvSpPr>
+        <p:spPr/>
+        <p:txBody>
+          <a:bodyPr/>
+          <a:lstStyle/>
+          <a:p>
+            <a:r>
+              <a:rPr lang="de-DE" dirty="0"/>
+              <a:t>Danke für eure Aufmerksamkeit!</a:t>
+            </a:r>
+          </a:p>
+        </p:txBody>
+      </p:sp>
+      <p:sp>
+        <p:nvSpPr>
+          <p:cNvPr id="3" name="Content Placeholder 2">
+            <a:extLst>
+              <a:ext uri="{FF2B5EF4-FFF2-40B4-BE49-F238E27FC236}">
+                <a16:creationId xmlns:a16="http://schemas.microsoft.com/office/drawing/2014/main" id="{0029136A-40CD-44E1-9941-5774849118CC}"/>
+              </a:ext>
+            </a:extLst>
+          </p:cNvPr>
+          <p:cNvSpPr>
+            <a:spLocks noGrp="1"/>
+          </p:cNvSpPr>
+          <p:nvPr>
+            <p:ph idx="1"/>
+          </p:nvPr>
+        </p:nvSpPr>
+        <p:spPr/>
+        <p:txBody>
+          <a:bodyPr/>
+          <a:lstStyle/>
+          <a:p>
+            <a:r>
+              <a:rPr lang="de-DE" dirty="0"/>
+              <a:t>Meine persönliche Empfehlung:</a:t>
+            </a:r>
+          </a:p>
+          <a:p>
+            <a:pPr lvl="1"/>
+            <a:r>
+              <a:rPr lang="de-DE" dirty="0"/>
+              <a:t>https://bit.ly/2FFWmJV</a:t>
+            </a:r>
+          </a:p>
+        </p:txBody>
+      </p:sp>
+    </p:spTree>
+    <p:extLst>
+      <p:ext uri="{BB962C8B-B14F-4D97-AF65-F5344CB8AC3E}">
+        <p14:creationId xmlns:p14="http://schemas.microsoft.com/office/powerpoint/2010/main" val="691000253"/>
+      </p:ext>
+    </p:extLst>
+  </p:cSld>
+  <p:clrMapOvr>
+    <a:masterClrMapping/>
+  </p:clrMapOvr>
+</p:sld>
+</file>
+
+<file path=ppt/slides/slide2.xml><?xml version="1.0" encoding="utf-8"?>
+<p:sld xmlns:a="http://schemas.openxmlformats.org/drawingml/2006/main" xmlns:r="http://schemas.openxmlformats.org/officeDocument/2006/relationships" xmlns:p="http://schemas.openxmlformats.org/presentationml/2006/main">
+  <p:cSld>
+    <p:spTree>
+      <p:nvGrpSpPr>
+        <p:cNvPr id="1" name=""/>
+        <p:cNvGrpSpPr/>
+        <p:nvPr/>
+      </p:nvGrpSpPr>
+      <p:grpSpPr>
+        <a:xfrm>
+          <a:off x="0" y="0"/>
+          <a:ext cx="0" cy="0"/>
+          <a:chOff x="0" y="0"/>
+          <a:chExt cx="0" cy="0"/>
+        </a:xfrm>
+      </p:grpSpPr>
+      <p:sp>
+        <p:nvSpPr>
+          <p:cNvPr id="2" name="Title 1">
+            <a:extLst>
+              <a:ext uri="{FF2B5EF4-FFF2-40B4-BE49-F238E27FC236}">
+                <a16:creationId xmlns:a16="http://schemas.microsoft.com/office/drawing/2014/main" id="{07957185-D9B5-42E2-9F2E-197FBCD06065}"/>
+              </a:ext>
+            </a:extLst>
+          </p:cNvPr>
+          <p:cNvSpPr>
+            <a:spLocks noGrp="1"/>
+          </p:cNvSpPr>
+          <p:nvPr>
+            <p:ph type="title"/>
+          </p:nvPr>
+        </p:nvSpPr>
+        <p:spPr/>
+        <p:txBody>
+          <a:bodyPr/>
+          <a:lstStyle/>
+          <a:p>
+            <a:r>
+              <a:rPr lang="de-DE" dirty="0"/>
+              <a:t>Fragen</a:t>
+            </a:r>
+          </a:p>
+        </p:txBody>
+      </p:sp>
+      <p:sp>
+        <p:nvSpPr>
+          <p:cNvPr id="3" name="Content Placeholder 2">
+            <a:extLst>
+              <a:ext uri="{FF2B5EF4-FFF2-40B4-BE49-F238E27FC236}">
+                <a16:creationId xmlns:a16="http://schemas.microsoft.com/office/drawing/2014/main" id="{887FA7EA-1F25-4431-AE2F-CE1F37BD9112}"/>
+              </a:ext>
+            </a:extLst>
+          </p:cNvPr>
+          <p:cNvSpPr>
+            <a:spLocks noGrp="1"/>
+          </p:cNvSpPr>
+          <p:nvPr>
+            <p:ph idx="1"/>
+          </p:nvPr>
+        </p:nvSpPr>
+        <p:spPr/>
+        <p:txBody>
+          <a:bodyPr>
+            <a:normAutofit/>
+          </a:bodyPr>
+          <a:lstStyle/>
+          <a:p>
+            <a:pPr>
+              <a:buFont typeface="Wingdings" panose="05000000000000000000" pitchFamily="2" charset="2"/>
+              <a:buChar char="Ø"/>
+            </a:pPr>
+            <a:r>
+              <a:rPr lang="de-DE" sz="2000" b="1" dirty="0"/>
+              <a:t> Was ist </a:t>
+            </a:r>
+            <a:r>
+              <a:rPr lang="de-DE" sz="2000" b="1" dirty="0" err="1"/>
+              <a:t>Hibernate</a:t>
+            </a:r>
+            <a:r>
+              <a:rPr lang="de-DE" sz="2000" b="1" dirty="0"/>
+              <a:t>?</a:t>
+            </a:r>
+          </a:p>
+          <a:p>
+            <a:pPr marL="0" indent="0">
+              <a:buNone/>
+            </a:pPr>
+            <a:endParaRPr lang="de-DE" sz="2000" b="1" dirty="0"/>
+          </a:p>
+          <a:p>
+            <a:pPr>
+              <a:buFont typeface="Wingdings" panose="05000000000000000000" pitchFamily="2" charset="2"/>
+              <a:buChar char="Ø"/>
+            </a:pPr>
+            <a:r>
+              <a:rPr lang="de-DE" sz="2000" b="1" dirty="0"/>
+              <a:t> Wann ist es sinnvoll </a:t>
+            </a:r>
+            <a:r>
+              <a:rPr lang="de-DE" sz="2000" b="1" dirty="0" err="1"/>
+              <a:t>Hibernate</a:t>
+            </a:r>
+            <a:r>
+              <a:rPr lang="de-DE" sz="2000" b="1" dirty="0"/>
+              <a:t> zu verwenden?</a:t>
+            </a:r>
+          </a:p>
+          <a:p>
+            <a:pPr>
+              <a:buFont typeface="Wingdings" panose="05000000000000000000" pitchFamily="2" charset="2"/>
+              <a:buChar char="Ø"/>
+            </a:pPr>
+            <a:endParaRPr lang="de-DE" sz="2000" b="1" dirty="0"/>
+          </a:p>
+          <a:p>
+            <a:pPr>
+              <a:buFont typeface="Wingdings" panose="05000000000000000000" pitchFamily="2" charset="2"/>
+              <a:buChar char="Ø"/>
+            </a:pPr>
+            <a:r>
+              <a:rPr lang="de-DE" sz="2000" b="1" dirty="0"/>
+              <a:t> Wie ist </a:t>
+            </a:r>
+            <a:r>
+              <a:rPr lang="de-DE" sz="2000" b="1" dirty="0" err="1"/>
+              <a:t>Hibernate</a:t>
+            </a:r>
+            <a:r>
+              <a:rPr lang="de-DE" sz="2000" b="1" dirty="0"/>
+              <a:t> aufgebaut?</a:t>
+            </a:r>
+          </a:p>
+          <a:p>
+            <a:pPr>
+              <a:buFont typeface="Wingdings" panose="05000000000000000000" pitchFamily="2" charset="2"/>
+              <a:buChar char="Ø"/>
+            </a:pPr>
+            <a:endParaRPr lang="de-DE" sz="2000" b="1" dirty="0"/>
+          </a:p>
+          <a:p>
+            <a:pPr>
+              <a:buFont typeface="Wingdings" panose="05000000000000000000" pitchFamily="2" charset="2"/>
+              <a:buChar char="Ø"/>
+            </a:pPr>
+            <a:r>
+              <a:rPr lang="de-DE" sz="2000" b="1" dirty="0"/>
+              <a:t> Wie nutze ich </a:t>
+            </a:r>
+            <a:r>
+              <a:rPr lang="de-DE" sz="2000" b="1" dirty="0" err="1"/>
+              <a:t>Hibernate</a:t>
+            </a:r>
+            <a:r>
+              <a:rPr lang="de-DE" sz="2000" b="1" dirty="0"/>
+              <a:t>?</a:t>
+            </a:r>
+          </a:p>
+        </p:txBody>
+      </p:sp>
+    </p:spTree>
+    <p:extLst>
+      <p:ext uri="{BB962C8B-B14F-4D97-AF65-F5344CB8AC3E}">
+        <p14:creationId xmlns:p14="http://schemas.microsoft.com/office/powerpoint/2010/main" val="2018872907"/>
+      </p:ext>
+    </p:extLst>
+  </p:cSld>
+  <p:clrMapOvr>
+    <a:masterClrMapping/>
+  </p:clrMapOvr>
+</p:sld>
+</file>
+
+<file path=ppt/slides/slide3.xml><?xml version="1.0" encoding="utf-8"?>
+<p:sld xmlns:a="http://schemas.openxmlformats.org/drawingml/2006/main" xmlns:r="http://schemas.openxmlformats.org/officeDocument/2006/relationships" xmlns:p="http://schemas.openxmlformats.org/presentationml/2006/main">
+  <p:cSld>
+    <p:spTree>
+      <p:nvGrpSpPr>
+        <p:cNvPr id="1" name=""/>
+        <p:cNvGrpSpPr/>
+        <p:nvPr/>
+      </p:nvGrpSpPr>
+      <p:grpSpPr>
+        <a:xfrm>
+          <a:off x="0" y="0"/>
+          <a:ext cx="0" cy="0"/>
+          <a:chOff x="0" y="0"/>
+          <a:chExt cx="0" cy="0"/>
+        </a:xfrm>
+      </p:grpSpPr>
+      <p:sp>
+        <p:nvSpPr>
+          <p:cNvPr id="2" name="Title 1">
+            <a:extLst>
+              <a:ext uri="{FF2B5EF4-FFF2-40B4-BE49-F238E27FC236}">
+                <a16:creationId xmlns:a16="http://schemas.microsoft.com/office/drawing/2014/main" id="{DFC4B8AC-E1FA-4B6B-B0F4-7A4651D4CF09}"/>
+              </a:ext>
+            </a:extLst>
+          </p:cNvPr>
+          <p:cNvSpPr>
+            <a:spLocks noGrp="1"/>
+          </p:cNvSpPr>
+          <p:nvPr>
+            <p:ph type="title"/>
+          </p:nvPr>
+        </p:nvSpPr>
+        <p:spPr>
+          <a:xfrm>
+            <a:off x="1154954" y="973668"/>
+            <a:ext cx="8761413" cy="706964"/>
+          </a:xfrm>
+        </p:spPr>
+        <p:txBody>
+          <a:bodyPr/>
+          <a:lstStyle/>
+          <a:p>
+            <a:r>
+              <a:rPr lang="de-DE" dirty="0"/>
+              <a:t>Das Problem das </a:t>
+            </a:r>
+            <a:r>
+              <a:rPr lang="de-DE" dirty="0" err="1"/>
+              <a:t>Hibernate</a:t>
+            </a:r>
+            <a:r>
+              <a:rPr lang="de-DE" dirty="0"/>
+              <a:t> lösen soll</a:t>
+            </a:r>
+          </a:p>
+        </p:txBody>
+      </p:sp>
+      <p:sp>
+        <p:nvSpPr>
+          <p:cNvPr id="3" name="Content Placeholder 2">
+            <a:extLst>
+              <a:ext uri="{FF2B5EF4-FFF2-40B4-BE49-F238E27FC236}">
+                <a16:creationId xmlns:a16="http://schemas.microsoft.com/office/drawing/2014/main" id="{5898757C-1077-4AEE-9431-7DDA3F9B497B}"/>
+              </a:ext>
+            </a:extLst>
+          </p:cNvPr>
+          <p:cNvSpPr>
+            <a:spLocks noGrp="1"/>
+          </p:cNvSpPr>
+          <p:nvPr>
+            <p:ph idx="1"/>
+          </p:nvPr>
+        </p:nvSpPr>
+        <p:spPr>
+          <a:xfrm>
+            <a:off x="1154954" y="2360645"/>
+            <a:ext cx="8825659" cy="4497355"/>
+          </a:xfrm>
+        </p:spPr>
+        <p:txBody>
+          <a:bodyPr>
+            <a:normAutofit/>
+          </a:bodyPr>
+          <a:lstStyle/>
+          <a:p>
+            <a:r>
+              <a:rPr lang="de-DE" dirty="0"/>
+              <a:t>Zusammenarbeit von:</a:t>
+            </a:r>
+          </a:p>
+          <a:p>
+            <a:pPr lvl="1"/>
+            <a:r>
+              <a:rPr lang="de-DE" sz="1800" b="1" dirty="0"/>
+              <a:t>objektorientierter Software</a:t>
+            </a:r>
+            <a:r>
+              <a:rPr lang="de-DE" sz="1800" dirty="0"/>
+              <a:t> möchte Daten mit einer</a:t>
+            </a:r>
+          </a:p>
+          <a:p>
+            <a:pPr lvl="1"/>
+            <a:r>
+              <a:rPr lang="de-DE" sz="1800" b="1" dirty="0"/>
+              <a:t>relationalen Datenbank(en)</a:t>
+            </a:r>
+            <a:r>
+              <a:rPr lang="de-DE" sz="1800" dirty="0"/>
+              <a:t> speichern</a:t>
+            </a:r>
+          </a:p>
+          <a:p>
+            <a:endParaRPr lang="de-DE" dirty="0"/>
+          </a:p>
+          <a:p>
+            <a:r>
+              <a:rPr lang="de-DE" dirty="0"/>
+              <a:t>Problem</a:t>
+            </a:r>
+          </a:p>
+          <a:p>
+            <a:pPr lvl="1"/>
+            <a:r>
+              <a:rPr lang="de-DE" sz="1800" b="1" dirty="0"/>
+              <a:t>Synchronisierung</a:t>
+            </a:r>
+            <a:r>
+              <a:rPr lang="de-DE" sz="1800" dirty="0"/>
+              <a:t> zweier verschiedener Darstellungen von Daten</a:t>
+            </a:r>
+          </a:p>
+          <a:p>
+            <a:pPr marL="457200" lvl="1" indent="0">
+              <a:buNone/>
+            </a:pPr>
+            <a:endParaRPr lang="de-DE" sz="1800" dirty="0"/>
+          </a:p>
+          <a:p>
+            <a:r>
+              <a:rPr lang="de-DE" dirty="0"/>
+              <a:t>Lösung:</a:t>
+            </a:r>
+          </a:p>
+          <a:p>
+            <a:pPr lvl="1"/>
+            <a:r>
+              <a:rPr lang="de-DE" sz="1800" dirty="0"/>
+              <a:t>Objekt/Relational Mapping (</a:t>
+            </a:r>
+            <a:r>
+              <a:rPr lang="de-DE" sz="1800" b="1" dirty="0"/>
+              <a:t>ORM</a:t>
+            </a:r>
+            <a:r>
+              <a:rPr lang="de-DE" sz="1800" dirty="0"/>
+              <a:t>)</a:t>
+            </a:r>
+          </a:p>
+          <a:p>
+            <a:pPr lvl="1"/>
+            <a:r>
+              <a:rPr lang="de-DE" sz="1800" dirty="0" err="1">
+                <a:effectLst>
+                  <a:outerShdw blurRad="38100" dist="38100" dir="2700000" algn="tl">
+                    <a:srgbClr val="000000">
+                      <a:alpha val="43137"/>
+                    </a:srgbClr>
+                  </a:outerShdw>
+                </a:effectLst>
+              </a:rPr>
+              <a:t>Hibernate</a:t>
+            </a:r>
+            <a:r>
+              <a:rPr lang="de-DE" sz="1800" dirty="0">
+                <a:effectLst>
+                  <a:outerShdw blurRad="38100" dist="38100" dir="2700000" algn="tl">
+                    <a:srgbClr val="000000">
+                      <a:alpha val="43137"/>
+                    </a:srgbClr>
+                  </a:outerShdw>
+                </a:effectLst>
+              </a:rPr>
+              <a:t> ist eine ORM Software</a:t>
+            </a:r>
+          </a:p>
+        </p:txBody>
+      </p:sp>
+    </p:spTree>
+    <p:extLst>
+      <p:ext uri="{BB962C8B-B14F-4D97-AF65-F5344CB8AC3E}">
+        <p14:creationId xmlns:p14="http://schemas.microsoft.com/office/powerpoint/2010/main" val="3328687377"/>
+      </p:ext>
+    </p:extLst>
+  </p:cSld>
+  <p:clrMapOvr>
+    <a:masterClrMapping/>
+  </p:clrMapOvr>
+</p:sld>
+</file>
+
+<file path=ppt/slides/slide4.xml><?xml version="1.0" encoding="utf-8"?>
+<p:sld xmlns:a="http://schemas.openxmlformats.org/drawingml/2006/main" xmlns:r="http://schemas.openxmlformats.org/officeDocument/2006/relationships" xmlns:p="http://schemas.openxmlformats.org/presentationml/2006/main">
+  <p:cSld>
+    <p:spTree>
+      <p:nvGrpSpPr>
+        <p:cNvPr id="1" name=""/>
+        <p:cNvGrpSpPr/>
+        <p:nvPr/>
+      </p:nvGrpSpPr>
+      <p:grpSpPr>
+        <a:xfrm>
+          <a:off x="0" y="0"/>
+          <a:ext cx="0" cy="0"/>
+          <a:chOff x="0" y="0"/>
+          <a:chExt cx="0" cy="0"/>
+        </a:xfrm>
+      </p:grpSpPr>
+      <p:sp>
+        <p:nvSpPr>
+          <p:cNvPr id="2" name="Title 1">
+            <a:extLst>
+              <a:ext uri="{FF2B5EF4-FFF2-40B4-BE49-F238E27FC236}">
+                <a16:creationId xmlns:a16="http://schemas.microsoft.com/office/drawing/2014/main" id="{1FBE8DC0-A0C9-4886-B8CB-13173C66A79D}"/>
+              </a:ext>
+            </a:extLst>
+          </p:cNvPr>
+          <p:cNvSpPr>
+            <a:spLocks noGrp="1"/>
+          </p:cNvSpPr>
+          <p:nvPr>
+            <p:ph type="title"/>
+          </p:nvPr>
+        </p:nvSpPr>
+        <p:spPr/>
+        <p:txBody>
+          <a:bodyPr/>
+          <a:lstStyle/>
+          <a:p>
+            <a:r>
+              <a:rPr lang="de-DE" dirty="0"/>
+              <a:t>Was genau ist das Problem?</a:t>
+            </a:r>
+          </a:p>
+        </p:txBody>
+      </p:sp>
+      <p:sp>
+        <p:nvSpPr>
+          <p:cNvPr id="3" name="Content Placeholder 2">
+            <a:extLst>
+              <a:ext uri="{FF2B5EF4-FFF2-40B4-BE49-F238E27FC236}">
+                <a16:creationId xmlns:a16="http://schemas.microsoft.com/office/drawing/2014/main" id="{8ABDFAD7-8273-4FAC-8A42-AC6A26811286}"/>
+              </a:ext>
+            </a:extLst>
+          </p:cNvPr>
+          <p:cNvSpPr>
+            <a:spLocks noGrp="1"/>
+          </p:cNvSpPr>
+          <p:nvPr>
+            <p:ph idx="1"/>
+          </p:nvPr>
+        </p:nvSpPr>
+        <p:spPr/>
+        <p:txBody>
+          <a:bodyPr>
+            <a:normAutofit/>
+          </a:bodyPr>
+          <a:lstStyle/>
+          <a:p>
+            <a:pPr marL="0" indent="0">
+              <a:buNone/>
+            </a:pPr>
+            <a:r>
+              <a:rPr lang="de-DE" sz="2400" dirty="0"/>
+              <a:t>„</a:t>
+            </a:r>
+            <a:r>
+              <a:rPr lang="de-DE" sz="2400" dirty="0" err="1"/>
+              <a:t>Object</a:t>
+            </a:r>
+            <a:r>
+              <a:rPr lang="de-DE" sz="2400" dirty="0"/>
+              <a:t>-relational </a:t>
+            </a:r>
+            <a:r>
+              <a:rPr lang="de-DE" sz="2400" dirty="0" err="1"/>
+              <a:t>impedance</a:t>
+            </a:r>
+            <a:r>
+              <a:rPr lang="de-DE" sz="2400" dirty="0"/>
+              <a:t> </a:t>
+            </a:r>
+            <a:r>
+              <a:rPr lang="de-DE" sz="2400" dirty="0" err="1"/>
+              <a:t>mismatch</a:t>
+            </a:r>
+            <a:r>
+              <a:rPr lang="de-DE" sz="2400" dirty="0"/>
+              <a:t>“:</a:t>
+            </a:r>
+          </a:p>
+          <a:p>
+            <a:pPr>
+              <a:buFont typeface="+mj-lt"/>
+              <a:buAutoNum type="arabicPeriod"/>
+            </a:pPr>
+            <a:r>
+              <a:rPr lang="de-DE" sz="2400" dirty="0"/>
+              <a:t>Feinheit</a:t>
+            </a:r>
+          </a:p>
+          <a:p>
+            <a:pPr>
+              <a:buFont typeface="+mj-lt"/>
+              <a:buAutoNum type="arabicPeriod"/>
+            </a:pPr>
+            <a:r>
+              <a:rPr lang="de-DE" sz="2400" dirty="0"/>
+              <a:t>Vererbung</a:t>
+            </a:r>
+          </a:p>
+          <a:p>
+            <a:pPr>
+              <a:buFont typeface="+mj-lt"/>
+              <a:buAutoNum type="arabicPeriod"/>
+            </a:pPr>
+            <a:r>
+              <a:rPr lang="de-DE" sz="2400" dirty="0"/>
+              <a:t>Identität</a:t>
+            </a:r>
+          </a:p>
+          <a:p>
+            <a:pPr>
+              <a:buFont typeface="+mj-lt"/>
+              <a:buAutoNum type="arabicPeriod"/>
+            </a:pPr>
+            <a:r>
+              <a:rPr lang="de-DE" sz="2400" dirty="0"/>
+              <a:t>Assoziationen</a:t>
+            </a:r>
+          </a:p>
+          <a:p>
+            <a:pPr>
+              <a:buFont typeface="+mj-lt"/>
+              <a:buAutoNum type="arabicPeriod"/>
+            </a:pPr>
+            <a:r>
+              <a:rPr lang="de-DE" sz="2400" dirty="0"/>
+              <a:t>Navigation</a:t>
+            </a:r>
+          </a:p>
+        </p:txBody>
+      </p:sp>
+    </p:spTree>
+    <p:extLst>
+      <p:ext uri="{BB962C8B-B14F-4D97-AF65-F5344CB8AC3E}">
+        <p14:creationId xmlns:p14="http://schemas.microsoft.com/office/powerpoint/2010/main" val="1197308858"/>
+      </p:ext>
+    </p:extLst>
+  </p:cSld>
+  <p:clrMapOvr>
+    <a:masterClrMapping/>
+  </p:clrMapOvr>
+</p:sld>
+</file>
+
+<file path=ppt/slides/slide5.xml><?xml version="1.0" encoding="utf-8"?>
+<p:sld xmlns:a="http://schemas.openxmlformats.org/drawingml/2006/main" xmlns:r="http://schemas.openxmlformats.org/officeDocument/2006/relationships" xmlns:p="http://schemas.openxmlformats.org/presentationml/2006/main">
+  <p:cSld>
+    <p:spTree>
+      <p:nvGrpSpPr>
+        <p:cNvPr id="1" name=""/>
+        <p:cNvGrpSpPr/>
+        <p:nvPr/>
+      </p:nvGrpSpPr>
+      <p:grpSpPr>
+        <a:xfrm>
+          <a:off x="0" y="0"/>
+          <a:ext cx="0" cy="0"/>
+          <a:chOff x="0" y="0"/>
+          <a:chExt cx="0" cy="0"/>
+        </a:xfrm>
+      </p:grpSpPr>
+      <p:sp>
+        <p:nvSpPr>
+          <p:cNvPr id="2" name="Title 1">
+            <a:extLst>
+              <a:ext uri="{FF2B5EF4-FFF2-40B4-BE49-F238E27FC236}">
+                <a16:creationId xmlns:a16="http://schemas.microsoft.com/office/drawing/2014/main" id="{F6EB769A-8806-4D73-AAF9-FB5B2164BA24}"/>
+              </a:ext>
+            </a:extLst>
+          </p:cNvPr>
+          <p:cNvSpPr>
+            <a:spLocks noGrp="1"/>
+          </p:cNvSpPr>
+          <p:nvPr>
+            <p:ph type="ctrTitle"/>
+          </p:nvPr>
+        </p:nvSpPr>
+        <p:spPr>
+          <a:xfrm>
+            <a:off x="1097280" y="758952"/>
+            <a:ext cx="10058400" cy="1265791"/>
+          </a:xfrm>
+        </p:spPr>
+        <p:txBody>
+          <a:bodyPr>
+            <a:normAutofit fontScale="90000"/>
+          </a:bodyPr>
+          <a:lstStyle/>
+          <a:p>
+            <a:r>
+              <a:rPr lang="de-DE" sz="4800" dirty="0"/>
+              <a:t>Macht </a:t>
+            </a:r>
+            <a:r>
+              <a:rPr lang="de-DE" sz="4800" dirty="0" err="1"/>
+              <a:t>Hibernate</a:t>
+            </a:r>
+            <a:r>
+              <a:rPr lang="de-DE" sz="4800" dirty="0"/>
+              <a:t> für unser Projekt Sinn?</a:t>
+            </a:r>
+          </a:p>
+        </p:txBody>
+      </p:sp>
+      <p:sp>
+        <p:nvSpPr>
+          <p:cNvPr id="3" name="Subtitle 2">
+            <a:extLst>
+              <a:ext uri="{FF2B5EF4-FFF2-40B4-BE49-F238E27FC236}">
+                <a16:creationId xmlns:a16="http://schemas.microsoft.com/office/drawing/2014/main" id="{13398B9E-4558-4FD4-A292-4892E098EEDD}"/>
+              </a:ext>
+            </a:extLst>
+          </p:cNvPr>
+          <p:cNvSpPr>
+            <a:spLocks noGrp="1"/>
+          </p:cNvSpPr>
+          <p:nvPr>
+            <p:ph type="subTitle" idx="1"/>
+          </p:nvPr>
+        </p:nvSpPr>
+        <p:spPr>
+          <a:xfrm>
+            <a:off x="1524000" y="2024743"/>
+            <a:ext cx="9144000" cy="4074305"/>
+          </a:xfrm>
+        </p:spPr>
+        <p:txBody>
+          <a:bodyPr>
+            <a:normAutofit lnSpcReduction="10000"/>
+          </a:bodyPr>
+          <a:lstStyle/>
+          <a:p>
+            <a:r>
+              <a:rPr lang="de-DE" sz="3200" dirty="0"/>
+              <a:t>Wir benutzen: </a:t>
+            </a:r>
+          </a:p>
+          <a:p>
+            <a:r>
+              <a:rPr lang="de-DE" sz="3200" b="1" dirty="0">
+                <a:effectLst>
+                  <a:outerShdw blurRad="38100" dist="38100" dir="2700000" algn="tl">
+                    <a:srgbClr val="000000">
+                      <a:alpha val="43137"/>
+                    </a:srgbClr>
+                  </a:outerShdw>
+                </a:effectLst>
+              </a:rPr>
+              <a:t>JAVA</a:t>
+            </a:r>
+          </a:p>
+          <a:p>
+            <a:r>
+              <a:rPr lang="de-DE" sz="3200" b="1" dirty="0">
+                <a:effectLst>
+                  <a:outerShdw blurRad="38100" dist="38100" dir="2700000" algn="tl">
+                    <a:srgbClr val="000000">
+                      <a:alpha val="43137"/>
+                    </a:srgbClr>
+                  </a:outerShdw>
+                </a:effectLst>
+              </a:rPr>
+              <a:t>Eine relationale Datenbank</a:t>
+            </a:r>
+          </a:p>
+          <a:p>
+            <a:r>
+              <a:rPr lang="de-DE" sz="3200" b="1" dirty="0">
+                <a:effectLst>
+                  <a:outerShdw blurRad="38100" dist="38100" dir="2700000" algn="tl">
+                    <a:srgbClr val="000000">
+                      <a:alpha val="43137"/>
+                    </a:srgbClr>
+                  </a:outerShdw>
+                </a:effectLst>
+              </a:rPr>
+              <a:t>Ein statisches OO </a:t>
+            </a:r>
+            <a:r>
+              <a:rPr lang="de-DE" sz="3200" b="1" dirty="0" err="1">
+                <a:effectLst>
+                  <a:outerShdw blurRad="38100" dist="38100" dir="2700000" algn="tl">
+                    <a:srgbClr val="000000">
+                      <a:alpha val="43137"/>
+                    </a:srgbClr>
+                  </a:outerShdw>
+                </a:effectLst>
+              </a:rPr>
+              <a:t>domain</a:t>
+            </a:r>
+            <a:r>
+              <a:rPr lang="de-DE" sz="3200" b="1" dirty="0">
+                <a:effectLst>
+                  <a:outerShdw blurRad="38100" dist="38100" dir="2700000" algn="tl">
+                    <a:srgbClr val="000000">
+                      <a:alpha val="43137"/>
+                    </a:srgbClr>
+                  </a:outerShdw>
+                </a:effectLst>
+              </a:rPr>
+              <a:t> </a:t>
+            </a:r>
+            <a:r>
+              <a:rPr lang="de-DE" sz="3200" b="1" dirty="0" err="1">
+                <a:effectLst>
+                  <a:outerShdw blurRad="38100" dist="38100" dir="2700000" algn="tl">
+                    <a:srgbClr val="000000">
+                      <a:alpha val="43137"/>
+                    </a:srgbClr>
+                  </a:outerShdw>
+                </a:effectLst>
+              </a:rPr>
+              <a:t>model</a:t>
+            </a:r>
+            <a:endParaRPr lang="de-DE" sz="3200" b="1" dirty="0">
+              <a:effectLst>
+                <a:outerShdw blurRad="38100" dist="38100" dir="2700000" algn="tl">
+                  <a:srgbClr val="000000">
+                    <a:alpha val="43137"/>
+                  </a:srgbClr>
+                </a:outerShdw>
+              </a:effectLst>
+            </a:endParaRPr>
+          </a:p>
+          <a:p>
+            <a:endParaRPr lang="de-DE" sz="3200" b="1" dirty="0">
+              <a:effectLst>
+                <a:outerShdw blurRad="38100" dist="38100" dir="2700000" algn="tl">
+                  <a:srgbClr val="000000">
+                    <a:alpha val="43137"/>
+                  </a:srgbClr>
+                </a:outerShdw>
+              </a:effectLst>
+            </a:endParaRPr>
+          </a:p>
+          <a:p>
+            <a:r>
+              <a:rPr lang="de-DE" sz="3200" b="1" dirty="0">
+                <a:effectLst>
+                  <a:outerShdw blurRad="38100" dist="38100" dir="2700000" algn="tl">
+                    <a:srgbClr val="000000">
+                      <a:alpha val="43137"/>
+                    </a:srgbClr>
+                  </a:outerShdw>
+                </a:effectLst>
+              </a:rPr>
+              <a:t>Geeignet für CRUD-Operationen und</a:t>
+            </a:r>
+          </a:p>
+          <a:p>
+            <a:r>
+              <a:rPr lang="de-DE" sz="3200" b="1" dirty="0">
+                <a:effectLst>
+                  <a:outerShdw blurRad="38100" dist="38100" dir="2700000" algn="tl">
+                    <a:srgbClr val="000000">
+                      <a:alpha val="43137"/>
+                    </a:srgbClr>
+                  </a:outerShdw>
+                </a:effectLst>
+              </a:rPr>
+              <a:t>Wenige Komplexe DB-Anfragen</a:t>
+            </a:r>
+          </a:p>
+          <a:p>
+            <a:endParaRPr lang="de-DE" sz="3200" b="1" dirty="0">
+              <a:effectLst>
+                <a:outerShdw blurRad="38100" dist="38100" dir="2700000" algn="tl">
+                  <a:srgbClr val="000000">
+                    <a:alpha val="43137"/>
+                  </a:srgbClr>
+                </a:outerShdw>
+              </a:effectLst>
+            </a:endParaRPr>
+          </a:p>
+        </p:txBody>
+      </p:sp>
+    </p:spTree>
+    <p:extLst>
+      <p:ext uri="{BB962C8B-B14F-4D97-AF65-F5344CB8AC3E}">
+        <p14:creationId xmlns:p14="http://schemas.microsoft.com/office/powerpoint/2010/main" val="368996188"/>
+      </p:ext>
+    </p:extLst>
+  </p:cSld>
+  <p:clrMapOvr>
+    <a:masterClrMapping/>
+  </p:clrMapOvr>
+</p:sld>
+</file>
+
+<file path=ppt/slides/slide6.xml><?xml version="1.0" encoding="utf-8"?>
+<p:sld xmlns:a="http://schemas.openxmlformats.org/drawingml/2006/main" xmlns:r="http://schemas.openxmlformats.org/officeDocument/2006/relationships" xmlns:p="http://schemas.openxmlformats.org/presentationml/2006/main">
+  <p:cSld>
+    <p:spTree>
+      <p:nvGrpSpPr>
+        <p:cNvPr id="1" name=""/>
+        <p:cNvGrpSpPr/>
+        <p:nvPr/>
+      </p:nvGrpSpPr>
+      <p:grpSpPr>
+        <a:xfrm>
+          <a:off x="0" y="0"/>
+          <a:ext cx="0" cy="0"/>
+          <a:chOff x="0" y="0"/>
+          <a:chExt cx="0" cy="0"/>
+        </a:xfrm>
+      </p:grpSpPr>
+      <p:sp>
+        <p:nvSpPr>
+          <p:cNvPr id="2" name="Title 1">
+            <a:extLst>
+              <a:ext uri="{FF2B5EF4-FFF2-40B4-BE49-F238E27FC236}">
+                <a16:creationId xmlns:a16="http://schemas.microsoft.com/office/drawing/2014/main" id="{6B270450-8ADB-492F-9186-76ABB1ED24CA}"/>
+              </a:ext>
+            </a:extLst>
+          </p:cNvPr>
+          <p:cNvSpPr>
+            <a:spLocks noGrp="1"/>
+          </p:cNvSpPr>
+          <p:nvPr>
+            <p:ph type="title"/>
+          </p:nvPr>
+        </p:nvSpPr>
+        <p:spPr/>
+        <p:txBody>
+          <a:bodyPr/>
+          <a:lstStyle/>
+          <a:p>
+            <a:r>
+              <a:rPr lang="de-DE" dirty="0"/>
+              <a:t>Teile einer Anwendung mit </a:t>
+            </a:r>
+            <a:r>
+              <a:rPr lang="de-DE" dirty="0" err="1"/>
+              <a:t>Hibernate</a:t>
+            </a:r>
+            <a:endParaRPr lang="de-DE" dirty="0"/>
+          </a:p>
+        </p:txBody>
+      </p:sp>
+      <p:sp>
+        <p:nvSpPr>
+          <p:cNvPr id="3" name="Content Placeholder 2">
+            <a:extLst>
+              <a:ext uri="{FF2B5EF4-FFF2-40B4-BE49-F238E27FC236}">
+                <a16:creationId xmlns:a16="http://schemas.microsoft.com/office/drawing/2014/main" id="{758B9B2F-CC18-4286-B215-DCAC2D5EDA65}"/>
+              </a:ext>
+            </a:extLst>
+          </p:cNvPr>
+          <p:cNvSpPr>
+            <a:spLocks noGrp="1"/>
+          </p:cNvSpPr>
+          <p:nvPr>
+            <p:ph idx="1"/>
+          </p:nvPr>
+        </p:nvSpPr>
+        <p:spPr/>
+        <p:txBody>
+          <a:bodyPr/>
+          <a:lstStyle/>
+          <a:p>
+            <a:r>
+              <a:rPr lang="de-DE" sz="2400" dirty="0" err="1"/>
+              <a:t>Hibernate</a:t>
+            </a:r>
+            <a:r>
+              <a:rPr lang="de-DE" sz="2400" dirty="0"/>
+              <a:t> Bibliothek</a:t>
+            </a:r>
+          </a:p>
+          <a:p>
+            <a:pPr lvl="1"/>
+            <a:r>
+              <a:rPr lang="de-DE" sz="2400" dirty="0">
+                <a:hlinkClick r:id="rId3"/>
+              </a:rPr>
+              <a:t>http://hibernate.org/orm/releases/</a:t>
+            </a:r>
+            <a:r>
+              <a:rPr lang="de-DE" sz="2400" dirty="0"/>
+              <a:t> (</a:t>
+            </a:r>
+            <a:r>
+              <a:rPr lang="de-DE" sz="2400" dirty="0" err="1"/>
+              <a:t>standalone</a:t>
+            </a:r>
+            <a:r>
+              <a:rPr lang="de-DE" sz="2400" dirty="0"/>
+              <a:t>/</a:t>
+            </a:r>
+            <a:r>
+              <a:rPr lang="de-DE" sz="2400" dirty="0" err="1"/>
+              <a:t>maven</a:t>
+            </a:r>
+            <a:r>
+              <a:rPr lang="de-DE" sz="2400" dirty="0"/>
+              <a:t>)</a:t>
+            </a:r>
+          </a:p>
+          <a:p>
+            <a:r>
+              <a:rPr lang="de-DE" sz="2400" dirty="0" err="1"/>
+              <a:t>Hibernate</a:t>
+            </a:r>
+            <a:r>
+              <a:rPr lang="de-DE" sz="2400" dirty="0"/>
+              <a:t> Konfiguration mit Datenbank</a:t>
+            </a:r>
+          </a:p>
+          <a:p>
+            <a:r>
+              <a:rPr lang="de-DE" sz="2400" dirty="0" err="1"/>
+              <a:t>Hibernate</a:t>
+            </a:r>
+            <a:r>
+              <a:rPr lang="de-DE" sz="2400" dirty="0"/>
+              <a:t> Mapping der Klasse(n)</a:t>
+            </a:r>
+          </a:p>
+          <a:p>
+            <a:r>
+              <a:rPr lang="de-DE" sz="2400" dirty="0"/>
+              <a:t>POJO Klasse(n)</a:t>
+            </a:r>
+          </a:p>
+          <a:p>
+            <a:r>
+              <a:rPr lang="de-DE" sz="2400" dirty="0"/>
+              <a:t>Logik/ Main-Klasse</a:t>
+            </a:r>
+          </a:p>
+          <a:p>
+            <a:endParaRPr lang="de-DE" dirty="0"/>
+          </a:p>
+        </p:txBody>
+      </p:sp>
+    </p:spTree>
+    <p:extLst>
+      <p:ext uri="{BB962C8B-B14F-4D97-AF65-F5344CB8AC3E}">
+        <p14:creationId xmlns:p14="http://schemas.microsoft.com/office/powerpoint/2010/main" val="2182648047"/>
+      </p:ext>
+    </p:extLst>
+  </p:cSld>
+  <p:clrMapOvr>
+    <a:masterClrMapping/>
+  </p:clrMapOvr>
+</p:sld>
+</file>
+
+<file path=ppt/slides/slide7.xml><?xml version="1.0" encoding="utf-8"?>
+<p:sld xmlns:a="http://schemas.openxmlformats.org/drawingml/2006/main" xmlns:r="http://schemas.openxmlformats.org/officeDocument/2006/relationships" xmlns:p="http://schemas.openxmlformats.org/presentationml/2006/main">
+  <p:cSld>
+    <p:spTree>
+      <p:nvGrpSpPr>
+        <p:cNvPr id="1" name=""/>
+        <p:cNvGrpSpPr/>
+        <p:nvPr/>
+      </p:nvGrpSpPr>
+      <p:grpSpPr>
+        <a:xfrm>
+          <a:off x="0" y="0"/>
+          <a:ext cx="0" cy="0"/>
+          <a:chOff x="0" y="0"/>
+          <a:chExt cx="0" cy="0"/>
+        </a:xfrm>
+      </p:grpSpPr>
+      <p:sp>
+        <p:nvSpPr>
+          <p:cNvPr id="2" name="Title 1">
+            <a:extLst>
+              <a:ext uri="{FF2B5EF4-FFF2-40B4-BE49-F238E27FC236}">
+                <a16:creationId xmlns:a16="http://schemas.microsoft.com/office/drawing/2014/main" id="{904716C6-DE27-4116-A029-3EE7BB388599}"/>
+              </a:ext>
+            </a:extLst>
+          </p:cNvPr>
+          <p:cNvSpPr>
+            <a:spLocks noGrp="1"/>
+          </p:cNvSpPr>
+          <p:nvPr>
+            <p:ph type="title"/>
+          </p:nvPr>
+        </p:nvSpPr>
+        <p:spPr/>
+        <p:txBody>
+          <a:bodyPr/>
+          <a:lstStyle/>
+          <a:p>
+            <a:r>
+              <a:rPr lang="de-DE" dirty="0"/>
+              <a:t>POJO – </a:t>
+            </a:r>
+            <a:r>
+              <a:rPr lang="de-DE" dirty="0" err="1"/>
+              <a:t>Plain</a:t>
+            </a:r>
+            <a:r>
+              <a:rPr lang="de-DE" dirty="0"/>
+              <a:t> Old Java Objects</a:t>
+            </a:r>
+          </a:p>
+        </p:txBody>
+      </p:sp>
+      <p:sp>
+        <p:nvSpPr>
+          <p:cNvPr id="3" name="Content Placeholder 2">
+            <a:extLst>
+              <a:ext uri="{FF2B5EF4-FFF2-40B4-BE49-F238E27FC236}">
+                <a16:creationId xmlns:a16="http://schemas.microsoft.com/office/drawing/2014/main" id="{FF3897C4-CC49-444C-BC52-328B783E5D57}"/>
+              </a:ext>
+            </a:extLst>
+          </p:cNvPr>
+          <p:cNvSpPr>
+            <a:spLocks noGrp="1"/>
+          </p:cNvSpPr>
+          <p:nvPr>
+            <p:ph idx="1"/>
+          </p:nvPr>
+        </p:nvSpPr>
+        <p:spPr>
+          <a:xfrm>
+            <a:off x="1154954" y="2468032"/>
+            <a:ext cx="8825659" cy="316111"/>
+          </a:xfrm>
+        </p:spPr>
+        <p:txBody>
+          <a:bodyPr>
+            <a:normAutofit fontScale="92500" lnSpcReduction="20000"/>
+          </a:bodyPr>
+          <a:lstStyle/>
+          <a:p>
+            <a:pPr marL="0" indent="0">
+              <a:buNone/>
+            </a:pPr>
+            <a:endParaRPr lang="de-DE" sz="1900" dirty="0"/>
+          </a:p>
+          <a:p>
+            <a:pPr marL="0" indent="0">
+              <a:buNone/>
+            </a:pPr>
+            <a:endParaRPr lang="de-DE" dirty="0"/>
+          </a:p>
+        </p:txBody>
+      </p:sp>
+      <p:sp>
+        <p:nvSpPr>
+          <p:cNvPr id="4" name="TextBox 3">
+            <a:extLst>
+              <a:ext uri="{FF2B5EF4-FFF2-40B4-BE49-F238E27FC236}">
+                <a16:creationId xmlns:a16="http://schemas.microsoft.com/office/drawing/2014/main" id="{96A79C02-8EFF-47F6-97F5-428D76B40B3D}"/>
+              </a:ext>
+            </a:extLst>
+          </p:cNvPr>
+          <p:cNvSpPr txBox="1"/>
+          <p:nvPr/>
+        </p:nvSpPr>
+        <p:spPr>
+          <a:xfrm>
+            <a:off x="3959036" y="2468032"/>
+            <a:ext cx="3443571" cy="4093428"/>
+          </a:xfrm>
+          <a:prstGeom prst="rect">
+            <a:avLst/>
+          </a:prstGeom>
+          <a:noFill/>
+        </p:spPr>
+        <p:txBody>
+          <a:bodyPr wrap="none" rtlCol="0">
+            <a:spAutoFit/>
+          </a:bodyPr>
+          <a:lstStyle/>
+          <a:p>
+            <a:r>
+              <a:rPr lang="de-DE" sz="2000" dirty="0"/>
+              <a:t>Public </a:t>
+            </a:r>
+            <a:r>
+              <a:rPr lang="de-DE" sz="2000" dirty="0" err="1"/>
+              <a:t>class</a:t>
+            </a:r>
+            <a:r>
+              <a:rPr lang="de-DE" sz="2000" dirty="0"/>
+              <a:t> </a:t>
+            </a:r>
+            <a:r>
+              <a:rPr lang="de-DE" sz="2000" dirty="0" err="1"/>
+              <a:t>PojoClass</a:t>
+            </a:r>
+            <a:r>
+              <a:rPr lang="de-DE" sz="2000" dirty="0"/>
+              <a:t> {</a:t>
+            </a:r>
+          </a:p>
+          <a:p>
+            <a:r>
+              <a:rPr lang="de-DE" sz="2000" dirty="0"/>
+              <a:t>    </a:t>
+            </a:r>
+            <a:r>
+              <a:rPr lang="de-DE" sz="2000" dirty="0" err="1"/>
+              <a:t>int</a:t>
+            </a:r>
+            <a:r>
+              <a:rPr lang="de-DE" sz="2000" dirty="0"/>
+              <a:t> </a:t>
+            </a:r>
+            <a:r>
+              <a:rPr lang="de-DE" sz="2000" dirty="0" err="1"/>
+              <a:t>id</a:t>
+            </a:r>
+            <a:r>
+              <a:rPr lang="de-DE" sz="2000" dirty="0"/>
+              <a:t>;</a:t>
+            </a:r>
+          </a:p>
+          <a:p>
+            <a:r>
+              <a:rPr lang="de-DE" sz="2000" dirty="0"/>
+              <a:t>    String wert2;</a:t>
+            </a:r>
+          </a:p>
+          <a:p>
+            <a:r>
+              <a:rPr lang="de-DE" sz="2000" dirty="0"/>
+              <a:t>    </a:t>
+            </a:r>
+          </a:p>
+          <a:p>
+            <a:r>
+              <a:rPr lang="de-DE" sz="2000" dirty="0"/>
+              <a:t>    </a:t>
+            </a:r>
+            <a:r>
+              <a:rPr lang="de-DE" sz="2000" dirty="0" err="1"/>
+              <a:t>public</a:t>
+            </a:r>
+            <a:r>
+              <a:rPr lang="de-DE" sz="2000" dirty="0"/>
+              <a:t> </a:t>
+            </a:r>
+            <a:r>
+              <a:rPr lang="de-DE" sz="2000" dirty="0" err="1"/>
+              <a:t>int</a:t>
+            </a:r>
+            <a:r>
+              <a:rPr lang="de-DE" sz="2000" dirty="0"/>
+              <a:t> </a:t>
+            </a:r>
+            <a:r>
+              <a:rPr lang="de-DE" sz="2000" dirty="0" err="1"/>
+              <a:t>getid</a:t>
+            </a:r>
+            <a:r>
+              <a:rPr lang="de-DE" sz="2000" dirty="0"/>
+              <a:t>() {</a:t>
+            </a:r>
+          </a:p>
+          <a:p>
+            <a:r>
+              <a:rPr lang="de-DE" sz="2000" dirty="0"/>
+              <a:t>        </a:t>
+            </a:r>
+            <a:r>
+              <a:rPr lang="de-DE" sz="2000" dirty="0" err="1"/>
+              <a:t>return</a:t>
+            </a:r>
+            <a:r>
+              <a:rPr lang="de-DE" sz="2000" dirty="0"/>
+              <a:t> this.id;</a:t>
+            </a:r>
+          </a:p>
+          <a:p>
+            <a:r>
+              <a:rPr lang="de-DE" sz="2000" dirty="0"/>
+              <a:t>    }</a:t>
+            </a:r>
+          </a:p>
+          <a:p>
+            <a:endParaRPr lang="de-DE" sz="2000" dirty="0"/>
+          </a:p>
+          <a:p>
+            <a:r>
+              <a:rPr lang="de-DE" sz="2000" dirty="0"/>
+              <a:t>    </a:t>
+            </a:r>
+            <a:r>
+              <a:rPr lang="de-DE" sz="2000" dirty="0" err="1"/>
+              <a:t>public</a:t>
+            </a:r>
+            <a:r>
+              <a:rPr lang="de-DE" sz="2000" dirty="0"/>
+              <a:t> </a:t>
+            </a:r>
+            <a:r>
+              <a:rPr lang="de-DE" sz="2000" dirty="0" err="1"/>
+              <a:t>void</a:t>
+            </a:r>
+            <a:r>
+              <a:rPr lang="de-DE" sz="2000" dirty="0"/>
+              <a:t> </a:t>
+            </a:r>
+            <a:r>
+              <a:rPr lang="de-DE" sz="2000" dirty="0" err="1"/>
+              <a:t>setid</a:t>
+            </a:r>
+            <a:r>
+              <a:rPr lang="de-DE" sz="2000" dirty="0"/>
+              <a:t>(</a:t>
+            </a:r>
+            <a:r>
+              <a:rPr lang="de-DE" sz="2000" dirty="0" err="1"/>
+              <a:t>int</a:t>
+            </a:r>
+            <a:r>
+              <a:rPr lang="de-DE" sz="2000" dirty="0"/>
+              <a:t> </a:t>
+            </a:r>
+            <a:r>
+              <a:rPr lang="de-DE" sz="2000" dirty="0" err="1"/>
+              <a:t>id</a:t>
+            </a:r>
+            <a:r>
+              <a:rPr lang="de-DE" sz="2000" dirty="0"/>
+              <a:t>) {</a:t>
+            </a:r>
+          </a:p>
+          <a:p>
+            <a:r>
+              <a:rPr lang="de-DE" sz="2000" dirty="0"/>
+              <a:t>        this.id = </a:t>
+            </a:r>
+            <a:r>
+              <a:rPr lang="de-DE" sz="2000" dirty="0" err="1"/>
+              <a:t>id</a:t>
+            </a:r>
+            <a:r>
+              <a:rPr lang="de-DE" sz="2000" dirty="0"/>
+              <a:t>;</a:t>
+            </a:r>
+          </a:p>
+          <a:p>
+            <a:r>
+              <a:rPr lang="de-DE" sz="2000" dirty="0"/>
+              <a:t>    }</a:t>
+            </a:r>
+          </a:p>
+          <a:p>
+            <a:endParaRPr lang="de-DE" sz="2000" dirty="0"/>
+          </a:p>
+          <a:p>
+            <a:r>
+              <a:rPr lang="de-DE" sz="2000" dirty="0"/>
+              <a:t>    …. ….</a:t>
+            </a:r>
+          </a:p>
+        </p:txBody>
+      </p:sp>
+    </p:spTree>
+    <p:extLst>
+      <p:ext uri="{BB962C8B-B14F-4D97-AF65-F5344CB8AC3E}">
+        <p14:creationId xmlns:p14="http://schemas.microsoft.com/office/powerpoint/2010/main" val="1447396209"/>
+      </p:ext>
+    </p:extLst>
+  </p:cSld>
+  <p:clrMapOvr>
+    <a:masterClrMapping/>
+  </p:clrMapOvr>
+</p:sld>
+</file>
+
+<file path=ppt/slides/slide8.xml><?xml version="1.0" encoding="utf-8"?>
+<p:sld xmlns:a="http://schemas.openxmlformats.org/drawingml/2006/main" xmlns:r="http://schemas.openxmlformats.org/officeDocument/2006/relationships" xmlns:p="http://schemas.openxmlformats.org/presentationml/2006/main">
+  <p:cSld>
+    <p:spTree>
+      <p:nvGrpSpPr>
+        <p:cNvPr id="1" name=""/>
+        <p:cNvGrpSpPr/>
+        <p:nvPr/>
+      </p:nvGrpSpPr>
+      <p:grpSpPr>
+        <a:xfrm>
+          <a:off x="0" y="0"/>
+          <a:ext cx="0" cy="0"/>
+          <a:chOff x="0" y="0"/>
+          <a:chExt cx="0" cy="0"/>
+        </a:xfrm>
+      </p:grpSpPr>
+      <p:sp>
+        <p:nvSpPr>
+          <p:cNvPr id="2" name="Title 1">
+            <a:extLst>
+              <a:ext uri="{FF2B5EF4-FFF2-40B4-BE49-F238E27FC236}">
+                <a16:creationId xmlns:a16="http://schemas.microsoft.com/office/drawing/2014/main" id="{CBD7E1B1-DC63-4BE6-9989-3E1200C137D4}"/>
+              </a:ext>
+            </a:extLst>
+          </p:cNvPr>
+          <p:cNvSpPr>
+            <a:spLocks noGrp="1"/>
+          </p:cNvSpPr>
+          <p:nvPr>
+            <p:ph type="title"/>
+          </p:nvPr>
+        </p:nvSpPr>
+        <p:spPr/>
+        <p:txBody>
+          <a:bodyPr/>
+          <a:lstStyle/>
+          <a:p>
+            <a:r>
+              <a:rPr lang="de-DE" dirty="0"/>
+              <a:t>6 Schnittstellen von </a:t>
+            </a:r>
+            <a:r>
+              <a:rPr lang="de-DE" dirty="0" err="1"/>
+              <a:t>Hibernate</a:t>
+            </a:r>
+            <a:endParaRPr lang="de-DE" dirty="0"/>
+          </a:p>
+        </p:txBody>
+      </p:sp>
+      <p:sp>
+        <p:nvSpPr>
+          <p:cNvPr id="3" name="Content Placeholder 2">
+            <a:extLst>
+              <a:ext uri="{FF2B5EF4-FFF2-40B4-BE49-F238E27FC236}">
+                <a16:creationId xmlns:a16="http://schemas.microsoft.com/office/drawing/2014/main" id="{D93F3C05-6BC4-4C22-AECA-149EFACDF427}"/>
+              </a:ext>
+            </a:extLst>
+          </p:cNvPr>
+          <p:cNvSpPr>
+            <a:spLocks noGrp="1"/>
+          </p:cNvSpPr>
+          <p:nvPr>
+            <p:ph idx="1"/>
+          </p:nvPr>
+        </p:nvSpPr>
+        <p:spPr/>
+        <p:txBody>
+          <a:bodyPr>
+            <a:normAutofit/>
+          </a:bodyPr>
+          <a:lstStyle/>
+          <a:p>
+            <a:r>
+              <a:rPr lang="de-DE" sz="2400" dirty="0"/>
+              <a:t>Konfiguration</a:t>
+            </a:r>
+          </a:p>
+          <a:p>
+            <a:r>
+              <a:rPr lang="de-DE" sz="2400" dirty="0" err="1"/>
+              <a:t>SessionFactory</a:t>
+            </a:r>
+            <a:endParaRPr lang="de-DE" sz="2400" dirty="0"/>
+          </a:p>
+          <a:p>
+            <a:r>
+              <a:rPr lang="de-DE" sz="2400" dirty="0"/>
+              <a:t>Session</a:t>
+            </a:r>
+          </a:p>
+          <a:p>
+            <a:r>
+              <a:rPr lang="de-DE" sz="2400" dirty="0"/>
+              <a:t>Transaction</a:t>
+            </a:r>
+          </a:p>
+          <a:p>
+            <a:r>
+              <a:rPr lang="de-DE" sz="2400" dirty="0"/>
+              <a:t>Query + </a:t>
+            </a:r>
+            <a:r>
+              <a:rPr lang="de-DE" sz="2400" dirty="0" err="1"/>
+              <a:t>Criteria</a:t>
+            </a:r>
+            <a:r>
+              <a:rPr lang="de-DE" sz="2400" dirty="0"/>
+              <a:t> API</a:t>
+            </a:r>
+          </a:p>
+        </p:txBody>
+      </p:sp>
+    </p:spTree>
+    <p:extLst>
+      <p:ext uri="{BB962C8B-B14F-4D97-AF65-F5344CB8AC3E}">
+        <p14:creationId xmlns:p14="http://schemas.microsoft.com/office/powerpoint/2010/main" val="4290745794"/>
+      </p:ext>
+    </p:extLst>
+  </p:cSld>
+  <p:clrMapOvr>
+    <a:masterClrMapping/>
+  </p:clrMapOvr>
+</p:sld>
+</file>
+
+<file path=ppt/slides/slide9.xml><?xml version="1.0" encoding="utf-8"?>
+<p:sld xmlns:a="http://schemas.openxmlformats.org/drawingml/2006/main" xmlns:r="http://schemas.openxmlformats.org/officeDocument/2006/relationships" xmlns:p="http://schemas.openxmlformats.org/presentationml/2006/main">
+  <p:cSld>
+    <p:spTree>
+      <p:nvGrpSpPr>
+        <p:cNvPr id="1" name=""/>
+        <p:cNvGrpSpPr/>
+        <p:nvPr/>
+      </p:nvGrpSpPr>
+      <p:grpSpPr>
+        <a:xfrm>
+          <a:off x="0" y="0"/>
+          <a:ext cx="0" cy="0"/>
+          <a:chOff x="0" y="0"/>
+          <a:chExt cx="0" cy="0"/>
+        </a:xfrm>
+      </p:grpSpPr>
+      <p:sp>
+        <p:nvSpPr>
+          <p:cNvPr id="2" name="Title 1">
+            <a:extLst>
+              <a:ext uri="{FF2B5EF4-FFF2-40B4-BE49-F238E27FC236}">
+                <a16:creationId xmlns:a16="http://schemas.microsoft.com/office/drawing/2014/main" id="{69B68BF0-5354-436C-AD8B-1ED6DCE1325F}"/>
+              </a:ext>
+            </a:extLst>
+          </p:cNvPr>
+          <p:cNvSpPr>
+            <a:spLocks noGrp="1"/>
+          </p:cNvSpPr>
+          <p:nvPr>
+            <p:ph type="title"/>
+          </p:nvPr>
+        </p:nvSpPr>
+        <p:spPr/>
+        <p:txBody>
+          <a:bodyPr/>
+          <a:lstStyle/>
+          <a:p>
+            <a:r>
+              <a:rPr lang="de-DE" dirty="0"/>
+              <a:t>Konfiguration</a:t>
+            </a:r>
+          </a:p>
+        </p:txBody>
+      </p:sp>
+      <p:sp>
+        <p:nvSpPr>
+          <p:cNvPr id="3" name="Content Placeholder 2">
+            <a:extLst>
+              <a:ext uri="{FF2B5EF4-FFF2-40B4-BE49-F238E27FC236}">
+                <a16:creationId xmlns:a16="http://schemas.microsoft.com/office/drawing/2014/main" id="{67FBDF3C-0B7C-444C-A5B1-24D1728525F7}"/>
+              </a:ext>
+            </a:extLst>
+          </p:cNvPr>
+          <p:cNvSpPr>
+            <a:spLocks noGrp="1"/>
+          </p:cNvSpPr>
+          <p:nvPr>
+            <p:ph idx="1"/>
+          </p:nvPr>
+        </p:nvSpPr>
+        <p:spPr/>
+        <p:txBody>
+          <a:bodyPr/>
+          <a:lstStyle/>
+          <a:p>
+            <a:r>
+              <a:rPr lang="de-DE" sz="2400" dirty="0"/>
+              <a:t>Konfiguration für </a:t>
+            </a:r>
+            <a:r>
+              <a:rPr lang="de-DE" sz="2400" dirty="0" err="1"/>
+              <a:t>Hibernate</a:t>
+            </a:r>
+            <a:endParaRPr lang="de-DE" sz="2400" dirty="0"/>
+          </a:p>
+          <a:p>
+            <a:pPr lvl="1"/>
+            <a:r>
+              <a:rPr lang="de-DE" sz="2200" dirty="0"/>
+              <a:t>Konfiguration meistens in einer Datei</a:t>
+            </a:r>
+            <a:br>
+              <a:rPr lang="de-DE" sz="2200" dirty="0"/>
+            </a:br>
+            <a:r>
+              <a:rPr lang="de-DE" sz="2200" dirty="0"/>
+              <a:t>(hier: hibernate.cfg.xml)</a:t>
+            </a:r>
+          </a:p>
+          <a:p>
+            <a:pPr lvl="1"/>
+            <a:r>
+              <a:rPr lang="de-DE" sz="2200" dirty="0"/>
+              <a:t>Datenbank</a:t>
+            </a:r>
+          </a:p>
+          <a:p>
+            <a:pPr lvl="1"/>
+            <a:r>
+              <a:rPr lang="de-DE" sz="2200" dirty="0"/>
+              <a:t>Mapping-Ressourcen</a:t>
+            </a:r>
+          </a:p>
+        </p:txBody>
+      </p:sp>
+    </p:spTree>
+    <p:extLst>
+      <p:ext uri="{BB962C8B-B14F-4D97-AF65-F5344CB8AC3E}">
+        <p14:creationId xmlns:p14="http://schemas.microsoft.com/office/powerpoint/2010/main" val="2072140440"/>
       </p:ext>
     </p:extLst>
   </p:cSld>
